--- a/slides/ddl-w4l1.pptx
+++ b/slides/ddl-w4l1.pptx
@@ -3378,7 +3378,7 @@
             <a:fld id="{373F1B60-BDF4-4D63-AD79-99D5A5B1DF99}" type="datetime1">
               <a:rPr lang="en-US"/>
               <a:pPr/>
-              <a:t>11/27/2018</a:t>
+              <a:t>11/30/2018</a:t>
             </a:fld>
             <a:endParaRPr lang="en-US"/>
           </a:p>
@@ -3597,7 +3597,7 @@
             <a:fld id="{4387A7AA-DFE9-4771-BEDE-3294FCEBFB02}" type="datetime1">
               <a:rPr lang="en-US"/>
               <a:pPr/>
-              <a:t>11/27/2018</a:t>
+              <a:t>11/30/2018</a:t>
             </a:fld>
             <a:endParaRPr lang="en-US"/>
           </a:p>
@@ -3988,7 +3988,7 @@
             <a:fld id="{8541E2CD-DBF4-40F9-B6F8-EEFD0DF8A138}" type="datetime1">
               <a:rPr lang="en-US"/>
               <a:pPr/>
-              <a:t>11/27/2018</a:t>
+              <a:t>11/30/2018</a:t>
             </a:fld>
             <a:endParaRPr lang="en-US"/>
           </a:p>
@@ -4203,7 +4203,7 @@
             <a:fld id="{93F21019-3A00-48AC-9663-40DF67A83229}" type="datetime1">
               <a:rPr lang="en-US"/>
               <a:pPr/>
-              <a:t>11/27/2018</a:t>
+              <a:t>11/30/2018</a:t>
             </a:fld>
             <a:endParaRPr lang="en-US">
               <a:solidFill>
@@ -4389,7 +4389,7 @@
             <a:fld id="{8B2EF9C8-0AC3-4A53-9A61-1834A571F420}" type="datetime1">
               <a:rPr lang="en-US"/>
               <a:pPr/>
-              <a:t>11/27/2018</a:t>
+              <a:t>11/30/2018</a:t>
             </a:fld>
             <a:endParaRPr lang="en-US" sz="1400">
               <a:solidFill>
@@ -4586,7 +4586,7 @@
             <a:fld id="{F02960F3-A385-4905-A491-FDC17E063DD1}" type="datetime1">
               <a:rPr lang="en-US"/>
               <a:pPr/>
-              <a:t>11/27/2018</a:t>
+              <a:t>11/30/2018</a:t>
             </a:fld>
             <a:endParaRPr lang="en-US" sz="1400">
               <a:solidFill>
@@ -4845,7 +4845,7 @@
             <a:fld id="{CD3AD70A-8E2A-47B5-AC18-ABBB5A8E737D}" type="datetime1">
               <a:rPr lang="en-US"/>
               <a:pPr/>
-              <a:t>11/27/2018</a:t>
+              <a:t>11/30/2018</a:t>
             </a:fld>
             <a:endParaRPr lang="en-US" sz="1400">
               <a:solidFill>
@@ -5081,7 +5081,7 @@
             <a:fld id="{07008C2E-9BD6-496B-BFC3-B4A975EBC85E}" type="datetime1">
               <a:rPr lang="en-US"/>
               <a:pPr/>
-              <a:t>11/27/2018</a:t>
+              <a:t>11/30/2018</a:t>
             </a:fld>
             <a:endParaRPr lang="en-US" sz="1400">
               <a:solidFill>
@@ -5260,7 +5260,7 @@
             <a:fld id="{1AA2C3CF-866C-4FDE-B76D-4E9536901630}" type="datetime1">
               <a:rPr lang="en-US"/>
               <a:pPr/>
-              <a:t>11/27/2018</a:t>
+              <a:t>11/30/2018</a:t>
             </a:fld>
             <a:endParaRPr lang="en-US" sz="1400">
               <a:solidFill>
@@ -5439,7 +5439,7 @@
             <a:fld id="{555EE259-FE08-4558-B721-B189FFE77284}" type="datetime1">
               <a:rPr lang="en-US"/>
               <a:pPr/>
-              <a:t>11/27/2018</a:t>
+              <a:t>11/30/2018</a:t>
             </a:fld>
             <a:endParaRPr lang="en-US" sz="1400">
               <a:solidFill>
@@ -5708,7 +5708,7 @@
             <a:fld id="{0AF4064E-5624-49AB-B7C6-E301A8F6B1FF}" type="datetime1">
               <a:rPr lang="en-US"/>
               <a:pPr/>
-              <a:t>11/27/2018</a:t>
+              <a:t>11/30/2018</a:t>
             </a:fld>
             <a:endParaRPr lang="en-US" sz="1400">
               <a:solidFill>
@@ -5905,7 +5905,7 @@
             <a:fld id="{CBC97FCD-6C54-4833-B032-BFBCDFA8379D}" type="datetime1">
               <a:rPr lang="en-US"/>
               <a:pPr/>
-              <a:t>11/27/2018</a:t>
+              <a:t>11/30/2018</a:t>
             </a:fld>
             <a:endParaRPr lang="en-US" sz="1400">
               <a:solidFill>
@@ -6114,7 +6114,7 @@
             <a:fld id="{F04AA577-515A-431F-98B6-3B03494ABB11}" type="datetime1">
               <a:rPr lang="en-US"/>
               <a:pPr/>
-              <a:t>11/27/2018</a:t>
+              <a:t>11/30/2018</a:t>
             </a:fld>
             <a:endParaRPr lang="en-US" sz="1400">
               <a:solidFill>
@@ -6419,7 +6419,7 @@
             <a:fld id="{6475F1A4-C474-4345-A800-2F40B0E4E70C}" type="datetime1">
               <a:rPr lang="en-US"/>
               <a:pPr/>
-              <a:t>11/27/2018</a:t>
+              <a:t>11/30/2018</a:t>
             </a:fld>
             <a:endParaRPr lang="en-US" sz="1400">
               <a:solidFill>
@@ -6863,7 +6863,7 @@
             <a:fld id="{7BA535AB-820E-4207-9DA8-5F37106C7AF4}" type="datetime1">
               <a:rPr lang="en-US"/>
               <a:pPr/>
-              <a:t>11/27/2018</a:t>
+              <a:t>11/30/2018</a:t>
             </a:fld>
             <a:endParaRPr lang="en-US" sz="1400">
               <a:solidFill>
@@ -6998,7 +6998,7 @@
             <a:fld id="{0A7E69FA-D7EE-42C0-9117-1971B541885F}" type="datetime1">
               <a:rPr lang="en-US"/>
               <a:pPr/>
-              <a:t>11/27/2018</a:t>
+              <a:t>11/30/2018</a:t>
             </a:fld>
             <a:endParaRPr lang="en-US" sz="1400">
               <a:solidFill>
@@ -7110,7 +7110,7 @@
             <a:fld id="{10D7644E-1B5D-4325-BA79-338DF2B89B56}" type="datetime1">
               <a:rPr lang="en-US"/>
               <a:pPr/>
-              <a:t>11/27/2018</a:t>
+              <a:t>11/30/2018</a:t>
             </a:fld>
             <a:endParaRPr lang="en-US" sz="1400">
               <a:solidFill>
@@ -7404,7 +7404,7 @@
             <a:fld id="{B790C882-0B74-4932-8998-E9ABB8AF1740}" type="datetime1">
               <a:rPr lang="en-US"/>
               <a:pPr/>
-              <a:t>11/27/2018</a:t>
+              <a:t>11/30/2018</a:t>
             </a:fld>
             <a:endParaRPr lang="en-US" sz="1400">
               <a:solidFill>
@@ -7674,7 +7674,7 @@
             <a:fld id="{9DC585DC-AE7D-44C1-90AB-C3A391DEA065}" type="datetime1">
               <a:rPr lang="en-US"/>
               <a:pPr/>
-              <a:t>11/27/2018</a:t>
+              <a:t>11/30/2018</a:t>
             </a:fld>
             <a:endParaRPr lang="en-US" sz="1400">
               <a:solidFill>
@@ -7938,7 +7938,7 @@
             <a:fld id="{256CE565-1940-4E5F-9190-C0815CEAAA9D}" type="datetime1">
               <a:rPr lang="en-US"/>
               <a:pPr/>
-              <a:t>11/27/2018</a:t>
+              <a:t>11/30/2018</a:t>
             </a:fld>
             <a:endParaRPr lang="en-US"/>
           </a:p>
@@ -9591,8 +9591,8 @@
               <a:t> </a:t>
             </a:r>
             <a:r>
-              <a:rPr lang="nl-NL" sz="2400" dirty="0" err="1" smtClean="0"/>
-              <a:t>statistics</a:t>
+              <a:rPr lang="nl-NL" sz="2400" dirty="0" smtClean="0"/>
+              <a:t>research</a:t>
             </a:r>
             <a:r>
               <a:rPr lang="nl-NL" sz="2400" dirty="0" smtClean="0"/>
@@ -9921,7 +9921,7 @@
               <a:t> </a:t>
             </a:r>
             <a:r>
-              <a:rPr lang="nl-NL" sz="2000" dirty="0" err="1" smtClean="0"/>
+              <a:rPr lang="nl-NL" sz="2000" i="1" dirty="0" err="1" smtClean="0"/>
               <a:t>may</a:t>
             </a:r>
             <a:r>
@@ -10155,7 +10155,7 @@
         <p:spPr>
           <a:xfrm>
             <a:off x="683568" y="1700808"/>
-            <a:ext cx="7881938" cy="4376583"/>
+            <a:ext cx="7881938" cy="4425827"/>
           </a:xfrm>
         </p:spPr>
         <p:txBody>
@@ -10170,13 +10170,62 @@
                 <a:latin typeface="Courier New" panose="02070309020205020404" pitchFamily="49" charset="0"/>
                 <a:cs typeface="Courier New" panose="02070309020205020404" pitchFamily="49" charset="0"/>
               </a:rPr>
-              <a:t>Combine the </a:t>
+              <a:t>See </a:t>
+            </a:r>
+            <a:r>
+              <a:rPr lang="nl-NL" sz="1600" dirty="0" err="1">
+                <a:latin typeface="Courier New" panose="02070309020205020404" pitchFamily="49" charset="0"/>
+                <a:cs typeface="Courier New" panose="02070309020205020404" pitchFamily="49" charset="0"/>
+              </a:rPr>
+              <a:t>e</a:t>
             </a:r>
             <a:r>
               <a:rPr lang="nl-NL" sz="1600" dirty="0" err="1" smtClean="0">
                 <a:latin typeface="Courier New" panose="02070309020205020404" pitchFamily="49" charset="0"/>
                 <a:cs typeface="Courier New" panose="02070309020205020404" pitchFamily="49" charset="0"/>
               </a:rPr>
+              <a:t>xample</a:t>
+            </a:r>
+            <a:r>
+              <a:rPr lang="nl-NL" sz="1600" dirty="0" smtClean="0">
+                <a:latin typeface="Courier New" panose="02070309020205020404" pitchFamily="49" charset="0"/>
+                <a:cs typeface="Courier New" panose="02070309020205020404" pitchFamily="49" charset="0"/>
+              </a:rPr>
+              <a:t> Notebook: data cleaning</a:t>
+            </a:r>
+          </a:p>
+          <a:p>
+            <a:pPr marL="0" indent="0">
+              <a:buNone/>
+            </a:pPr>
+            <a:endParaRPr lang="nl-NL" sz="1600" dirty="0">
+              <a:latin typeface="Courier New" panose="02070309020205020404" pitchFamily="49" charset="0"/>
+              <a:cs typeface="Courier New" panose="02070309020205020404" pitchFamily="49" charset="0"/>
+            </a:endParaRPr>
+          </a:p>
+          <a:p>
+            <a:pPr marL="0" indent="0">
+              <a:buNone/>
+            </a:pPr>
+            <a:r>
+              <a:rPr lang="nl-NL" sz="1600" dirty="0" smtClean="0">
+                <a:latin typeface="Courier New" panose="02070309020205020404" pitchFamily="49" charset="0"/>
+                <a:cs typeface="Courier New" panose="02070309020205020404" pitchFamily="49" charset="0"/>
+              </a:rPr>
+              <a:t>Combine </a:t>
+            </a:r>
+            <a:r>
+              <a:rPr lang="nl-NL" sz="1600" dirty="0" smtClean="0">
+                <a:latin typeface="Courier New" panose="02070309020205020404" pitchFamily="49" charset="0"/>
+                <a:cs typeface="Courier New" panose="02070309020205020404" pitchFamily="49" charset="0"/>
+              </a:rPr>
+              <a:t>the </a:t>
+            </a:r>
+            <a:r>
+              <a:rPr lang="nl-NL" sz="1600" dirty="0" err="1" smtClean="0">
+                <a:latin typeface="Courier New" panose="02070309020205020404" pitchFamily="49" charset="0"/>
+                <a:cs typeface="Courier New" panose="02070309020205020404" pitchFamily="49" charset="0"/>
+              </a:rPr>
               <a:t>two</a:t>
             </a:r>
             <a:r>
@@ -10261,49 +10310,70 @@
                 <a:latin typeface="Courier New" panose="02070309020205020404" pitchFamily="49" charset="0"/>
                 <a:cs typeface="Courier New" panose="02070309020205020404" pitchFamily="49" charset="0"/>
               </a:rPr>
-              <a:t>wide</a:t>
+              <a:t>csv</a:t>
             </a:r>
             <a:r>
               <a:rPr lang="nl-NL" sz="1600" dirty="0" smtClean="0">
                 <a:latin typeface="Courier New" panose="02070309020205020404" pitchFamily="49" charset="0"/>
                 <a:cs typeface="Courier New" panose="02070309020205020404" pitchFamily="49" charset="0"/>
               </a:rPr>
-              <a:t> format </a:t>
+              <a:t> </a:t>
+            </a:r>
+            <a:r>
+              <a:rPr lang="nl-NL" sz="1600" dirty="0" smtClean="0">
+                <a:latin typeface="Courier New" panose="02070309020205020404" pitchFamily="49" charset="0"/>
+                <a:cs typeface="Courier New" panose="02070309020205020404" pitchFamily="49" charset="0"/>
+              </a:rPr>
+              <a:t>file, </a:t>
             </a:r>
             <a:r>
               <a:rPr lang="nl-NL" sz="1600" dirty="0" err="1" smtClean="0">
                 <a:latin typeface="Courier New" panose="02070309020205020404" pitchFamily="49" charset="0"/>
                 <a:cs typeface="Courier New" panose="02070309020205020404" pitchFamily="49" charset="0"/>
               </a:rPr>
-              <a:t>csv</a:t>
+              <a:t>and</a:t>
             </a:r>
             <a:r>
               <a:rPr lang="nl-NL" sz="1600" dirty="0" smtClean="0">
                 <a:latin typeface="Courier New" panose="02070309020205020404" pitchFamily="49" charset="0"/>
                 <a:cs typeface="Courier New" panose="02070309020205020404" pitchFamily="49" charset="0"/>
               </a:rPr>
-              <a:t> file, </a:t>
+              <a:t> clean up the </a:t>
             </a:r>
             <a:r>
               <a:rPr lang="nl-NL" sz="1600" dirty="0" err="1" smtClean="0">
                 <a:latin typeface="Courier New" panose="02070309020205020404" pitchFamily="49" charset="0"/>
                 <a:cs typeface="Courier New" panose="02070309020205020404" pitchFamily="49" charset="0"/>
               </a:rPr>
-              <a:t>and</a:t>
+              <a:t>variable</a:t>
             </a:r>
             <a:r>
               <a:rPr lang="nl-NL" sz="1600" dirty="0" smtClean="0">
                 <a:latin typeface="Courier New" panose="02070309020205020404" pitchFamily="49" charset="0"/>
                 <a:cs typeface="Courier New" panose="02070309020205020404" pitchFamily="49" charset="0"/>
               </a:rPr>
-              <a:t> clean up the </a:t>
+              <a:t> </a:t>
+            </a:r>
+            <a:r>
+              <a:rPr lang="nl-NL" sz="1600" i="1" dirty="0" smtClean="0">
+                <a:latin typeface="Courier New" panose="02070309020205020404" pitchFamily="49" charset="0"/>
+                <a:cs typeface="Courier New" panose="02070309020205020404" pitchFamily="49" charset="0"/>
+              </a:rPr>
+              <a:t>Tour </a:t>
+            </a:r>
+            <a:r>
+              <a:rPr lang="nl-NL" sz="1600" dirty="0" smtClean="0">
+                <a:latin typeface="Courier New" panose="02070309020205020404" pitchFamily="49" charset="0"/>
+                <a:cs typeface="Courier New" panose="02070309020205020404" pitchFamily="49" charset="0"/>
+              </a:rPr>
+              <a:t>(</a:t>
             </a:r>
             <a:r>
               <a:rPr lang="nl-NL" sz="1600" dirty="0" err="1" smtClean="0">
                 <a:latin typeface="Courier New" panose="02070309020205020404" pitchFamily="49" charset="0"/>
                 <a:cs typeface="Courier New" panose="02070309020205020404" pitchFamily="49" charset="0"/>
               </a:rPr>
-              <a:t>variable</a:t>
+              <a:t>waist</a:t>
             </a:r>
             <a:r>
               <a:rPr lang="nl-NL" sz="1600" dirty="0" smtClean="0">
@@ -10313,25 +10383,25 @@
               <a:t> </a:t>
             </a:r>
             <a:r>
-              <a:rPr lang="nl-NL" sz="1600" i="1" dirty="0" smtClean="0">
-                <a:latin typeface="Courier New" panose="02070309020205020404" pitchFamily="49" charset="0"/>
-                <a:cs typeface="Courier New" panose="02070309020205020404" pitchFamily="49" charset="0"/>
-              </a:rPr>
-              <a:t>Tour </a:t>
+              <a:rPr lang="nl-NL" sz="1600" dirty="0" err="1" smtClean="0">
+                <a:latin typeface="Courier New" panose="02070309020205020404" pitchFamily="49" charset="0"/>
+                <a:cs typeface="Courier New" panose="02070309020205020404" pitchFamily="49" charset="0"/>
+              </a:rPr>
+              <a:t>circumference</a:t>
             </a:r>
             <a:r>
               <a:rPr lang="nl-NL" sz="1600" dirty="0" smtClean="0">
                 <a:latin typeface="Courier New" panose="02070309020205020404" pitchFamily="49" charset="0"/>
                 <a:cs typeface="Courier New" panose="02070309020205020404" pitchFamily="49" charset="0"/>
               </a:rPr>
-              <a:t>(</a:t>
+              <a:t>). </a:t>
             </a:r>
             <a:r>
               <a:rPr lang="nl-NL" sz="1600" dirty="0" err="1" smtClean="0">
                 <a:latin typeface="Courier New" panose="02070309020205020404" pitchFamily="49" charset="0"/>
                 <a:cs typeface="Courier New" panose="02070309020205020404" pitchFamily="49" charset="0"/>
               </a:rPr>
-              <a:t>waist</a:t>
+              <a:t>You</a:t>
             </a:r>
             <a:r>
               <a:rPr lang="nl-NL" sz="1600" dirty="0" smtClean="0">
@@ -10345,21 +10415,21 @@
                 <a:latin typeface="Courier New" panose="02070309020205020404" pitchFamily="49" charset="0"/>
                 <a:cs typeface="Courier New" panose="02070309020205020404" pitchFamily="49" charset="0"/>
               </a:rPr>
-              <a:t>circumference</a:t>
+              <a:t>will</a:t>
             </a:r>
             <a:r>
               <a:rPr lang="nl-NL" sz="1600" dirty="0" smtClean="0">
                 <a:latin typeface="Courier New" panose="02070309020205020404" pitchFamily="49" charset="0"/>
                 <a:cs typeface="Courier New" panose="02070309020205020404" pitchFamily="49" charset="0"/>
               </a:rPr>
-              <a:t>). </a:t>
+              <a:t> </a:t>
             </a:r>
             <a:r>
               <a:rPr lang="nl-NL" sz="1600" dirty="0" err="1" smtClean="0">
                 <a:latin typeface="Courier New" panose="02070309020205020404" pitchFamily="49" charset="0"/>
                 <a:cs typeface="Courier New" panose="02070309020205020404" pitchFamily="49" charset="0"/>
               </a:rPr>
-              <a:t>You</a:t>
+              <a:t>also</a:t>
             </a:r>
             <a:r>
               <a:rPr lang="nl-NL" sz="1600" dirty="0" smtClean="0">
@@ -10373,13 +10443,41 @@
                 <a:latin typeface="Courier New" panose="02070309020205020404" pitchFamily="49" charset="0"/>
                 <a:cs typeface="Courier New" panose="02070309020205020404" pitchFamily="49" charset="0"/>
               </a:rPr>
-              <a:t>will</a:t>
+              <a:t>need</a:t>
             </a:r>
             <a:r>
               <a:rPr lang="nl-NL" sz="1600" dirty="0" smtClean="0">
                 <a:latin typeface="Courier New" panose="02070309020205020404" pitchFamily="49" charset="0"/>
                 <a:cs typeface="Courier New" panose="02070309020205020404" pitchFamily="49" charset="0"/>
               </a:rPr>
+              <a:t> these </a:t>
+            </a:r>
+            <a:r>
+              <a:rPr lang="nl-NL" sz="1600" dirty="0" err="1" smtClean="0">
+                <a:latin typeface="Courier New" panose="02070309020205020404" pitchFamily="49" charset="0"/>
+                <a:cs typeface="Courier New" panose="02070309020205020404" pitchFamily="49" charset="0"/>
+              </a:rPr>
+              <a:t>cleaned</a:t>
+            </a:r>
+            <a:r>
+              <a:rPr lang="nl-NL" sz="1600" dirty="0" smtClean="0">
+                <a:latin typeface="Courier New" panose="02070309020205020404" pitchFamily="49" charset="0"/>
+                <a:cs typeface="Courier New" panose="02070309020205020404" pitchFamily="49" charset="0"/>
+              </a:rPr>
+              <a:t> data </a:t>
+            </a:r>
+            <a:r>
+              <a:rPr lang="nl-NL" sz="1600" dirty="0" err="1" smtClean="0">
+                <a:latin typeface="Courier New" panose="02070309020205020404" pitchFamily="49" charset="0"/>
+                <a:cs typeface="Courier New" panose="02070309020205020404" pitchFamily="49" charset="0"/>
+              </a:rPr>
+              <a:t>for</a:t>
+            </a:r>
+            <a:r>
+              <a:rPr lang="nl-NL" sz="1600" dirty="0" smtClean="0">
+                <a:latin typeface="Courier New" panose="02070309020205020404" pitchFamily="49" charset="0"/>
+                <a:cs typeface="Courier New" panose="02070309020205020404" pitchFamily="49" charset="0"/>
+              </a:rPr>
               <a:t> </a:t>
             </a:r>
             <a:r>
@@ -10387,13 +10485,34 @@
                 <a:latin typeface="Courier New" panose="02070309020205020404" pitchFamily="49" charset="0"/>
                 <a:cs typeface="Courier New" panose="02070309020205020404" pitchFamily="49" charset="0"/>
               </a:rPr>
-              <a:t>also</a:t>
+              <a:t>Assignment</a:t>
             </a:r>
             <a:r>
               <a:rPr lang="nl-NL" sz="1600" dirty="0" smtClean="0">
                 <a:latin typeface="Courier New" panose="02070309020205020404" pitchFamily="49" charset="0"/>
                 <a:cs typeface="Courier New" panose="02070309020205020404" pitchFamily="49" charset="0"/>
               </a:rPr>
+              <a:t> 1. </a:t>
+            </a:r>
+            <a:r>
+              <a:rPr lang="nl-NL" sz="1600" dirty="0" smtClean="0">
+                <a:latin typeface="Courier New" panose="02070309020205020404" pitchFamily="49" charset="0"/>
+                <a:cs typeface="Courier New" panose="02070309020205020404" pitchFamily="49" charset="0"/>
+              </a:rPr>
+              <a:t>See </a:t>
+            </a:r>
+            <a:r>
+              <a:rPr lang="nl-NL" sz="1600" dirty="0" err="1" smtClean="0">
+                <a:latin typeface="Courier New" panose="02070309020205020404" pitchFamily="49" charset="0"/>
+                <a:cs typeface="Courier New" panose="02070309020205020404" pitchFamily="49" charset="0"/>
+              </a:rPr>
+              <a:t>Learn</a:t>
+            </a:r>
+            <a:r>
+              <a:rPr lang="nl-NL" sz="1600" dirty="0" smtClean="0">
+                <a:latin typeface="Courier New" panose="02070309020205020404" pitchFamily="49" charset="0"/>
+                <a:cs typeface="Courier New" panose="02070309020205020404" pitchFamily="49" charset="0"/>
+              </a:rPr>
               <a:t> </a:t>
             </a:r>
             <a:r>
@@ -10401,57 +10520,19 @@
                 <a:latin typeface="Courier New" panose="02070309020205020404" pitchFamily="49" charset="0"/>
                 <a:cs typeface="Courier New" panose="02070309020205020404" pitchFamily="49" charset="0"/>
               </a:rPr>
-              <a:t>need</a:t>
+              <a:t>for</a:t>
             </a:r>
             <a:r>
               <a:rPr lang="nl-NL" sz="1600" dirty="0" smtClean="0">
                 <a:latin typeface="Courier New" panose="02070309020205020404" pitchFamily="49" charset="0"/>
                 <a:cs typeface="Courier New" panose="02070309020205020404" pitchFamily="49" charset="0"/>
               </a:rPr>
-              <a:t> these </a:t>
-            </a:r>
-            <a:r>
-              <a:rPr lang="nl-NL" sz="1600" dirty="0" err="1" smtClean="0">
-                <a:latin typeface="Courier New" panose="02070309020205020404" pitchFamily="49" charset="0"/>
-                <a:cs typeface="Courier New" panose="02070309020205020404" pitchFamily="49" charset="0"/>
-              </a:rPr>
-              <a:t>cleaned</a:t>
-            </a:r>
-            <a:r>
-              <a:rPr lang="nl-NL" sz="1600" dirty="0" smtClean="0">
-                <a:latin typeface="Courier New" panose="02070309020205020404" pitchFamily="49" charset="0"/>
-                <a:cs typeface="Courier New" panose="02070309020205020404" pitchFamily="49" charset="0"/>
-              </a:rPr>
-              <a:t> data </a:t>
-            </a:r>
-            <a:r>
-              <a:rPr lang="nl-NL" sz="1600" dirty="0" err="1" smtClean="0">
-                <a:latin typeface="Courier New" panose="02070309020205020404" pitchFamily="49" charset="0"/>
-                <a:cs typeface="Courier New" panose="02070309020205020404" pitchFamily="49" charset="0"/>
-              </a:rPr>
-              <a:t>for</a:t>
-            </a:r>
-            <a:r>
-              <a:rPr lang="nl-NL" sz="1600" dirty="0" smtClean="0">
-                <a:latin typeface="Courier New" panose="02070309020205020404" pitchFamily="49" charset="0"/>
-                <a:cs typeface="Courier New" panose="02070309020205020404" pitchFamily="49" charset="0"/>
-              </a:rPr>
-              <a:t> </a:t>
-            </a:r>
-            <a:r>
-              <a:rPr lang="nl-NL" sz="1600" dirty="0" err="1" smtClean="0">
-                <a:latin typeface="Courier New" panose="02070309020205020404" pitchFamily="49" charset="0"/>
-                <a:cs typeface="Courier New" panose="02070309020205020404" pitchFamily="49" charset="0"/>
-              </a:rPr>
-              <a:t>Assignment</a:t>
-            </a:r>
-            <a:r>
-              <a:rPr lang="nl-NL" sz="1600" dirty="0" smtClean="0">
-                <a:latin typeface="Courier New" panose="02070309020205020404" pitchFamily="49" charset="0"/>
-                <a:cs typeface="Courier New" panose="02070309020205020404" pitchFamily="49" charset="0"/>
-              </a:rPr>
-              <a:t> 1. </a:t>
-            </a:r>
+              <a:t> the data.</a:t>
+            </a:r>
+            <a:endParaRPr lang="nl-NL" sz="1600" dirty="0" smtClean="0">
+              <a:latin typeface="Courier New" panose="02070309020205020404" pitchFamily="49" charset="0"/>
+              <a:cs typeface="Courier New" panose="02070309020205020404" pitchFamily="49" charset="0"/>
+            </a:endParaRPr>
           </a:p>
           <a:p>
             <a:pPr marL="0" indent="0">
@@ -10611,53 +10692,67 @@
               <a:t>Different </a:t>
             </a:r>
             <a:r>
-              <a:rPr lang="nl-NL" sz="1600" dirty="0" err="1">
+              <a:rPr lang="nl-NL" sz="1600" dirty="0" err="1" smtClean="0">
+                <a:latin typeface="Courier New" panose="02070309020205020404" pitchFamily="49" charset="0"/>
+                <a:cs typeface="Courier New" panose="02070309020205020404" pitchFamily="49" charset="0"/>
+              </a:rPr>
+              <a:t>world</a:t>
+            </a:r>
+            <a:r>
+              <a:rPr lang="nl-NL" sz="1600" dirty="0" smtClean="0">
+                <a:latin typeface="Courier New" panose="02070309020205020404" pitchFamily="49" charset="0"/>
+                <a:cs typeface="Courier New" panose="02070309020205020404" pitchFamily="49" charset="0"/>
+              </a:rPr>
+              <a:t> </a:t>
+            </a:r>
+            <a:r>
+              <a:rPr lang="nl-NL" sz="1600" dirty="0" err="1" smtClean="0">
                 <a:latin typeface="Courier New" panose="02070309020205020404" pitchFamily="49" charset="0"/>
                 <a:cs typeface="Courier New" panose="02070309020205020404" pitchFamily="49" charset="0"/>
               </a:rPr>
               <a:t>regions</a:t>
             </a:r>
             <a:r>
+              <a:rPr lang="nl-NL" sz="1600" dirty="0" smtClean="0">
+                <a:latin typeface="Courier New" panose="02070309020205020404" pitchFamily="49" charset="0"/>
+                <a:cs typeface="Courier New" panose="02070309020205020404" pitchFamily="49" charset="0"/>
+              </a:rPr>
+              <a:t> </a:t>
+            </a:r>
+            <a:r>
+              <a:rPr lang="nl-NL" sz="1600" dirty="0" err="1" smtClean="0">
+                <a:latin typeface="Courier New" panose="02070309020205020404" pitchFamily="49" charset="0"/>
+                <a:cs typeface="Courier New" panose="02070309020205020404" pitchFamily="49" charset="0"/>
+              </a:rPr>
+              <a:t>use</a:t>
+            </a:r>
+            <a:r>
+              <a:rPr lang="nl-NL" sz="1600" dirty="0" smtClean="0">
+                <a:latin typeface="Courier New" panose="02070309020205020404" pitchFamily="49" charset="0"/>
+                <a:cs typeface="Courier New" panose="02070309020205020404" pitchFamily="49" charset="0"/>
+              </a:rPr>
+              <a:t> different </a:t>
+            </a:r>
+            <a:r>
+              <a:rPr lang="nl-NL" sz="1600" dirty="0" err="1" smtClean="0">
+                <a:latin typeface="Courier New" panose="02070309020205020404" pitchFamily="49" charset="0"/>
+                <a:cs typeface="Courier New" panose="02070309020205020404" pitchFamily="49" charset="0"/>
+              </a:rPr>
+              <a:t>encodings</a:t>
+            </a:r>
+            <a:r>
+              <a:rPr lang="nl-NL" sz="1600" dirty="0" smtClean="0">
+                <a:latin typeface="Courier New" panose="02070309020205020404" pitchFamily="49" charset="0"/>
+                <a:cs typeface="Courier New" panose="02070309020205020404" pitchFamily="49" charset="0"/>
+              </a:rPr>
+              <a:t>. How </a:t>
+            </a:r>
+            <a:r>
               <a:rPr lang="nl-NL" sz="1600" dirty="0">
                 <a:latin typeface="Courier New" panose="02070309020205020404" pitchFamily="49" charset="0"/>
                 <a:cs typeface="Courier New" panose="02070309020205020404" pitchFamily="49" charset="0"/>
               </a:rPr>
-              <a:t> </a:t>
-            </a:r>
-            <a:r>
-              <a:rPr lang="nl-NL" sz="1600" dirty="0" err="1">
-                <a:latin typeface="Courier New" panose="02070309020205020404" pitchFamily="49" charset="0"/>
-                <a:cs typeface="Courier New" panose="02070309020205020404" pitchFamily="49" charset="0"/>
-              </a:rPr>
-              <a:t>use</a:t>
-            </a:r>
-            <a:r>
-              <a:rPr lang="nl-NL" sz="1600" dirty="0">
-                <a:latin typeface="Courier New" panose="02070309020205020404" pitchFamily="49" charset="0"/>
-                <a:cs typeface="Courier New" panose="02070309020205020404" pitchFamily="49" charset="0"/>
-              </a:rPr>
-              <a:t> different </a:t>
-            </a:r>
-            <a:r>
-              <a:rPr lang="nl-NL" sz="1600" dirty="0" err="1" smtClean="0">
-                <a:latin typeface="Courier New" panose="02070309020205020404" pitchFamily="49" charset="0"/>
-                <a:cs typeface="Courier New" panose="02070309020205020404" pitchFamily="49" charset="0"/>
-              </a:rPr>
-              <a:t>encoding</a:t>
-            </a:r>
-            <a:r>
-              <a:rPr lang="nl-NL" sz="1600" dirty="0" smtClean="0">
-                <a:latin typeface="Courier New" panose="02070309020205020404" pitchFamily="49" charset="0"/>
-                <a:cs typeface="Courier New" panose="02070309020205020404" pitchFamily="49" charset="0"/>
-              </a:rPr>
-              <a:t>. </a:t>
-            </a:r>
-            <a:r>
-              <a:rPr lang="nl-NL" sz="1600" dirty="0">
-                <a:latin typeface="Courier New" panose="02070309020205020404" pitchFamily="49" charset="0"/>
-                <a:cs typeface="Courier New" panose="02070309020205020404" pitchFamily="49" charset="0"/>
-              </a:rPr>
-              <a:t>How do </a:t>
+              <a:t>do </a:t>
             </a:r>
             <a:r>
               <a:rPr lang="nl-NL" sz="1600" dirty="0" err="1">
@@ -10792,82 +10887,212 @@
           </a:p>
           <a:p>
             <a:r>
+              <a:rPr lang="nl-NL" sz="1600" dirty="0" err="1" smtClean="0">
+                <a:latin typeface="Courier New" panose="02070309020205020404" pitchFamily="49" charset="0"/>
+                <a:cs typeface="Courier New" panose="02070309020205020404" pitchFamily="49" charset="0"/>
+              </a:rPr>
+              <a:t>Which</a:t>
+            </a:r>
+            <a:r>
               <a:rPr lang="nl-NL" sz="1600" dirty="0" smtClean="0">
                 <a:latin typeface="Courier New" panose="02070309020205020404" pitchFamily="49" charset="0"/>
                 <a:cs typeface="Courier New" panose="02070309020205020404" pitchFamily="49" charset="0"/>
               </a:rPr>
-              <a:t>The </a:t>
+              <a:t> </a:t>
+            </a:r>
+            <a:r>
+              <a:rPr lang="nl-NL" sz="1600" dirty="0" err="1" smtClean="0">
+                <a:latin typeface="Courier New" panose="02070309020205020404" pitchFamily="49" charset="0"/>
+                <a:cs typeface="Courier New" panose="02070309020205020404" pitchFamily="49" charset="0"/>
+              </a:rPr>
+              <a:t>variable</a:t>
+            </a:r>
+            <a:r>
+              <a:rPr lang="nl-NL" sz="1600" dirty="0" smtClean="0">
+                <a:latin typeface="Courier New" panose="02070309020205020404" pitchFamily="49" charset="0"/>
+                <a:cs typeface="Courier New" panose="02070309020205020404" pitchFamily="49" charset="0"/>
+              </a:rPr>
+              <a:t> is the </a:t>
+            </a:r>
+            <a:r>
+              <a:rPr lang="nl-NL" sz="1600" dirty="0" err="1" smtClean="0">
+                <a:latin typeface="Courier New" panose="02070309020205020404" pitchFamily="49" charset="0"/>
+                <a:cs typeface="Courier New" panose="02070309020205020404" pitchFamily="49" charset="0"/>
+              </a:rPr>
+              <a:t>key</a:t>
+            </a:r>
+            <a:r>
+              <a:rPr lang="nl-NL" sz="1600" dirty="0" smtClean="0">
+                <a:latin typeface="Courier New" panose="02070309020205020404" pitchFamily="49" charset="0"/>
+                <a:cs typeface="Courier New" panose="02070309020205020404" pitchFamily="49" charset="0"/>
+              </a:rPr>
+              <a:t> </a:t>
+            </a:r>
+            <a:r>
+              <a:rPr lang="nl-NL" sz="1600" dirty="0" err="1" smtClean="0">
+                <a:latin typeface="Courier New" panose="02070309020205020404" pitchFamily="49" charset="0"/>
+                <a:cs typeface="Courier New" panose="02070309020205020404" pitchFamily="49" charset="0"/>
+              </a:rPr>
+              <a:t>to</a:t>
+            </a:r>
+            <a:r>
+              <a:rPr lang="nl-NL" sz="1600" dirty="0" smtClean="0">
+                <a:latin typeface="Courier New" panose="02070309020205020404" pitchFamily="49" charset="0"/>
+                <a:cs typeface="Courier New" panose="02070309020205020404" pitchFamily="49" charset="0"/>
+              </a:rPr>
+              <a:t> combine </a:t>
+            </a:r>
+            <a:r>
+              <a:rPr lang="nl-NL" sz="1600" dirty="0" err="1" smtClean="0">
+                <a:latin typeface="Courier New" panose="02070309020205020404" pitchFamily="49" charset="0"/>
+                <a:cs typeface="Courier New" panose="02070309020205020404" pitchFamily="49" charset="0"/>
+              </a:rPr>
+              <a:t>both</a:t>
+            </a:r>
+            <a:r>
+              <a:rPr lang="nl-NL" sz="1600" dirty="0" smtClean="0">
+                <a:latin typeface="Courier New" panose="02070309020205020404" pitchFamily="49" charset="0"/>
+                <a:cs typeface="Courier New" panose="02070309020205020404" pitchFamily="49" charset="0"/>
+              </a:rPr>
+              <a:t> files</a:t>
+            </a:r>
+            <a:r>
+              <a:rPr lang="nl-NL" sz="1600" dirty="0" smtClean="0">
+                <a:latin typeface="Courier New" panose="02070309020205020404" pitchFamily="49" charset="0"/>
+                <a:cs typeface="Courier New" panose="02070309020205020404" pitchFamily="49" charset="0"/>
+              </a:rPr>
+              <a:t>?</a:t>
+            </a:r>
+            <a:endParaRPr lang="nl-NL" sz="1600" dirty="0" smtClean="0">
+              <a:latin typeface="Courier New" panose="02070309020205020404" pitchFamily="49" charset="0"/>
+              <a:cs typeface="Courier New" panose="02070309020205020404" pitchFamily="49" charset="0"/>
+            </a:endParaRPr>
+          </a:p>
+          <a:p>
+            <a:r>
+              <a:rPr lang="nl-NL" sz="1600" dirty="0" smtClean="0">
+                <a:latin typeface="Courier New" panose="02070309020205020404" pitchFamily="49" charset="0"/>
+                <a:cs typeface="Courier New" panose="02070309020205020404" pitchFamily="49" charset="0"/>
+              </a:rPr>
+              <a:t>Are </a:t>
+            </a:r>
+            <a:r>
+              <a:rPr lang="nl-NL" sz="1600" dirty="0" err="1" smtClean="0">
+                <a:latin typeface="Courier New" panose="02070309020205020404" pitchFamily="49" charset="0"/>
+                <a:cs typeface="Courier New" panose="02070309020205020404" pitchFamily="49" charset="0"/>
+              </a:rPr>
+              <a:t>all</a:t>
+            </a:r>
+            <a:r>
+              <a:rPr lang="nl-NL" sz="1600" dirty="0" smtClean="0">
+                <a:latin typeface="Courier New" panose="02070309020205020404" pitchFamily="49" charset="0"/>
+                <a:cs typeface="Courier New" panose="02070309020205020404" pitchFamily="49" charset="0"/>
+              </a:rPr>
+              <a:t> </a:t>
+            </a:r>
+            <a:r>
+              <a:rPr lang="nl-NL" sz="1600" dirty="0" err="1" smtClean="0">
+                <a:latin typeface="Courier New" panose="02070309020205020404" pitchFamily="49" charset="0"/>
+                <a:cs typeface="Courier New" panose="02070309020205020404" pitchFamily="49" charset="0"/>
+              </a:rPr>
+              <a:t>values</a:t>
+            </a:r>
+            <a:r>
+              <a:rPr lang="nl-NL" sz="1600" dirty="0" smtClean="0">
+                <a:latin typeface="Courier New" panose="02070309020205020404" pitchFamily="49" charset="0"/>
+                <a:cs typeface="Courier New" panose="02070309020205020404" pitchFamily="49" charset="0"/>
+              </a:rPr>
+              <a:t> of </a:t>
             </a:r>
             <a:r>
               <a:rPr lang="nl-NL" sz="1600" i="1" dirty="0" smtClean="0">
                 <a:latin typeface="Courier New" panose="02070309020205020404" pitchFamily="49" charset="0"/>
                 <a:cs typeface="Courier New" panose="02070309020205020404" pitchFamily="49" charset="0"/>
               </a:rPr>
-              <a:t>steps</a:t>
+              <a:t>Tour </a:t>
+            </a:r>
+            <a:r>
+              <a:rPr lang="nl-NL" sz="1600" dirty="0" err="1" smtClean="0">
+                <a:latin typeface="Courier New" panose="02070309020205020404" pitchFamily="49" charset="0"/>
+                <a:cs typeface="Courier New" panose="02070309020205020404" pitchFamily="49" charset="0"/>
+              </a:rPr>
+              <a:t>plausible</a:t>
             </a:r>
             <a:r>
               <a:rPr lang="nl-NL" sz="1600" dirty="0" smtClean="0">
                 <a:latin typeface="Courier New" panose="02070309020205020404" pitchFamily="49" charset="0"/>
                 <a:cs typeface="Courier New" panose="02070309020205020404" pitchFamily="49" charset="0"/>
               </a:rPr>
-              <a:t> file is in long format. </a:t>
+              <a:t>? </a:t>
             </a:r>
             <a:r>
               <a:rPr lang="nl-NL" sz="1600" dirty="0" err="1" smtClean="0">
                 <a:latin typeface="Courier New" panose="02070309020205020404" pitchFamily="49" charset="0"/>
                 <a:cs typeface="Courier New" panose="02070309020205020404" pitchFamily="49" charset="0"/>
               </a:rPr>
-              <a:t>Use</a:t>
+              <a:t>What</a:t>
             </a:r>
             <a:r>
               <a:rPr lang="nl-NL" sz="1600" dirty="0" smtClean="0">
                 <a:latin typeface="Courier New" panose="02070309020205020404" pitchFamily="49" charset="0"/>
                 <a:cs typeface="Courier New" panose="02070309020205020404" pitchFamily="49" charset="0"/>
               </a:rPr>
-              <a:t> the date as headers </a:t>
+              <a:t> are </a:t>
             </a:r>
             <a:r>
               <a:rPr lang="nl-NL" sz="1600" dirty="0" err="1" smtClean="0">
                 <a:latin typeface="Courier New" panose="02070309020205020404" pitchFamily="49" charset="0"/>
                 <a:cs typeface="Courier New" panose="02070309020205020404" pitchFamily="49" charset="0"/>
               </a:rPr>
-              <a:t>for</a:t>
+              <a:t>you</a:t>
             </a:r>
             <a:r>
               <a:rPr lang="nl-NL" sz="1600" dirty="0" smtClean="0">
                 <a:latin typeface="Courier New" panose="02070309020205020404" pitchFamily="49" charset="0"/>
                 <a:cs typeface="Courier New" panose="02070309020205020404" pitchFamily="49" charset="0"/>
               </a:rPr>
-              <a:t> a new dataframe in </a:t>
+              <a:t> </a:t>
             </a:r>
             <a:r>
               <a:rPr lang="nl-NL" sz="1600" dirty="0" err="1" smtClean="0">
                 <a:latin typeface="Courier New" panose="02070309020205020404" pitchFamily="49" charset="0"/>
                 <a:cs typeface="Courier New" panose="02070309020205020404" pitchFamily="49" charset="0"/>
               </a:rPr>
-              <a:t>wide</a:t>
+              <a:t>going</a:t>
             </a:r>
             <a:r>
               <a:rPr lang="nl-NL" sz="1600" dirty="0" smtClean="0">
                 <a:latin typeface="Courier New" panose="02070309020205020404" pitchFamily="49" charset="0"/>
                 <a:cs typeface="Courier New" panose="02070309020205020404" pitchFamily="49" charset="0"/>
               </a:rPr>
-              <a:t> format.</a:t>
-            </a:r>
-          </a:p>
-          <a:p>
+              <a:t> </a:t>
+            </a:r>
             <a:r>
               <a:rPr lang="nl-NL" sz="1600" dirty="0" err="1" smtClean="0">
                 <a:latin typeface="Courier New" panose="02070309020205020404" pitchFamily="49" charset="0"/>
                 <a:cs typeface="Courier New" panose="02070309020205020404" pitchFamily="49" charset="0"/>
               </a:rPr>
-              <a:t>Which</a:t>
+              <a:t>to</a:t>
             </a:r>
             <a:r>
               <a:rPr lang="nl-NL" sz="1600" dirty="0" smtClean="0">
                 <a:latin typeface="Courier New" panose="02070309020205020404" pitchFamily="49" charset="0"/>
                 <a:cs typeface="Courier New" panose="02070309020205020404" pitchFamily="49" charset="0"/>
               </a:rPr>
+              <a:t> do </a:t>
+            </a:r>
+            <a:r>
+              <a:rPr lang="nl-NL" sz="1600" dirty="0" err="1" smtClean="0">
+                <a:latin typeface="Courier New" panose="02070309020205020404" pitchFamily="49" charset="0"/>
+                <a:cs typeface="Courier New" panose="02070309020205020404" pitchFamily="49" charset="0"/>
+              </a:rPr>
+              <a:t>about</a:t>
+            </a:r>
+            <a:r>
+              <a:rPr lang="nl-NL" sz="1600" dirty="0" smtClean="0">
+                <a:latin typeface="Courier New" panose="02070309020205020404" pitchFamily="49" charset="0"/>
+                <a:cs typeface="Courier New" panose="02070309020205020404" pitchFamily="49" charset="0"/>
+              </a:rPr>
               <a:t> </a:t>
             </a:r>
             <a:r>
@@ -10875,199 +11100,19 @@
                 <a:latin typeface="Courier New" panose="02070309020205020404" pitchFamily="49" charset="0"/>
                 <a:cs typeface="Courier New" panose="02070309020205020404" pitchFamily="49" charset="0"/>
               </a:rPr>
-              <a:t>variable</a:t>
+              <a:t>this</a:t>
             </a:r>
             <a:r>
               <a:rPr lang="nl-NL" sz="1600" dirty="0" smtClean="0">
                 <a:latin typeface="Courier New" panose="02070309020205020404" pitchFamily="49" charset="0"/>
                 <a:cs typeface="Courier New" panose="02070309020205020404" pitchFamily="49" charset="0"/>
               </a:rPr>
-              <a:t> is the </a:t>
-            </a:r>
-            <a:r>
-              <a:rPr lang="nl-NL" sz="1600" dirty="0" err="1" smtClean="0">
-                <a:latin typeface="Courier New" panose="02070309020205020404" pitchFamily="49" charset="0"/>
-                <a:cs typeface="Courier New" panose="02070309020205020404" pitchFamily="49" charset="0"/>
-              </a:rPr>
-              <a:t>key</a:t>
-            </a:r>
-            <a:r>
-              <a:rPr lang="nl-NL" sz="1600" dirty="0" smtClean="0">
-                <a:latin typeface="Courier New" panose="02070309020205020404" pitchFamily="49" charset="0"/>
-                <a:cs typeface="Courier New" panose="02070309020205020404" pitchFamily="49" charset="0"/>
-              </a:rPr>
-              <a:t> </a:t>
-            </a:r>
-            <a:r>
-              <a:rPr lang="nl-NL" sz="1600" dirty="0" err="1" smtClean="0">
-                <a:latin typeface="Courier New" panose="02070309020205020404" pitchFamily="49" charset="0"/>
-                <a:cs typeface="Courier New" panose="02070309020205020404" pitchFamily="49" charset="0"/>
-              </a:rPr>
-              <a:t>to</a:t>
-            </a:r>
-            <a:r>
-              <a:rPr lang="nl-NL" sz="1600" dirty="0" smtClean="0">
-                <a:latin typeface="Courier New" panose="02070309020205020404" pitchFamily="49" charset="0"/>
-                <a:cs typeface="Courier New" panose="02070309020205020404" pitchFamily="49" charset="0"/>
-              </a:rPr>
-              <a:t> combine </a:t>
-            </a:r>
-            <a:r>
-              <a:rPr lang="nl-NL" sz="1600" dirty="0" err="1" smtClean="0">
-                <a:latin typeface="Courier New" panose="02070309020205020404" pitchFamily="49" charset="0"/>
-                <a:cs typeface="Courier New" panose="02070309020205020404" pitchFamily="49" charset="0"/>
-              </a:rPr>
-              <a:t>both</a:t>
-            </a:r>
-            <a:r>
-              <a:rPr lang="nl-NL" sz="1600" dirty="0" smtClean="0">
-                <a:latin typeface="Courier New" panose="02070309020205020404" pitchFamily="49" charset="0"/>
-                <a:cs typeface="Courier New" panose="02070309020205020404" pitchFamily="49" charset="0"/>
-              </a:rPr>
-              <a:t> files? </a:t>
-            </a:r>
-          </a:p>
-          <a:p>
-            <a:r>
-              <a:rPr lang="nl-NL" sz="1600" dirty="0" smtClean="0">
-                <a:latin typeface="Courier New" panose="02070309020205020404" pitchFamily="49" charset="0"/>
-                <a:cs typeface="Courier New" panose="02070309020205020404" pitchFamily="49" charset="0"/>
-              </a:rPr>
-              <a:t>Are </a:t>
-            </a:r>
-            <a:r>
-              <a:rPr lang="nl-NL" sz="1600" dirty="0" err="1" smtClean="0">
-                <a:latin typeface="Courier New" panose="02070309020205020404" pitchFamily="49" charset="0"/>
-                <a:cs typeface="Courier New" panose="02070309020205020404" pitchFamily="49" charset="0"/>
-              </a:rPr>
-              <a:t>all</a:t>
-            </a:r>
-            <a:r>
-              <a:rPr lang="nl-NL" sz="1600" dirty="0" smtClean="0">
-                <a:latin typeface="Courier New" panose="02070309020205020404" pitchFamily="49" charset="0"/>
-                <a:cs typeface="Courier New" panose="02070309020205020404" pitchFamily="49" charset="0"/>
-              </a:rPr>
-              <a:t> </a:t>
-            </a:r>
-            <a:r>
-              <a:rPr lang="nl-NL" sz="1600" dirty="0" err="1" smtClean="0">
-                <a:latin typeface="Courier New" panose="02070309020205020404" pitchFamily="49" charset="0"/>
-                <a:cs typeface="Courier New" panose="02070309020205020404" pitchFamily="49" charset="0"/>
-              </a:rPr>
-              <a:t>values</a:t>
-            </a:r>
-            <a:r>
-              <a:rPr lang="nl-NL" sz="1600" dirty="0" smtClean="0">
-                <a:latin typeface="Courier New" panose="02070309020205020404" pitchFamily="49" charset="0"/>
-                <a:cs typeface="Courier New" panose="02070309020205020404" pitchFamily="49" charset="0"/>
-              </a:rPr>
-              <a:t> of </a:t>
-            </a:r>
-            <a:r>
-              <a:rPr lang="nl-NL" sz="1600" i="1" dirty="0" smtClean="0">
-                <a:latin typeface="Courier New" panose="02070309020205020404" pitchFamily="49" charset="0"/>
-                <a:cs typeface="Courier New" panose="02070309020205020404" pitchFamily="49" charset="0"/>
-              </a:rPr>
-              <a:t>Tour </a:t>
-            </a:r>
-            <a:r>
-              <a:rPr lang="nl-NL" sz="1600" dirty="0" err="1" smtClean="0">
-                <a:latin typeface="Courier New" panose="02070309020205020404" pitchFamily="49" charset="0"/>
-                <a:cs typeface="Courier New" panose="02070309020205020404" pitchFamily="49" charset="0"/>
-              </a:rPr>
-              <a:t>plausible</a:t>
-            </a:r>
-            <a:r>
-              <a:rPr lang="nl-NL" sz="1600" dirty="0" smtClean="0">
-                <a:latin typeface="Courier New" panose="02070309020205020404" pitchFamily="49" charset="0"/>
-                <a:cs typeface="Courier New" panose="02070309020205020404" pitchFamily="49" charset="0"/>
-              </a:rPr>
-              <a:t>? </a:t>
-            </a:r>
-            <a:r>
-              <a:rPr lang="nl-NL" sz="1600" dirty="0" err="1" smtClean="0">
-                <a:latin typeface="Courier New" panose="02070309020205020404" pitchFamily="49" charset="0"/>
-                <a:cs typeface="Courier New" panose="02070309020205020404" pitchFamily="49" charset="0"/>
-              </a:rPr>
-              <a:t>What</a:t>
-            </a:r>
-            <a:r>
-              <a:rPr lang="nl-NL" sz="1600" dirty="0" smtClean="0">
-                <a:latin typeface="Courier New" panose="02070309020205020404" pitchFamily="49" charset="0"/>
-                <a:cs typeface="Courier New" panose="02070309020205020404" pitchFamily="49" charset="0"/>
-              </a:rPr>
-              <a:t> are </a:t>
-            </a:r>
-            <a:r>
-              <a:rPr lang="nl-NL" sz="1600" dirty="0" err="1" smtClean="0">
-                <a:latin typeface="Courier New" panose="02070309020205020404" pitchFamily="49" charset="0"/>
-                <a:cs typeface="Courier New" panose="02070309020205020404" pitchFamily="49" charset="0"/>
-              </a:rPr>
-              <a:t>you</a:t>
-            </a:r>
-            <a:r>
-              <a:rPr lang="nl-NL" sz="1600" dirty="0" smtClean="0">
-                <a:latin typeface="Courier New" panose="02070309020205020404" pitchFamily="49" charset="0"/>
-                <a:cs typeface="Courier New" panose="02070309020205020404" pitchFamily="49" charset="0"/>
-              </a:rPr>
-              <a:t> </a:t>
-            </a:r>
-            <a:r>
-              <a:rPr lang="nl-NL" sz="1600" dirty="0" err="1" smtClean="0">
-                <a:latin typeface="Courier New" panose="02070309020205020404" pitchFamily="49" charset="0"/>
-                <a:cs typeface="Courier New" panose="02070309020205020404" pitchFamily="49" charset="0"/>
-              </a:rPr>
-              <a:t>going</a:t>
-            </a:r>
-            <a:r>
-              <a:rPr lang="nl-NL" sz="1600" dirty="0" smtClean="0">
-                <a:latin typeface="Courier New" panose="02070309020205020404" pitchFamily="49" charset="0"/>
-                <a:cs typeface="Courier New" panose="02070309020205020404" pitchFamily="49" charset="0"/>
-              </a:rPr>
-              <a:t> </a:t>
-            </a:r>
-            <a:r>
-              <a:rPr lang="nl-NL" sz="1600" dirty="0" err="1" smtClean="0">
-                <a:latin typeface="Courier New" panose="02070309020205020404" pitchFamily="49" charset="0"/>
-                <a:cs typeface="Courier New" panose="02070309020205020404" pitchFamily="49" charset="0"/>
-              </a:rPr>
-              <a:t>to</a:t>
-            </a:r>
-            <a:r>
-              <a:rPr lang="nl-NL" sz="1600" dirty="0" smtClean="0">
-                <a:latin typeface="Courier New" panose="02070309020205020404" pitchFamily="49" charset="0"/>
-                <a:cs typeface="Courier New" panose="02070309020205020404" pitchFamily="49" charset="0"/>
-              </a:rPr>
-              <a:t> do </a:t>
-            </a:r>
-            <a:r>
-              <a:rPr lang="nl-NL" sz="1600" dirty="0" err="1" smtClean="0">
-                <a:latin typeface="Courier New" panose="02070309020205020404" pitchFamily="49" charset="0"/>
-                <a:cs typeface="Courier New" panose="02070309020205020404" pitchFamily="49" charset="0"/>
-              </a:rPr>
-              <a:t>about</a:t>
-            </a:r>
-            <a:r>
-              <a:rPr lang="nl-NL" sz="1600" dirty="0" smtClean="0">
-                <a:latin typeface="Courier New" panose="02070309020205020404" pitchFamily="49" charset="0"/>
-                <a:cs typeface="Courier New" panose="02070309020205020404" pitchFamily="49" charset="0"/>
-              </a:rPr>
-              <a:t> </a:t>
-            </a:r>
-            <a:r>
-              <a:rPr lang="nl-NL" sz="1600" dirty="0" err="1" smtClean="0">
-                <a:latin typeface="Courier New" panose="02070309020205020404" pitchFamily="49" charset="0"/>
-                <a:cs typeface="Courier New" panose="02070309020205020404" pitchFamily="49" charset="0"/>
-              </a:rPr>
-              <a:t>this</a:t>
-            </a:r>
-            <a:r>
-              <a:rPr lang="nl-NL" sz="1600" dirty="0" smtClean="0">
-                <a:latin typeface="Courier New" panose="02070309020205020404" pitchFamily="49" charset="0"/>
-                <a:cs typeface="Courier New" panose="02070309020205020404" pitchFamily="49" charset="0"/>
-              </a:rPr>
               <a:t>?</a:t>
             </a:r>
+            <a:endParaRPr lang="nl-NL" sz="1600" dirty="0" smtClean="0">
+              <a:latin typeface="Courier New" panose="02070309020205020404" pitchFamily="49" charset="0"/>
+              <a:cs typeface="Courier New" panose="02070309020205020404" pitchFamily="49" charset="0"/>
+            </a:endParaRPr>
           </a:p>
         </p:txBody>
       </p:sp>
@@ -14350,11 +14395,7 @@
             </a:r>
             <a:r>
               <a:rPr lang="nl-NL" dirty="0" smtClean="0"/>
-              <a:t> the </a:t>
-            </a:r>
-            <a:r>
-              <a:rPr lang="nl-NL" dirty="0" smtClean="0"/>
-              <a:t>mean</a:t>
+              <a:t> the mean</a:t>
             </a:r>
           </a:p>
           <a:p>
@@ -14431,11 +14472,7 @@
             </a:r>
             <a:r>
               <a:rPr lang="nl-NL" dirty="0" smtClean="0"/>
-              <a:t> </a:t>
-            </a:r>
-            <a:r>
-              <a:rPr lang="nl-NL" dirty="0" smtClean="0"/>
-              <a:t>extreme </a:t>
+              <a:t> extreme </a:t>
             </a:r>
             <a:r>
               <a:rPr lang="nl-NL" dirty="0" err="1" smtClean="0"/>
@@ -14648,7 +14685,7 @@
           <a:graphicData uri="http://schemas.openxmlformats.org/presentationml/2006/ole">
             <mc:AlternateContent xmlns:mc="http://schemas.openxmlformats.org/markup-compatibility/2006">
               <mc:Choice xmlns:v="urn:schemas-microsoft-com:vml" Requires="v">
-                <p:oleObj spid="_x0000_s1044" name="Vergelijking" r:id="rId3" imgW="3454200" imgH="1193760" progId="Equation.3">
+                <p:oleObj spid="_x0000_s1056" name="Vergelijking" r:id="rId3" imgW="3454200" imgH="1193760" progId="Equation.3">
                   <p:embed/>
                 </p:oleObj>
               </mc:Choice>
@@ -14954,7 +14991,7 @@
           <a:graphicData uri="http://schemas.openxmlformats.org/presentationml/2006/ole">
             <mc:AlternateContent xmlns:mc="http://schemas.openxmlformats.org/markup-compatibility/2006">
               <mc:Choice xmlns:v="urn:schemas-microsoft-com:vml" Requires="v">
-                <p:oleObj spid="_x0000_s1045" name="Vergelijking" r:id="rId5" imgW="672840" imgH="317160" progId="Equation.3">
+                <p:oleObj spid="_x0000_s1057" name="Vergelijking" r:id="rId5" imgW="672840" imgH="317160" progId="Equation.3">
                   <p:embed/>
                 </p:oleObj>
               </mc:Choice>
@@ -17987,16 +18024,62 @@
         <p:spPr>
           <a:xfrm>
             <a:off x="816464" y="1484784"/>
-            <a:ext cx="7881938" cy="6247864"/>
+            <a:ext cx="7881938" cy="6592574"/>
           </a:xfrm>
         </p:spPr>
         <p:txBody>
           <a:bodyPr/>
           <a:lstStyle/>
           <a:p>
+            <a:pPr marL="0" indent="0">
+              <a:buNone/>
+            </a:pPr>
+            <a:r>
+              <a:rPr lang="nl-NL" sz="1600" dirty="0" smtClean="0">
+                <a:latin typeface="Courier New" panose="02070309020205020404" pitchFamily="49" charset="0"/>
+                <a:cs typeface="Courier New" panose="02070309020205020404" pitchFamily="49" charset="0"/>
+              </a:rPr>
+              <a:t>See </a:t>
+            </a:r>
+            <a:r>
+              <a:rPr lang="nl-NL" sz="1600" dirty="0" err="1" smtClean="0">
+                <a:latin typeface="Courier New" panose="02070309020205020404" pitchFamily="49" charset="0"/>
+                <a:cs typeface="Courier New" panose="02070309020205020404" pitchFamily="49" charset="0"/>
+              </a:rPr>
+              <a:t>example</a:t>
+            </a:r>
+            <a:r>
+              <a:rPr lang="nl-NL" sz="1600" dirty="0" smtClean="0">
+                <a:latin typeface="Courier New" panose="02070309020205020404" pitchFamily="49" charset="0"/>
+                <a:cs typeface="Courier New" panose="02070309020205020404" pitchFamily="49" charset="0"/>
+              </a:rPr>
+              <a:t> Notebook: </a:t>
+            </a:r>
+            <a:r>
+              <a:rPr lang="nl-NL" sz="1600" dirty="0" err="1" smtClean="0">
+                <a:latin typeface="Courier New" panose="02070309020205020404" pitchFamily="49" charset="0"/>
+                <a:cs typeface="Courier New" panose="02070309020205020404" pitchFamily="49" charset="0"/>
+              </a:rPr>
+              <a:t>distributions</a:t>
+            </a:r>
+            <a:endParaRPr lang="nl-NL" sz="1600" dirty="0" smtClean="0">
+              <a:latin typeface="Courier New" panose="02070309020205020404" pitchFamily="49" charset="0"/>
+              <a:cs typeface="Courier New" panose="02070309020205020404" pitchFamily="49" charset="0"/>
+            </a:endParaRPr>
+          </a:p>
+          <a:p>
             <a:pPr>
               <a:buAutoNum type="arabicPeriod"/>
             </a:pPr>
+            <a:endParaRPr lang="nl-NL" sz="1600" dirty="0">
+              <a:latin typeface="Courier New" panose="02070309020205020404" pitchFamily="49" charset="0"/>
+              <a:cs typeface="Courier New" panose="02070309020205020404" pitchFamily="49" charset="0"/>
+            </a:endParaRPr>
+          </a:p>
+          <a:p>
+            <a:pPr>
+              <a:buAutoNum type="arabicPeriod"/>
+            </a:pPr>
             <a:r>
               <a:rPr lang="nl-NL" sz="1600" dirty="0" err="1" smtClean="0">
                 <a:latin typeface="Courier New" panose="02070309020205020404" pitchFamily="49" charset="0"/>
@@ -18009,12 +18092,36 @@
                 <a:latin typeface="Courier New" panose="02070309020205020404" pitchFamily="49" charset="0"/>
                 <a:cs typeface="Courier New" panose="02070309020205020404" pitchFamily="49" charset="0"/>
               </a:rPr>
-              <a:t> in the </a:t>
+              <a:t> </a:t>
+            </a:r>
+            <a:r>
+              <a:rPr lang="nl-NL" sz="1600" dirty="0" smtClean="0">
+                <a:latin typeface="Courier New" panose="02070309020205020404" pitchFamily="49" charset="0"/>
+                <a:cs typeface="Courier New" panose="02070309020205020404" pitchFamily="49" charset="0"/>
+              </a:rPr>
+              <a:t>in the </a:t>
+            </a:r>
+            <a:r>
+              <a:rPr lang="nl-NL" sz="1600" dirty="0" smtClean="0">
+                <a:latin typeface="Courier New" panose="02070309020205020404" pitchFamily="49" charset="0"/>
+                <a:cs typeface="Courier New" panose="02070309020205020404" pitchFamily="49" charset="0"/>
+                <a:hlinkClick r:id="rId2"/>
+              </a:rPr>
+              <a:t>Google </a:t>
+            </a:r>
+            <a:r>
+              <a:rPr lang="nl-NL" sz="1600" dirty="0" smtClean="0">
+                <a:latin typeface="Courier New" panose="02070309020205020404" pitchFamily="49" charset="0"/>
+                <a:cs typeface="Courier New" panose="02070309020205020404" pitchFamily="49" charset="0"/>
+                <a:hlinkClick r:id="rId2"/>
+              </a:rPr>
+              <a:t>Sheets </a:t>
             </a:r>
             <a:r>
               <a:rPr lang="nl-NL" sz="1600" dirty="0" err="1" smtClean="0">
                 <a:latin typeface="Courier New" panose="02070309020205020404" pitchFamily="49" charset="0"/>
                 <a:cs typeface="Courier New" panose="02070309020205020404" pitchFamily="49" charset="0"/>
+                <a:hlinkClick r:id="rId2"/>
               </a:rPr>
               <a:t>table</a:t>
             </a:r>
@@ -18022,6 +18129,7 @@
               <a:rPr lang="nl-NL" sz="1600" dirty="0" smtClean="0">
                 <a:latin typeface="Courier New" panose="02070309020205020404" pitchFamily="49" charset="0"/>
                 <a:cs typeface="Courier New" panose="02070309020205020404" pitchFamily="49" charset="0"/>
+                <a:hlinkClick r:id="rId2"/>
               </a:rPr>
               <a:t> </a:t>
             </a:r>
@@ -18632,75 +18740,8 @@
                 <a:latin typeface="Courier New" panose="02070309020205020404" pitchFamily="49" charset="0"/>
                 <a:cs typeface="Courier New" panose="02070309020205020404" pitchFamily="49" charset="0"/>
               </a:rPr>
-              <a:t>. </a:t>
-            </a:r>
-            <a:r>
-              <a:rPr lang="nl-NL" sz="1600" dirty="0" err="1" smtClean="0">
-                <a:latin typeface="Courier New" panose="02070309020205020404" pitchFamily="49" charset="0"/>
-                <a:cs typeface="Courier New" panose="02070309020205020404" pitchFamily="49" charset="0"/>
-              </a:rPr>
-              <a:t>Remember</a:t>
-            </a:r>
-            <a:r>
-              <a:rPr lang="nl-NL" sz="1600" dirty="0" smtClean="0">
-                <a:latin typeface="Courier New" panose="02070309020205020404" pitchFamily="49" charset="0"/>
-                <a:cs typeface="Courier New" panose="02070309020205020404" pitchFamily="49" charset="0"/>
-              </a:rPr>
-              <a:t> </a:t>
-            </a:r>
-            <a:r>
-              <a:rPr lang="nl-NL" sz="1600" dirty="0" err="1" smtClean="0">
-                <a:latin typeface="Courier New" panose="02070309020205020404" pitchFamily="49" charset="0"/>
-                <a:cs typeface="Courier New" panose="02070309020205020404" pitchFamily="49" charset="0"/>
-              </a:rPr>
-              <a:t>to</a:t>
-            </a:r>
-            <a:r>
-              <a:rPr lang="nl-NL" sz="1600" dirty="0" smtClean="0">
-                <a:latin typeface="Courier New" panose="02070309020205020404" pitchFamily="49" charset="0"/>
-                <a:cs typeface="Courier New" panose="02070309020205020404" pitchFamily="49" charset="0"/>
-              </a:rPr>
-              <a:t> </a:t>
-            </a:r>
-            <a:r>
-              <a:rPr lang="nl-NL" sz="1600" dirty="0" err="1" smtClean="0">
-                <a:latin typeface="Courier New" panose="02070309020205020404" pitchFamily="49" charset="0"/>
-                <a:cs typeface="Courier New" panose="02070309020205020404" pitchFamily="49" charset="0"/>
-              </a:rPr>
-              <a:t>jitter</a:t>
-            </a:r>
-            <a:r>
-              <a:rPr lang="nl-NL" sz="1600" dirty="0" smtClean="0">
-                <a:latin typeface="Courier New" panose="02070309020205020404" pitchFamily="49" charset="0"/>
-                <a:cs typeface="Courier New" panose="02070309020205020404" pitchFamily="49" charset="0"/>
-              </a:rPr>
-              <a:t> the data points </a:t>
-            </a:r>
-            <a:r>
-              <a:rPr lang="nl-NL" sz="1600" dirty="0" err="1" smtClean="0">
-                <a:latin typeface="Courier New" panose="02070309020205020404" pitchFamily="49" charset="0"/>
-                <a:cs typeface="Courier New" panose="02070309020205020404" pitchFamily="49" charset="0"/>
-              </a:rPr>
-              <a:t>if</a:t>
-            </a:r>
-            <a:r>
-              <a:rPr lang="nl-NL" sz="1600" dirty="0" smtClean="0">
-                <a:latin typeface="Courier New" panose="02070309020205020404" pitchFamily="49" charset="0"/>
-                <a:cs typeface="Courier New" panose="02070309020205020404" pitchFamily="49" charset="0"/>
-              </a:rPr>
-              <a:t> </a:t>
-            </a:r>
-            <a:r>
-              <a:rPr lang="nl-NL" sz="1600" dirty="0" err="1" smtClean="0">
-                <a:latin typeface="Courier New" panose="02070309020205020404" pitchFamily="49" charset="0"/>
-                <a:cs typeface="Courier New" panose="02070309020205020404" pitchFamily="49" charset="0"/>
-              </a:rPr>
-              <a:t>necessary</a:t>
-            </a:r>
-            <a:endParaRPr lang="nl-NL" sz="1600" dirty="0" smtClean="0">
-              <a:latin typeface="Courier New" panose="02070309020205020404" pitchFamily="49" charset="0"/>
-              <a:cs typeface="Courier New" panose="02070309020205020404" pitchFamily="49" charset="0"/>
-            </a:endParaRPr>
+              <a:t>.</a:t>
+            </a:r>
           </a:p>
           <a:p>
             <a:r>
@@ -20927,57 +20968,43 @@
         <p:spPr>
           <a:xfrm>
             <a:off x="755576" y="1556792"/>
-            <a:ext cx="7881938" cy="3717941"/>
+            <a:ext cx="7881938" cy="5324535"/>
           </a:xfrm>
         </p:spPr>
         <p:txBody>
           <a:bodyPr/>
           <a:lstStyle/>
           <a:p>
-            <a:pPr>
-              <a:buAutoNum type="arabicPeriod"/>
+            <a:pPr marL="0" indent="0">
+              <a:buNone/>
             </a:pPr>
             <a:r>
               <a:rPr lang="nl-NL" sz="1800" dirty="0" smtClean="0">
                 <a:latin typeface="Courier New" panose="02070309020205020404" pitchFamily="49" charset="0"/>
                 <a:cs typeface="Courier New" panose="02070309020205020404" pitchFamily="49" charset="0"/>
               </a:rPr>
-              <a:t>Load the </a:t>
+              <a:t>See </a:t>
             </a:r>
             <a:r>
               <a:rPr lang="nl-NL" sz="1800" dirty="0" err="1" smtClean="0">
                 <a:latin typeface="Courier New" panose="02070309020205020404" pitchFamily="49" charset="0"/>
                 <a:cs typeface="Courier New" panose="02070309020205020404" pitchFamily="49" charset="0"/>
               </a:rPr>
-              <a:t>csv</a:t>
+              <a:t>example</a:t>
+            </a:r>
+            <a:r>
+              <a:rPr lang="nl-NL" sz="1800" dirty="0">
+                <a:latin typeface="Courier New" panose="02070309020205020404" pitchFamily="49" charset="0"/>
+                <a:cs typeface="Courier New" panose="02070309020205020404" pitchFamily="49" charset="0"/>
+              </a:rPr>
+              <a:t> </a:t>
             </a:r>
             <a:r>
               <a:rPr lang="nl-NL" sz="1800" dirty="0" smtClean="0">
                 <a:latin typeface="Courier New" panose="02070309020205020404" pitchFamily="49" charset="0"/>
                 <a:cs typeface="Courier New" panose="02070309020205020404" pitchFamily="49" charset="0"/>
               </a:rPr>
-              <a:t> file from the </a:t>
-            </a:r>
-            <a:r>
-              <a:rPr lang="nl-NL" sz="1800" dirty="0" err="1" smtClean="0">
-                <a:latin typeface="Courier New" panose="02070309020205020404" pitchFamily="49" charset="0"/>
-                <a:cs typeface="Courier New" panose="02070309020205020404" pitchFamily="49" charset="0"/>
-              </a:rPr>
-              <a:t>previous</a:t>
-            </a:r>
-            <a:r>
-              <a:rPr lang="nl-NL" sz="1800" dirty="0" smtClean="0">
-                <a:latin typeface="Courier New" panose="02070309020205020404" pitchFamily="49" charset="0"/>
-                <a:cs typeface="Courier New" panose="02070309020205020404" pitchFamily="49" charset="0"/>
-              </a:rPr>
-              <a:t> </a:t>
-            </a:r>
-            <a:r>
-              <a:rPr lang="nl-NL" sz="1800" dirty="0" err="1" smtClean="0">
-                <a:latin typeface="Courier New" panose="02070309020205020404" pitchFamily="49" charset="0"/>
-                <a:cs typeface="Courier New" panose="02070309020205020404" pitchFamily="49" charset="0"/>
-              </a:rPr>
-              <a:t>exercise</a:t>
+              <a:t>Notebook: sampling</a:t>
             </a:r>
             <a:endParaRPr lang="nl-NL" sz="1800" dirty="0" smtClean="0">
               <a:latin typeface="Courier New" panose="02070309020205020404" pitchFamily="49" charset="0"/>
@@ -20988,6 +21015,66 @@
             <a:pPr>
               <a:buAutoNum type="arabicPeriod"/>
             </a:pPr>
+            <a:endParaRPr lang="nl-NL" sz="1800" dirty="0" smtClean="0">
+              <a:latin typeface="Courier New" panose="02070309020205020404" pitchFamily="49" charset="0"/>
+              <a:cs typeface="Courier New" panose="02070309020205020404" pitchFamily="49" charset="0"/>
+            </a:endParaRPr>
+          </a:p>
+          <a:p>
+            <a:pPr>
+              <a:buAutoNum type="arabicPeriod"/>
+            </a:pPr>
+            <a:r>
+              <a:rPr lang="nl-NL" sz="1800" dirty="0" smtClean="0">
+                <a:latin typeface="Courier New" panose="02070309020205020404" pitchFamily="49" charset="0"/>
+                <a:cs typeface="Courier New" panose="02070309020205020404" pitchFamily="49" charset="0"/>
+              </a:rPr>
+              <a:t>Load the class data </a:t>
+            </a:r>
+            <a:r>
+              <a:rPr lang="nl-NL" sz="1800" dirty="0" err="1" smtClean="0">
+                <a:latin typeface="Courier New" panose="02070309020205020404" pitchFamily="49" charset="0"/>
+                <a:cs typeface="Courier New" panose="02070309020205020404" pitchFamily="49" charset="0"/>
+              </a:rPr>
+              <a:t>csv</a:t>
+            </a:r>
+            <a:r>
+              <a:rPr lang="nl-NL" sz="1800" dirty="0" smtClean="0">
+                <a:latin typeface="Courier New" panose="02070309020205020404" pitchFamily="49" charset="0"/>
+                <a:cs typeface="Courier New" panose="02070309020205020404" pitchFamily="49" charset="0"/>
+              </a:rPr>
+              <a:t> file from the </a:t>
+            </a:r>
+            <a:r>
+              <a:rPr lang="nl-NL" sz="1800" dirty="0" err="1" smtClean="0">
+                <a:latin typeface="Courier New" panose="02070309020205020404" pitchFamily="49" charset="0"/>
+                <a:cs typeface="Courier New" panose="02070309020205020404" pitchFamily="49" charset="0"/>
+              </a:rPr>
+              <a:t>previous</a:t>
+            </a:r>
+            <a:r>
+              <a:rPr lang="nl-NL" sz="1800" dirty="0" smtClean="0">
+                <a:latin typeface="Courier New" panose="02070309020205020404" pitchFamily="49" charset="0"/>
+                <a:cs typeface="Courier New" panose="02070309020205020404" pitchFamily="49" charset="0"/>
+              </a:rPr>
+              <a:t> </a:t>
+            </a:r>
+            <a:r>
+              <a:rPr lang="nl-NL" sz="1800" dirty="0" err="1" smtClean="0">
+                <a:latin typeface="Courier New" panose="02070309020205020404" pitchFamily="49" charset="0"/>
+                <a:cs typeface="Courier New" panose="02070309020205020404" pitchFamily="49" charset="0"/>
+              </a:rPr>
+              <a:t>exercise</a:t>
+            </a:r>
+            <a:endParaRPr lang="nl-NL" sz="1800" dirty="0" smtClean="0">
+              <a:latin typeface="Courier New" panose="02070309020205020404" pitchFamily="49" charset="0"/>
+              <a:cs typeface="Courier New" panose="02070309020205020404" pitchFamily="49" charset="0"/>
+            </a:endParaRPr>
+          </a:p>
+          <a:p>
+            <a:pPr>
+              <a:buAutoNum type="arabicPeriod"/>
+            </a:pPr>
             <a:r>
               <a:rPr lang="nl-NL" sz="1800" dirty="0" err="1" smtClean="0">
                 <a:latin typeface="Courier New" panose="02070309020205020404" pitchFamily="49" charset="0"/>
@@ -21296,7 +21383,7 @@
             <a:pPr>
               <a:buAutoNum type="arabicPeriod"/>
             </a:pPr>
-            <a:endParaRPr lang="nl-NL" sz="1800" dirty="0">
+            <a:endParaRPr lang="nl-NL" sz="1800" dirty="0" smtClean="0">
               <a:latin typeface="Courier New" panose="02070309020205020404" pitchFamily="49" charset="0"/>
               <a:cs typeface="Courier New" panose="02070309020205020404" pitchFamily="49" charset="0"/>
             </a:endParaRPr>
@@ -21403,6 +21490,24 @@
               </a:rPr>
               <a:t>colors</a:t>
             </a:r>
+            <a:endParaRPr lang="nl-NL" sz="1800" dirty="0" smtClean="0">
+              <a:latin typeface="Courier New" panose="02070309020205020404" pitchFamily="49" charset="0"/>
+              <a:cs typeface="Courier New" panose="02070309020205020404" pitchFamily="49" charset="0"/>
+            </a:endParaRPr>
+          </a:p>
+          <a:p>
+            <a:pPr marL="0" indent="0">
+              <a:buNone/>
+            </a:pPr>
+            <a:endParaRPr lang="nl-NL" sz="1800" dirty="0" smtClean="0">
+              <a:latin typeface="Courier New" panose="02070309020205020404" pitchFamily="49" charset="0"/>
+              <a:cs typeface="Courier New" panose="02070309020205020404" pitchFamily="49" charset="0"/>
+            </a:endParaRPr>
+          </a:p>
+          <a:p>
+            <a:pPr marL="0" indent="0">
+              <a:buNone/>
+            </a:pPr>
             <a:endParaRPr lang="nl-NL" sz="1800" dirty="0" smtClean="0">
               <a:latin typeface="Courier New" panose="02070309020205020404" pitchFamily="49" charset="0"/>
               <a:cs typeface="Courier New" panose="02070309020205020404" pitchFamily="49" charset="0"/>
@@ -22555,8 +22660,13 @@
             </a:r>
             <a:r>
               <a:rPr lang="nl-NL" sz="2400" dirty="0" smtClean="0"/>
-              <a:t> solution on GitHub</a:t>
-            </a:r>
+              <a:t> solution on </a:t>
+            </a:r>
+            <a:r>
+              <a:rPr lang="nl-NL" sz="2400" dirty="0" smtClean="0"/>
+              <a:t>GitHub)</a:t>
+            </a:r>
+            <a:endParaRPr lang="nl-NL" sz="2400" dirty="0" smtClean="0"/>
           </a:p>
           <a:p>
             <a:endParaRPr lang="nl-NL" sz="2400" dirty="0" smtClean="0"/>

--- a/slides/ddl-w4l1.pptx
+++ b/slides/ddl-w4l1.pptx
@@ -3378,7 +3378,7 @@
             <a:fld id="{373F1B60-BDF4-4D63-AD79-99D5A5B1DF99}" type="datetime1">
               <a:rPr lang="en-US"/>
               <a:pPr/>
-              <a:t>11/30/2018</a:t>
+              <a:t>12/1/2018</a:t>
             </a:fld>
             <a:endParaRPr lang="en-US"/>
           </a:p>
@@ -3597,7 +3597,7 @@
             <a:fld id="{4387A7AA-DFE9-4771-BEDE-3294FCEBFB02}" type="datetime1">
               <a:rPr lang="en-US"/>
               <a:pPr/>
-              <a:t>11/30/2018</a:t>
+              <a:t>12/1/2018</a:t>
             </a:fld>
             <a:endParaRPr lang="en-US"/>
           </a:p>
@@ -3988,7 +3988,7 @@
             <a:fld id="{8541E2CD-DBF4-40F9-B6F8-EEFD0DF8A138}" type="datetime1">
               <a:rPr lang="en-US"/>
               <a:pPr/>
-              <a:t>11/30/2018</a:t>
+              <a:t>12/1/2018</a:t>
             </a:fld>
             <a:endParaRPr lang="en-US"/>
           </a:p>
@@ -4203,7 +4203,7 @@
             <a:fld id="{93F21019-3A00-48AC-9663-40DF67A83229}" type="datetime1">
               <a:rPr lang="en-US"/>
               <a:pPr/>
-              <a:t>11/30/2018</a:t>
+              <a:t>12/1/2018</a:t>
             </a:fld>
             <a:endParaRPr lang="en-US">
               <a:solidFill>
@@ -4389,7 +4389,7 @@
             <a:fld id="{8B2EF9C8-0AC3-4A53-9A61-1834A571F420}" type="datetime1">
               <a:rPr lang="en-US"/>
               <a:pPr/>
-              <a:t>11/30/2018</a:t>
+              <a:t>12/1/2018</a:t>
             </a:fld>
             <a:endParaRPr lang="en-US" sz="1400">
               <a:solidFill>
@@ -4586,7 +4586,7 @@
             <a:fld id="{F02960F3-A385-4905-A491-FDC17E063DD1}" type="datetime1">
               <a:rPr lang="en-US"/>
               <a:pPr/>
-              <a:t>11/30/2018</a:t>
+              <a:t>12/1/2018</a:t>
             </a:fld>
             <a:endParaRPr lang="en-US" sz="1400">
               <a:solidFill>
@@ -4845,7 +4845,7 @@
             <a:fld id="{CD3AD70A-8E2A-47B5-AC18-ABBB5A8E737D}" type="datetime1">
               <a:rPr lang="en-US"/>
               <a:pPr/>
-              <a:t>11/30/2018</a:t>
+              <a:t>12/1/2018</a:t>
             </a:fld>
             <a:endParaRPr lang="en-US" sz="1400">
               <a:solidFill>
@@ -5081,7 +5081,7 @@
             <a:fld id="{07008C2E-9BD6-496B-BFC3-B4A975EBC85E}" type="datetime1">
               <a:rPr lang="en-US"/>
               <a:pPr/>
-              <a:t>11/30/2018</a:t>
+              <a:t>12/1/2018</a:t>
             </a:fld>
             <a:endParaRPr lang="en-US" sz="1400">
               <a:solidFill>
@@ -5260,7 +5260,7 @@
             <a:fld id="{1AA2C3CF-866C-4FDE-B76D-4E9536901630}" type="datetime1">
               <a:rPr lang="en-US"/>
               <a:pPr/>
-              <a:t>11/30/2018</a:t>
+              <a:t>12/1/2018</a:t>
             </a:fld>
             <a:endParaRPr lang="en-US" sz="1400">
               <a:solidFill>
@@ -5439,7 +5439,7 @@
             <a:fld id="{555EE259-FE08-4558-B721-B189FFE77284}" type="datetime1">
               <a:rPr lang="en-US"/>
               <a:pPr/>
-              <a:t>11/30/2018</a:t>
+              <a:t>12/1/2018</a:t>
             </a:fld>
             <a:endParaRPr lang="en-US" sz="1400">
               <a:solidFill>
@@ -5708,7 +5708,7 @@
             <a:fld id="{0AF4064E-5624-49AB-B7C6-E301A8F6B1FF}" type="datetime1">
               <a:rPr lang="en-US"/>
               <a:pPr/>
-              <a:t>11/30/2018</a:t>
+              <a:t>12/1/2018</a:t>
             </a:fld>
             <a:endParaRPr lang="en-US" sz="1400">
               <a:solidFill>
@@ -5905,7 +5905,7 @@
             <a:fld id="{CBC97FCD-6C54-4833-B032-BFBCDFA8379D}" type="datetime1">
               <a:rPr lang="en-US"/>
               <a:pPr/>
-              <a:t>11/30/2018</a:t>
+              <a:t>12/1/2018</a:t>
             </a:fld>
             <a:endParaRPr lang="en-US" sz="1400">
               <a:solidFill>
@@ -6114,7 +6114,7 @@
             <a:fld id="{F04AA577-515A-431F-98B6-3B03494ABB11}" type="datetime1">
               <a:rPr lang="en-US"/>
               <a:pPr/>
-              <a:t>11/30/2018</a:t>
+              <a:t>12/1/2018</a:t>
             </a:fld>
             <a:endParaRPr lang="en-US" sz="1400">
               <a:solidFill>
@@ -6419,7 +6419,7 @@
             <a:fld id="{6475F1A4-C474-4345-A800-2F40B0E4E70C}" type="datetime1">
               <a:rPr lang="en-US"/>
               <a:pPr/>
-              <a:t>11/30/2018</a:t>
+              <a:t>12/1/2018</a:t>
             </a:fld>
             <a:endParaRPr lang="en-US" sz="1400">
               <a:solidFill>
@@ -6863,7 +6863,7 @@
             <a:fld id="{7BA535AB-820E-4207-9DA8-5F37106C7AF4}" type="datetime1">
               <a:rPr lang="en-US"/>
               <a:pPr/>
-              <a:t>11/30/2018</a:t>
+              <a:t>12/1/2018</a:t>
             </a:fld>
             <a:endParaRPr lang="en-US" sz="1400">
               <a:solidFill>
@@ -6998,7 +6998,7 @@
             <a:fld id="{0A7E69FA-D7EE-42C0-9117-1971B541885F}" type="datetime1">
               <a:rPr lang="en-US"/>
               <a:pPr/>
-              <a:t>11/30/2018</a:t>
+              <a:t>12/1/2018</a:t>
             </a:fld>
             <a:endParaRPr lang="en-US" sz="1400">
               <a:solidFill>
@@ -7110,7 +7110,7 @@
             <a:fld id="{10D7644E-1B5D-4325-BA79-338DF2B89B56}" type="datetime1">
               <a:rPr lang="en-US"/>
               <a:pPr/>
-              <a:t>11/30/2018</a:t>
+              <a:t>12/1/2018</a:t>
             </a:fld>
             <a:endParaRPr lang="en-US" sz="1400">
               <a:solidFill>
@@ -7404,7 +7404,7 @@
             <a:fld id="{B790C882-0B74-4932-8998-E9ABB8AF1740}" type="datetime1">
               <a:rPr lang="en-US"/>
               <a:pPr/>
-              <a:t>11/30/2018</a:t>
+              <a:t>12/1/2018</a:t>
             </a:fld>
             <a:endParaRPr lang="en-US" sz="1400">
               <a:solidFill>
@@ -7674,7 +7674,7 @@
             <a:fld id="{9DC585DC-AE7D-44C1-90AB-C3A391DEA065}" type="datetime1">
               <a:rPr lang="en-US"/>
               <a:pPr/>
-              <a:t>11/30/2018</a:t>
+              <a:t>12/1/2018</a:t>
             </a:fld>
             <a:endParaRPr lang="en-US" sz="1400">
               <a:solidFill>
@@ -7938,7 +7938,7 @@
             <a:fld id="{256CE565-1940-4E5F-9190-C0815CEAAA9D}" type="datetime1">
               <a:rPr lang="en-US"/>
               <a:pPr/>
-              <a:t>11/30/2018</a:t>
+              <a:t>12/1/2018</a:t>
             </a:fld>
             <a:endParaRPr lang="en-US"/>
           </a:p>
@@ -8570,7 +8570,7 @@
         <p:spPr>
           <a:xfrm>
             <a:off x="1787174" y="5517232"/>
-            <a:ext cx="4360489" cy="461665"/>
+            <a:ext cx="4950394" cy="461665"/>
           </a:xfrm>
           <a:prstGeom prst="rect">
             <a:avLst/>
@@ -8613,11 +8613,23 @@
             </a:r>
             <a:r>
               <a:rPr lang="nl-NL" sz="1200" dirty="0" smtClean="0"/>
-              <a:t>, public domain or CC-</a:t>
+              <a:t>, public </a:t>
+            </a:r>
+            <a:r>
+              <a:rPr lang="nl-NL" sz="1200" dirty="0" smtClean="0"/>
+              <a:t>domain, CC-</a:t>
             </a:r>
             <a:r>
               <a:rPr lang="nl-NL" sz="1200" dirty="0" err="1" smtClean="0"/>
               <a:t>licensed</a:t>
+            </a:r>
+            <a:r>
+              <a:rPr lang="nl-NL" sz="1200" dirty="0" smtClean="0"/>
+              <a:t> or fair </a:t>
+            </a:r>
+            <a:r>
+              <a:rPr lang="nl-NL" sz="1200" dirty="0" err="1" smtClean="0"/>
+              <a:t>use</a:t>
             </a:r>
             <a:endParaRPr lang="nl-NL" sz="1200" dirty="0" smtClean="0"/>
           </a:p>
@@ -9588,15 +9600,7 @@
             </a:r>
             <a:r>
               <a:rPr lang="nl-NL" sz="2400" dirty="0" smtClean="0"/>
-              <a:t> </a:t>
-            </a:r>
-            <a:r>
-              <a:rPr lang="nl-NL" sz="2400" dirty="0" smtClean="0"/>
-              <a:t>research</a:t>
-            </a:r>
-            <a:r>
-              <a:rPr lang="nl-NL" sz="2400" dirty="0" smtClean="0"/>
-              <a:t>: </a:t>
+              <a:t> research: </a:t>
             </a:r>
             <a:r>
               <a:rPr lang="nl-NL" sz="2400" dirty="0" err="1" smtClean="0"/>
@@ -10212,63 +10216,154 @@
                 <a:latin typeface="Courier New" panose="02070309020205020404" pitchFamily="49" charset="0"/>
                 <a:cs typeface="Courier New" panose="02070309020205020404" pitchFamily="49" charset="0"/>
               </a:rPr>
-              <a:t>Combine </a:t>
+              <a:t>Combine the </a:t>
+            </a:r>
+            <a:r>
+              <a:rPr lang="nl-NL" sz="1600" dirty="0" err="1" smtClean="0">
+                <a:latin typeface="Courier New" panose="02070309020205020404" pitchFamily="49" charset="0"/>
+                <a:cs typeface="Courier New" panose="02070309020205020404" pitchFamily="49" charset="0"/>
+              </a:rPr>
+              <a:t>two</a:t>
             </a:r>
             <a:r>
               <a:rPr lang="nl-NL" sz="1600" dirty="0" smtClean="0">
                 <a:latin typeface="Courier New" panose="02070309020205020404" pitchFamily="49" charset="0"/>
                 <a:cs typeface="Courier New" panose="02070309020205020404" pitchFamily="49" charset="0"/>
               </a:rPr>
-              <a:t>the </a:t>
+              <a:t> files from the </a:t>
             </a:r>
             <a:r>
               <a:rPr lang="nl-NL" sz="1600" dirty="0" err="1" smtClean="0">
                 <a:latin typeface="Courier New" panose="02070309020205020404" pitchFamily="49" charset="0"/>
                 <a:cs typeface="Courier New" panose="02070309020205020404" pitchFamily="49" charset="0"/>
               </a:rPr>
-              <a:t>two</a:t>
+              <a:t>Fitbit</a:t>
             </a:r>
             <a:r>
               <a:rPr lang="nl-NL" sz="1600" dirty="0" smtClean="0">
                 <a:latin typeface="Courier New" panose="02070309020205020404" pitchFamily="49" charset="0"/>
                 <a:cs typeface="Courier New" panose="02070309020205020404" pitchFamily="49" charset="0"/>
               </a:rPr>
-              <a:t> files from the </a:t>
+              <a:t> project (</a:t>
+            </a:r>
+            <a:r>
+              <a:rPr lang="nl-NL" sz="1600" i="1" dirty="0" smtClean="0">
+                <a:latin typeface="Courier New" panose="02070309020205020404" pitchFamily="49" charset="0"/>
+                <a:cs typeface="Courier New" panose="02070309020205020404" pitchFamily="49" charset="0"/>
+              </a:rPr>
+              <a:t>steps</a:t>
+            </a:r>
+            <a:r>
+              <a:rPr lang="nl-NL" sz="1600" dirty="0" smtClean="0">
+                <a:latin typeface="Courier New" panose="02070309020205020404" pitchFamily="49" charset="0"/>
+                <a:cs typeface="Courier New" panose="02070309020205020404" pitchFamily="49" charset="0"/>
+              </a:rPr>
+              <a:t> </a:t>
             </a:r>
             <a:r>
               <a:rPr lang="nl-NL" sz="1600" dirty="0" err="1" smtClean="0">
                 <a:latin typeface="Courier New" panose="02070309020205020404" pitchFamily="49" charset="0"/>
                 <a:cs typeface="Courier New" panose="02070309020205020404" pitchFamily="49" charset="0"/>
               </a:rPr>
-              <a:t>Fitbit</a:t>
+              <a:t>and</a:t>
             </a:r>
             <a:r>
               <a:rPr lang="nl-NL" sz="1600" dirty="0" smtClean="0">
                 <a:latin typeface="Courier New" panose="02070309020205020404" pitchFamily="49" charset="0"/>
                 <a:cs typeface="Courier New" panose="02070309020205020404" pitchFamily="49" charset="0"/>
               </a:rPr>
-              <a:t> project (</a:t>
+              <a:t> </a:t>
             </a:r>
             <a:r>
               <a:rPr lang="nl-NL" sz="1600" i="1" dirty="0" smtClean="0">
                 <a:latin typeface="Courier New" panose="02070309020205020404" pitchFamily="49" charset="0"/>
                 <a:cs typeface="Courier New" panose="02070309020205020404" pitchFamily="49" charset="0"/>
               </a:rPr>
-              <a:t>steps</a:t>
+              <a:t>survey data</a:t>
             </a:r>
             <a:r>
               <a:rPr lang="nl-NL" sz="1600" dirty="0" smtClean="0">
                 <a:latin typeface="Courier New" panose="02070309020205020404" pitchFamily="49" charset="0"/>
                 <a:cs typeface="Courier New" panose="02070309020205020404" pitchFamily="49" charset="0"/>
               </a:rPr>
+              <a:t>) </a:t>
+            </a:r>
+            <a:r>
+              <a:rPr lang="nl-NL" sz="1600" dirty="0" err="1" smtClean="0">
+                <a:latin typeface="Courier New" panose="02070309020205020404" pitchFamily="49" charset="0"/>
+                <a:cs typeface="Courier New" panose="02070309020205020404" pitchFamily="49" charset="0"/>
+              </a:rPr>
+              <a:t>into</a:t>
+            </a:r>
+            <a:r>
+              <a:rPr lang="nl-NL" sz="1600" dirty="0" smtClean="0">
+                <a:latin typeface="Courier New" panose="02070309020205020404" pitchFamily="49" charset="0"/>
+                <a:cs typeface="Courier New" panose="02070309020205020404" pitchFamily="49" charset="0"/>
+              </a:rPr>
+              <a:t> a single </a:t>
+            </a:r>
+            <a:r>
+              <a:rPr lang="nl-NL" sz="1600" dirty="0" err="1" smtClean="0">
+                <a:latin typeface="Courier New" panose="02070309020205020404" pitchFamily="49" charset="0"/>
+                <a:cs typeface="Courier New" panose="02070309020205020404" pitchFamily="49" charset="0"/>
+              </a:rPr>
+              <a:t>csv</a:t>
+            </a:r>
+            <a:r>
+              <a:rPr lang="nl-NL" sz="1600" dirty="0" smtClean="0">
+                <a:latin typeface="Courier New" panose="02070309020205020404" pitchFamily="49" charset="0"/>
+                <a:cs typeface="Courier New" panose="02070309020205020404" pitchFamily="49" charset="0"/>
+              </a:rPr>
+              <a:t> file, </a:t>
+            </a:r>
+            <a:r>
+              <a:rPr lang="nl-NL" sz="1600" dirty="0" err="1" smtClean="0">
+                <a:latin typeface="Courier New" panose="02070309020205020404" pitchFamily="49" charset="0"/>
+                <a:cs typeface="Courier New" panose="02070309020205020404" pitchFamily="49" charset="0"/>
+              </a:rPr>
+              <a:t>and</a:t>
+            </a:r>
+            <a:r>
+              <a:rPr lang="nl-NL" sz="1600" dirty="0" smtClean="0">
+                <a:latin typeface="Courier New" panose="02070309020205020404" pitchFamily="49" charset="0"/>
+                <a:cs typeface="Courier New" panose="02070309020205020404" pitchFamily="49" charset="0"/>
+              </a:rPr>
+              <a:t> clean up the </a:t>
+            </a:r>
+            <a:r>
+              <a:rPr lang="nl-NL" sz="1600" dirty="0" err="1" smtClean="0">
+                <a:latin typeface="Courier New" panose="02070309020205020404" pitchFamily="49" charset="0"/>
+                <a:cs typeface="Courier New" panose="02070309020205020404" pitchFamily="49" charset="0"/>
+              </a:rPr>
+              <a:t>variable</a:t>
+            </a:r>
+            <a:r>
+              <a:rPr lang="nl-NL" sz="1600" dirty="0" smtClean="0">
+                <a:latin typeface="Courier New" panose="02070309020205020404" pitchFamily="49" charset="0"/>
+                <a:cs typeface="Courier New" panose="02070309020205020404" pitchFamily="49" charset="0"/>
+              </a:rPr>
               <a:t> </a:t>
             </a:r>
             <a:r>
+              <a:rPr lang="nl-NL" sz="1600" i="1" dirty="0" smtClean="0">
+                <a:latin typeface="Courier New" panose="02070309020205020404" pitchFamily="49" charset="0"/>
+                <a:cs typeface="Courier New" panose="02070309020205020404" pitchFamily="49" charset="0"/>
+              </a:rPr>
+              <a:t>Tour </a:t>
+            </a:r>
+            <a:r>
+              <a:rPr lang="nl-NL" sz="1600" dirty="0" smtClean="0">
+                <a:latin typeface="Courier New" panose="02070309020205020404" pitchFamily="49" charset="0"/>
+                <a:cs typeface="Courier New" panose="02070309020205020404" pitchFamily="49" charset="0"/>
+              </a:rPr>
+              <a:t>(</a:t>
+            </a:r>
+            <a:r>
               <a:rPr lang="nl-NL" sz="1600" dirty="0" err="1" smtClean="0">
                 <a:latin typeface="Courier New" panose="02070309020205020404" pitchFamily="49" charset="0"/>
                 <a:cs typeface="Courier New" panose="02070309020205020404" pitchFamily="49" charset="0"/>
               </a:rPr>
-              <a:t>and</a:t>
+              <a:t>waist</a:t>
             </a:r>
             <a:r>
               <a:rPr lang="nl-NL" sz="1600" dirty="0" smtClean="0">
@@ -10278,39 +10373,39 @@
               <a:t> </a:t>
             </a:r>
             <a:r>
-              <a:rPr lang="nl-NL" sz="1600" i="1" dirty="0" smtClean="0">
-                <a:latin typeface="Courier New" panose="02070309020205020404" pitchFamily="49" charset="0"/>
-                <a:cs typeface="Courier New" panose="02070309020205020404" pitchFamily="49" charset="0"/>
-              </a:rPr>
-              <a:t>survey data</a:t>
+              <a:rPr lang="nl-NL" sz="1600" dirty="0" err="1" smtClean="0">
+                <a:latin typeface="Courier New" panose="02070309020205020404" pitchFamily="49" charset="0"/>
+                <a:cs typeface="Courier New" panose="02070309020205020404" pitchFamily="49" charset="0"/>
+              </a:rPr>
+              <a:t>circumference</a:t>
             </a:r>
             <a:r>
               <a:rPr lang="nl-NL" sz="1600" dirty="0" smtClean="0">
                 <a:latin typeface="Courier New" panose="02070309020205020404" pitchFamily="49" charset="0"/>
                 <a:cs typeface="Courier New" panose="02070309020205020404" pitchFamily="49" charset="0"/>
               </a:rPr>
-              <a:t>) </a:t>
+              <a:t>). </a:t>
             </a:r>
             <a:r>
               <a:rPr lang="nl-NL" sz="1600" dirty="0" err="1" smtClean="0">
                 <a:latin typeface="Courier New" panose="02070309020205020404" pitchFamily="49" charset="0"/>
                 <a:cs typeface="Courier New" panose="02070309020205020404" pitchFamily="49" charset="0"/>
               </a:rPr>
-              <a:t>into</a:t>
+              <a:t>You</a:t>
             </a:r>
             <a:r>
               <a:rPr lang="nl-NL" sz="1600" dirty="0" smtClean="0">
                 <a:latin typeface="Courier New" panose="02070309020205020404" pitchFamily="49" charset="0"/>
                 <a:cs typeface="Courier New" panose="02070309020205020404" pitchFamily="49" charset="0"/>
               </a:rPr>
-              <a:t> a single </a:t>
+              <a:t> </a:t>
             </a:r>
             <a:r>
               <a:rPr lang="nl-NL" sz="1600" dirty="0" err="1" smtClean="0">
                 <a:latin typeface="Courier New" panose="02070309020205020404" pitchFamily="49" charset="0"/>
                 <a:cs typeface="Courier New" panose="02070309020205020404" pitchFamily="49" charset="0"/>
               </a:rPr>
-              <a:t>csv</a:t>
+              <a:t>will</a:t>
             </a:r>
             <a:r>
               <a:rPr lang="nl-NL" sz="1600" dirty="0" smtClean="0">
@@ -10320,60 +10415,81 @@
               <a:t> </a:t>
             </a:r>
             <a:r>
+              <a:rPr lang="nl-NL" sz="1600" dirty="0" err="1" smtClean="0">
+                <a:latin typeface="Courier New" panose="02070309020205020404" pitchFamily="49" charset="0"/>
+                <a:cs typeface="Courier New" panose="02070309020205020404" pitchFamily="49" charset="0"/>
+              </a:rPr>
+              <a:t>also</a:t>
+            </a:r>
+            <a:r>
               <a:rPr lang="nl-NL" sz="1600" dirty="0" smtClean="0">
                 <a:latin typeface="Courier New" panose="02070309020205020404" pitchFamily="49" charset="0"/>
                 <a:cs typeface="Courier New" panose="02070309020205020404" pitchFamily="49" charset="0"/>
               </a:rPr>
-              <a:t>file, </a:t>
+              <a:t> </a:t>
             </a:r>
             <a:r>
               <a:rPr lang="nl-NL" sz="1600" dirty="0" err="1" smtClean="0">
                 <a:latin typeface="Courier New" panose="02070309020205020404" pitchFamily="49" charset="0"/>
                 <a:cs typeface="Courier New" panose="02070309020205020404" pitchFamily="49" charset="0"/>
               </a:rPr>
-              <a:t>and</a:t>
+              <a:t>need</a:t>
             </a:r>
             <a:r>
               <a:rPr lang="nl-NL" sz="1600" dirty="0" smtClean="0">
                 <a:latin typeface="Courier New" panose="02070309020205020404" pitchFamily="49" charset="0"/>
                 <a:cs typeface="Courier New" panose="02070309020205020404" pitchFamily="49" charset="0"/>
               </a:rPr>
-              <a:t> clean up the </a:t>
+              <a:t> these </a:t>
             </a:r>
             <a:r>
               <a:rPr lang="nl-NL" sz="1600" dirty="0" err="1" smtClean="0">
                 <a:latin typeface="Courier New" panose="02070309020205020404" pitchFamily="49" charset="0"/>
                 <a:cs typeface="Courier New" panose="02070309020205020404" pitchFamily="49" charset="0"/>
               </a:rPr>
-              <a:t>variable</a:t>
+              <a:t>cleaned</a:t>
             </a:r>
             <a:r>
               <a:rPr lang="nl-NL" sz="1600" dirty="0" smtClean="0">
                 <a:latin typeface="Courier New" panose="02070309020205020404" pitchFamily="49" charset="0"/>
                 <a:cs typeface="Courier New" panose="02070309020205020404" pitchFamily="49" charset="0"/>
               </a:rPr>
+              <a:t> data </a:t>
+            </a:r>
+            <a:r>
+              <a:rPr lang="nl-NL" sz="1600" dirty="0" err="1" smtClean="0">
+                <a:latin typeface="Courier New" panose="02070309020205020404" pitchFamily="49" charset="0"/>
+                <a:cs typeface="Courier New" panose="02070309020205020404" pitchFamily="49" charset="0"/>
+              </a:rPr>
+              <a:t>for</a:t>
+            </a:r>
+            <a:r>
+              <a:rPr lang="nl-NL" sz="1600" dirty="0" smtClean="0">
+                <a:latin typeface="Courier New" panose="02070309020205020404" pitchFamily="49" charset="0"/>
+                <a:cs typeface="Courier New" panose="02070309020205020404" pitchFamily="49" charset="0"/>
+              </a:rPr>
               <a:t> </a:t>
             </a:r>
             <a:r>
-              <a:rPr lang="nl-NL" sz="1600" i="1" dirty="0" smtClean="0">
-                <a:latin typeface="Courier New" panose="02070309020205020404" pitchFamily="49" charset="0"/>
-                <a:cs typeface="Courier New" panose="02070309020205020404" pitchFamily="49" charset="0"/>
-              </a:rPr>
-              <a:t>Tour </a:t>
+              <a:rPr lang="nl-NL" sz="1600" dirty="0" err="1" smtClean="0">
+                <a:latin typeface="Courier New" panose="02070309020205020404" pitchFamily="49" charset="0"/>
+                <a:cs typeface="Courier New" panose="02070309020205020404" pitchFamily="49" charset="0"/>
+              </a:rPr>
+              <a:t>Assignment</a:t>
             </a:r>
             <a:r>
               <a:rPr lang="nl-NL" sz="1600" dirty="0" smtClean="0">
                 <a:latin typeface="Courier New" panose="02070309020205020404" pitchFamily="49" charset="0"/>
                 <a:cs typeface="Courier New" panose="02070309020205020404" pitchFamily="49" charset="0"/>
               </a:rPr>
-              <a:t>(</a:t>
+              <a:t> 1. See </a:t>
             </a:r>
             <a:r>
               <a:rPr lang="nl-NL" sz="1600" dirty="0" err="1" smtClean="0">
                 <a:latin typeface="Courier New" panose="02070309020205020404" pitchFamily="49" charset="0"/>
                 <a:cs typeface="Courier New" panose="02070309020205020404" pitchFamily="49" charset="0"/>
               </a:rPr>
-              <a:t>waist</a:t>
+              <a:t>Learn</a:t>
             </a:r>
             <a:r>
               <a:rPr lang="nl-NL" sz="1600" dirty="0" smtClean="0">
@@ -10387,152 +10503,15 @@
                 <a:latin typeface="Courier New" panose="02070309020205020404" pitchFamily="49" charset="0"/>
                 <a:cs typeface="Courier New" panose="02070309020205020404" pitchFamily="49" charset="0"/>
               </a:rPr>
-              <a:t>circumference</a:t>
+              <a:t>for</a:t>
             </a:r>
             <a:r>
               <a:rPr lang="nl-NL" sz="1600" dirty="0" smtClean="0">
                 <a:latin typeface="Courier New" panose="02070309020205020404" pitchFamily="49" charset="0"/>
                 <a:cs typeface="Courier New" panose="02070309020205020404" pitchFamily="49" charset="0"/>
               </a:rPr>
-              <a:t>). </a:t>
-            </a:r>
-            <a:r>
-              <a:rPr lang="nl-NL" sz="1600" dirty="0" err="1" smtClean="0">
-                <a:latin typeface="Courier New" panose="02070309020205020404" pitchFamily="49" charset="0"/>
-                <a:cs typeface="Courier New" panose="02070309020205020404" pitchFamily="49" charset="0"/>
-              </a:rPr>
-              <a:t>You</a:t>
-            </a:r>
-            <a:r>
-              <a:rPr lang="nl-NL" sz="1600" dirty="0" smtClean="0">
-                <a:latin typeface="Courier New" panose="02070309020205020404" pitchFamily="49" charset="0"/>
-                <a:cs typeface="Courier New" panose="02070309020205020404" pitchFamily="49" charset="0"/>
-              </a:rPr>
-              <a:t> </a:t>
-            </a:r>
-            <a:r>
-              <a:rPr lang="nl-NL" sz="1600" dirty="0" err="1" smtClean="0">
-                <a:latin typeface="Courier New" panose="02070309020205020404" pitchFamily="49" charset="0"/>
-                <a:cs typeface="Courier New" panose="02070309020205020404" pitchFamily="49" charset="0"/>
-              </a:rPr>
-              <a:t>will</a:t>
-            </a:r>
-            <a:r>
-              <a:rPr lang="nl-NL" sz="1600" dirty="0" smtClean="0">
-                <a:latin typeface="Courier New" panose="02070309020205020404" pitchFamily="49" charset="0"/>
-                <a:cs typeface="Courier New" panose="02070309020205020404" pitchFamily="49" charset="0"/>
-              </a:rPr>
-              <a:t> </a:t>
-            </a:r>
-            <a:r>
-              <a:rPr lang="nl-NL" sz="1600" dirty="0" err="1" smtClean="0">
-                <a:latin typeface="Courier New" panose="02070309020205020404" pitchFamily="49" charset="0"/>
-                <a:cs typeface="Courier New" panose="02070309020205020404" pitchFamily="49" charset="0"/>
-              </a:rPr>
-              <a:t>also</a:t>
-            </a:r>
-            <a:r>
-              <a:rPr lang="nl-NL" sz="1600" dirty="0" smtClean="0">
-                <a:latin typeface="Courier New" panose="02070309020205020404" pitchFamily="49" charset="0"/>
-                <a:cs typeface="Courier New" panose="02070309020205020404" pitchFamily="49" charset="0"/>
-              </a:rPr>
-              <a:t> </a:t>
-            </a:r>
-            <a:r>
-              <a:rPr lang="nl-NL" sz="1600" dirty="0" err="1" smtClean="0">
-                <a:latin typeface="Courier New" panose="02070309020205020404" pitchFamily="49" charset="0"/>
-                <a:cs typeface="Courier New" panose="02070309020205020404" pitchFamily="49" charset="0"/>
-              </a:rPr>
-              <a:t>need</a:t>
-            </a:r>
-            <a:r>
-              <a:rPr lang="nl-NL" sz="1600" dirty="0" smtClean="0">
-                <a:latin typeface="Courier New" panose="02070309020205020404" pitchFamily="49" charset="0"/>
-                <a:cs typeface="Courier New" panose="02070309020205020404" pitchFamily="49" charset="0"/>
-              </a:rPr>
-              <a:t> these </a:t>
-            </a:r>
-            <a:r>
-              <a:rPr lang="nl-NL" sz="1600" dirty="0" err="1" smtClean="0">
-                <a:latin typeface="Courier New" panose="02070309020205020404" pitchFamily="49" charset="0"/>
-                <a:cs typeface="Courier New" panose="02070309020205020404" pitchFamily="49" charset="0"/>
-              </a:rPr>
-              <a:t>cleaned</a:t>
-            </a:r>
-            <a:r>
-              <a:rPr lang="nl-NL" sz="1600" dirty="0" smtClean="0">
-                <a:latin typeface="Courier New" panose="02070309020205020404" pitchFamily="49" charset="0"/>
-                <a:cs typeface="Courier New" panose="02070309020205020404" pitchFamily="49" charset="0"/>
-              </a:rPr>
-              <a:t> data </a:t>
-            </a:r>
-            <a:r>
-              <a:rPr lang="nl-NL" sz="1600" dirty="0" err="1" smtClean="0">
-                <a:latin typeface="Courier New" panose="02070309020205020404" pitchFamily="49" charset="0"/>
-                <a:cs typeface="Courier New" panose="02070309020205020404" pitchFamily="49" charset="0"/>
-              </a:rPr>
-              <a:t>for</a:t>
-            </a:r>
-            <a:r>
-              <a:rPr lang="nl-NL" sz="1600" dirty="0" smtClean="0">
-                <a:latin typeface="Courier New" panose="02070309020205020404" pitchFamily="49" charset="0"/>
-                <a:cs typeface="Courier New" panose="02070309020205020404" pitchFamily="49" charset="0"/>
-              </a:rPr>
-              <a:t> </a:t>
-            </a:r>
-            <a:r>
-              <a:rPr lang="nl-NL" sz="1600" dirty="0" err="1" smtClean="0">
-                <a:latin typeface="Courier New" panose="02070309020205020404" pitchFamily="49" charset="0"/>
-                <a:cs typeface="Courier New" panose="02070309020205020404" pitchFamily="49" charset="0"/>
-              </a:rPr>
-              <a:t>Assignment</a:t>
-            </a:r>
-            <a:r>
-              <a:rPr lang="nl-NL" sz="1600" dirty="0" smtClean="0">
-                <a:latin typeface="Courier New" panose="02070309020205020404" pitchFamily="49" charset="0"/>
-                <a:cs typeface="Courier New" panose="02070309020205020404" pitchFamily="49" charset="0"/>
-              </a:rPr>
-              <a:t> 1. </a:t>
-            </a:r>
-            <a:r>
-              <a:rPr lang="nl-NL" sz="1600" dirty="0" smtClean="0">
-                <a:latin typeface="Courier New" panose="02070309020205020404" pitchFamily="49" charset="0"/>
-                <a:cs typeface="Courier New" panose="02070309020205020404" pitchFamily="49" charset="0"/>
-              </a:rPr>
-              <a:t>See </a:t>
-            </a:r>
-            <a:r>
-              <a:rPr lang="nl-NL" sz="1600" dirty="0" err="1" smtClean="0">
-                <a:latin typeface="Courier New" panose="02070309020205020404" pitchFamily="49" charset="0"/>
-                <a:cs typeface="Courier New" panose="02070309020205020404" pitchFamily="49" charset="0"/>
-              </a:rPr>
-              <a:t>Learn</a:t>
-            </a:r>
-            <a:r>
-              <a:rPr lang="nl-NL" sz="1600" dirty="0" smtClean="0">
-                <a:latin typeface="Courier New" panose="02070309020205020404" pitchFamily="49" charset="0"/>
-                <a:cs typeface="Courier New" panose="02070309020205020404" pitchFamily="49" charset="0"/>
-              </a:rPr>
-              <a:t> </a:t>
-            </a:r>
-            <a:r>
-              <a:rPr lang="nl-NL" sz="1600" dirty="0" err="1" smtClean="0">
-                <a:latin typeface="Courier New" panose="02070309020205020404" pitchFamily="49" charset="0"/>
-                <a:cs typeface="Courier New" panose="02070309020205020404" pitchFamily="49" charset="0"/>
-              </a:rPr>
-              <a:t>for</a:t>
-            </a:r>
-            <a:r>
-              <a:rPr lang="nl-NL" sz="1600" dirty="0" smtClean="0">
-                <a:latin typeface="Courier New" panose="02070309020205020404" pitchFamily="49" charset="0"/>
-                <a:cs typeface="Courier New" panose="02070309020205020404" pitchFamily="49" charset="0"/>
-              </a:rPr>
               <a:t> the data.</a:t>
             </a:r>
-            <a:endParaRPr lang="nl-NL" sz="1600" dirty="0" smtClean="0">
-              <a:latin typeface="Courier New" panose="02070309020205020404" pitchFamily="49" charset="0"/>
-              <a:cs typeface="Courier New" panose="02070309020205020404" pitchFamily="49" charset="0"/>
-            </a:endParaRPr>
           </a:p>
           <a:p>
             <a:pPr marL="0" indent="0">
@@ -10954,165 +10933,150 @@
                 <a:latin typeface="Courier New" panose="02070309020205020404" pitchFamily="49" charset="0"/>
                 <a:cs typeface="Courier New" panose="02070309020205020404" pitchFamily="49" charset="0"/>
               </a:rPr>
-              <a:t> files</a:t>
-            </a:r>
+              <a:t> files?</a:t>
+            </a:r>
+          </a:p>
+          <a:p>
             <a:r>
               <a:rPr lang="nl-NL" sz="1600" dirty="0" smtClean="0">
                 <a:latin typeface="Courier New" panose="02070309020205020404" pitchFamily="49" charset="0"/>
                 <a:cs typeface="Courier New" panose="02070309020205020404" pitchFamily="49" charset="0"/>
               </a:rPr>
+              <a:t>Are </a:t>
+            </a:r>
+            <a:r>
+              <a:rPr lang="nl-NL" sz="1600" dirty="0" err="1" smtClean="0">
+                <a:latin typeface="Courier New" panose="02070309020205020404" pitchFamily="49" charset="0"/>
+                <a:cs typeface="Courier New" panose="02070309020205020404" pitchFamily="49" charset="0"/>
+              </a:rPr>
+              <a:t>all</a:t>
+            </a:r>
+            <a:r>
+              <a:rPr lang="nl-NL" sz="1600" dirty="0" smtClean="0">
+                <a:latin typeface="Courier New" panose="02070309020205020404" pitchFamily="49" charset="0"/>
+                <a:cs typeface="Courier New" panose="02070309020205020404" pitchFamily="49" charset="0"/>
+              </a:rPr>
+              <a:t> </a:t>
+            </a:r>
+            <a:r>
+              <a:rPr lang="nl-NL" sz="1600" dirty="0" err="1" smtClean="0">
+                <a:latin typeface="Courier New" panose="02070309020205020404" pitchFamily="49" charset="0"/>
+                <a:cs typeface="Courier New" panose="02070309020205020404" pitchFamily="49" charset="0"/>
+              </a:rPr>
+              <a:t>values</a:t>
+            </a:r>
+            <a:r>
+              <a:rPr lang="nl-NL" sz="1600" dirty="0" smtClean="0">
+                <a:latin typeface="Courier New" panose="02070309020205020404" pitchFamily="49" charset="0"/>
+                <a:cs typeface="Courier New" panose="02070309020205020404" pitchFamily="49" charset="0"/>
+              </a:rPr>
+              <a:t> of </a:t>
+            </a:r>
+            <a:r>
+              <a:rPr lang="nl-NL" sz="1600" i="1" dirty="0" smtClean="0">
+                <a:latin typeface="Courier New" panose="02070309020205020404" pitchFamily="49" charset="0"/>
+                <a:cs typeface="Courier New" panose="02070309020205020404" pitchFamily="49" charset="0"/>
+              </a:rPr>
+              <a:t>Tour </a:t>
+            </a:r>
+            <a:r>
+              <a:rPr lang="nl-NL" sz="1600" dirty="0" err="1" smtClean="0">
+                <a:latin typeface="Courier New" panose="02070309020205020404" pitchFamily="49" charset="0"/>
+                <a:cs typeface="Courier New" panose="02070309020205020404" pitchFamily="49" charset="0"/>
+              </a:rPr>
+              <a:t>plausible</a:t>
+            </a:r>
+            <a:r>
+              <a:rPr lang="nl-NL" sz="1600" dirty="0" smtClean="0">
+                <a:latin typeface="Courier New" panose="02070309020205020404" pitchFamily="49" charset="0"/>
+                <a:cs typeface="Courier New" panose="02070309020205020404" pitchFamily="49" charset="0"/>
+              </a:rPr>
+              <a:t>? </a:t>
+            </a:r>
+            <a:r>
+              <a:rPr lang="nl-NL" sz="1600" dirty="0" err="1" smtClean="0">
+                <a:latin typeface="Courier New" panose="02070309020205020404" pitchFamily="49" charset="0"/>
+                <a:cs typeface="Courier New" panose="02070309020205020404" pitchFamily="49" charset="0"/>
+              </a:rPr>
+              <a:t>What</a:t>
+            </a:r>
+            <a:r>
+              <a:rPr lang="nl-NL" sz="1600" dirty="0" smtClean="0">
+                <a:latin typeface="Courier New" panose="02070309020205020404" pitchFamily="49" charset="0"/>
+                <a:cs typeface="Courier New" panose="02070309020205020404" pitchFamily="49" charset="0"/>
+              </a:rPr>
+              <a:t> are </a:t>
+            </a:r>
+            <a:r>
+              <a:rPr lang="nl-NL" sz="1600" dirty="0" err="1" smtClean="0">
+                <a:latin typeface="Courier New" panose="02070309020205020404" pitchFamily="49" charset="0"/>
+                <a:cs typeface="Courier New" panose="02070309020205020404" pitchFamily="49" charset="0"/>
+              </a:rPr>
+              <a:t>you</a:t>
+            </a:r>
+            <a:r>
+              <a:rPr lang="nl-NL" sz="1600" dirty="0" smtClean="0">
+                <a:latin typeface="Courier New" panose="02070309020205020404" pitchFamily="49" charset="0"/>
+                <a:cs typeface="Courier New" panose="02070309020205020404" pitchFamily="49" charset="0"/>
+              </a:rPr>
+              <a:t> </a:t>
+            </a:r>
+            <a:r>
+              <a:rPr lang="nl-NL" sz="1600" dirty="0" err="1" smtClean="0">
+                <a:latin typeface="Courier New" panose="02070309020205020404" pitchFamily="49" charset="0"/>
+                <a:cs typeface="Courier New" panose="02070309020205020404" pitchFamily="49" charset="0"/>
+              </a:rPr>
+              <a:t>going</a:t>
+            </a:r>
+            <a:r>
+              <a:rPr lang="nl-NL" sz="1600" dirty="0" smtClean="0">
+                <a:latin typeface="Courier New" panose="02070309020205020404" pitchFamily="49" charset="0"/>
+                <a:cs typeface="Courier New" panose="02070309020205020404" pitchFamily="49" charset="0"/>
+              </a:rPr>
+              <a:t> </a:t>
+            </a:r>
+            <a:r>
+              <a:rPr lang="nl-NL" sz="1600" dirty="0" err="1" smtClean="0">
+                <a:latin typeface="Courier New" panose="02070309020205020404" pitchFamily="49" charset="0"/>
+                <a:cs typeface="Courier New" panose="02070309020205020404" pitchFamily="49" charset="0"/>
+              </a:rPr>
+              <a:t>to</a:t>
+            </a:r>
+            <a:r>
+              <a:rPr lang="nl-NL" sz="1600" dirty="0" smtClean="0">
+                <a:latin typeface="Courier New" panose="02070309020205020404" pitchFamily="49" charset="0"/>
+                <a:cs typeface="Courier New" panose="02070309020205020404" pitchFamily="49" charset="0"/>
+              </a:rPr>
+              <a:t> do </a:t>
+            </a:r>
+            <a:r>
+              <a:rPr lang="nl-NL" sz="1600" dirty="0" err="1" smtClean="0">
+                <a:latin typeface="Courier New" panose="02070309020205020404" pitchFamily="49" charset="0"/>
+                <a:cs typeface="Courier New" panose="02070309020205020404" pitchFamily="49" charset="0"/>
+              </a:rPr>
+              <a:t>about</a:t>
+            </a:r>
+            <a:r>
+              <a:rPr lang="nl-NL" sz="1600" dirty="0" smtClean="0">
+                <a:latin typeface="Courier New" panose="02070309020205020404" pitchFamily="49" charset="0"/>
+                <a:cs typeface="Courier New" panose="02070309020205020404" pitchFamily="49" charset="0"/>
+              </a:rPr>
+              <a:t> </a:t>
+            </a:r>
+            <a:r>
+              <a:rPr lang="nl-NL" sz="1600" dirty="0" err="1" smtClean="0">
+                <a:latin typeface="Courier New" panose="02070309020205020404" pitchFamily="49" charset="0"/>
+                <a:cs typeface="Courier New" panose="02070309020205020404" pitchFamily="49" charset="0"/>
+              </a:rPr>
+              <a:t>this</a:t>
+            </a:r>
+            <a:r>
+              <a:rPr lang="nl-NL" sz="1600" dirty="0" smtClean="0">
+                <a:latin typeface="Courier New" panose="02070309020205020404" pitchFamily="49" charset="0"/>
+                <a:cs typeface="Courier New" panose="02070309020205020404" pitchFamily="49" charset="0"/>
+              </a:rPr>
               <a:t>?</a:t>
             </a:r>
-            <a:endParaRPr lang="nl-NL" sz="1600" dirty="0" smtClean="0">
-              <a:latin typeface="Courier New" panose="02070309020205020404" pitchFamily="49" charset="0"/>
-              <a:cs typeface="Courier New" panose="02070309020205020404" pitchFamily="49" charset="0"/>
-            </a:endParaRPr>
-          </a:p>
-          <a:p>
-            <a:r>
-              <a:rPr lang="nl-NL" sz="1600" dirty="0" smtClean="0">
-                <a:latin typeface="Courier New" panose="02070309020205020404" pitchFamily="49" charset="0"/>
-                <a:cs typeface="Courier New" panose="02070309020205020404" pitchFamily="49" charset="0"/>
-              </a:rPr>
-              <a:t>Are </a:t>
-            </a:r>
-            <a:r>
-              <a:rPr lang="nl-NL" sz="1600" dirty="0" err="1" smtClean="0">
-                <a:latin typeface="Courier New" panose="02070309020205020404" pitchFamily="49" charset="0"/>
-                <a:cs typeface="Courier New" panose="02070309020205020404" pitchFamily="49" charset="0"/>
-              </a:rPr>
-              <a:t>all</a:t>
-            </a:r>
-            <a:r>
-              <a:rPr lang="nl-NL" sz="1600" dirty="0" smtClean="0">
-                <a:latin typeface="Courier New" panose="02070309020205020404" pitchFamily="49" charset="0"/>
-                <a:cs typeface="Courier New" panose="02070309020205020404" pitchFamily="49" charset="0"/>
-              </a:rPr>
-              <a:t> </a:t>
-            </a:r>
-            <a:r>
-              <a:rPr lang="nl-NL" sz="1600" dirty="0" err="1" smtClean="0">
-                <a:latin typeface="Courier New" panose="02070309020205020404" pitchFamily="49" charset="0"/>
-                <a:cs typeface="Courier New" panose="02070309020205020404" pitchFamily="49" charset="0"/>
-              </a:rPr>
-              <a:t>values</a:t>
-            </a:r>
-            <a:r>
-              <a:rPr lang="nl-NL" sz="1600" dirty="0" smtClean="0">
-                <a:latin typeface="Courier New" panose="02070309020205020404" pitchFamily="49" charset="0"/>
-                <a:cs typeface="Courier New" panose="02070309020205020404" pitchFamily="49" charset="0"/>
-              </a:rPr>
-              <a:t> of </a:t>
-            </a:r>
-            <a:r>
-              <a:rPr lang="nl-NL" sz="1600" i="1" dirty="0" smtClean="0">
-                <a:latin typeface="Courier New" panose="02070309020205020404" pitchFamily="49" charset="0"/>
-                <a:cs typeface="Courier New" panose="02070309020205020404" pitchFamily="49" charset="0"/>
-              </a:rPr>
-              <a:t>Tour </a:t>
-            </a:r>
-            <a:r>
-              <a:rPr lang="nl-NL" sz="1600" dirty="0" err="1" smtClean="0">
-                <a:latin typeface="Courier New" panose="02070309020205020404" pitchFamily="49" charset="0"/>
-                <a:cs typeface="Courier New" panose="02070309020205020404" pitchFamily="49" charset="0"/>
-              </a:rPr>
-              <a:t>plausible</a:t>
-            </a:r>
-            <a:r>
-              <a:rPr lang="nl-NL" sz="1600" dirty="0" smtClean="0">
-                <a:latin typeface="Courier New" panose="02070309020205020404" pitchFamily="49" charset="0"/>
-                <a:cs typeface="Courier New" panose="02070309020205020404" pitchFamily="49" charset="0"/>
-              </a:rPr>
-              <a:t>? </a:t>
-            </a:r>
-            <a:r>
-              <a:rPr lang="nl-NL" sz="1600" dirty="0" err="1" smtClean="0">
-                <a:latin typeface="Courier New" panose="02070309020205020404" pitchFamily="49" charset="0"/>
-                <a:cs typeface="Courier New" panose="02070309020205020404" pitchFamily="49" charset="0"/>
-              </a:rPr>
-              <a:t>What</a:t>
-            </a:r>
-            <a:r>
-              <a:rPr lang="nl-NL" sz="1600" dirty="0" smtClean="0">
-                <a:latin typeface="Courier New" panose="02070309020205020404" pitchFamily="49" charset="0"/>
-                <a:cs typeface="Courier New" panose="02070309020205020404" pitchFamily="49" charset="0"/>
-              </a:rPr>
-              <a:t> are </a:t>
-            </a:r>
-            <a:r>
-              <a:rPr lang="nl-NL" sz="1600" dirty="0" err="1" smtClean="0">
-                <a:latin typeface="Courier New" panose="02070309020205020404" pitchFamily="49" charset="0"/>
-                <a:cs typeface="Courier New" panose="02070309020205020404" pitchFamily="49" charset="0"/>
-              </a:rPr>
-              <a:t>you</a:t>
-            </a:r>
-            <a:r>
-              <a:rPr lang="nl-NL" sz="1600" dirty="0" smtClean="0">
-                <a:latin typeface="Courier New" panose="02070309020205020404" pitchFamily="49" charset="0"/>
-                <a:cs typeface="Courier New" panose="02070309020205020404" pitchFamily="49" charset="0"/>
-              </a:rPr>
-              <a:t> </a:t>
-            </a:r>
-            <a:r>
-              <a:rPr lang="nl-NL" sz="1600" dirty="0" err="1" smtClean="0">
-                <a:latin typeface="Courier New" panose="02070309020205020404" pitchFamily="49" charset="0"/>
-                <a:cs typeface="Courier New" panose="02070309020205020404" pitchFamily="49" charset="0"/>
-              </a:rPr>
-              <a:t>going</a:t>
-            </a:r>
-            <a:r>
-              <a:rPr lang="nl-NL" sz="1600" dirty="0" smtClean="0">
-                <a:latin typeface="Courier New" panose="02070309020205020404" pitchFamily="49" charset="0"/>
-                <a:cs typeface="Courier New" panose="02070309020205020404" pitchFamily="49" charset="0"/>
-              </a:rPr>
-              <a:t> </a:t>
-            </a:r>
-            <a:r>
-              <a:rPr lang="nl-NL" sz="1600" dirty="0" err="1" smtClean="0">
-                <a:latin typeface="Courier New" panose="02070309020205020404" pitchFamily="49" charset="0"/>
-                <a:cs typeface="Courier New" panose="02070309020205020404" pitchFamily="49" charset="0"/>
-              </a:rPr>
-              <a:t>to</a:t>
-            </a:r>
-            <a:r>
-              <a:rPr lang="nl-NL" sz="1600" dirty="0" smtClean="0">
-                <a:latin typeface="Courier New" panose="02070309020205020404" pitchFamily="49" charset="0"/>
-                <a:cs typeface="Courier New" panose="02070309020205020404" pitchFamily="49" charset="0"/>
-              </a:rPr>
-              <a:t> do </a:t>
-            </a:r>
-            <a:r>
-              <a:rPr lang="nl-NL" sz="1600" dirty="0" err="1" smtClean="0">
-                <a:latin typeface="Courier New" panose="02070309020205020404" pitchFamily="49" charset="0"/>
-                <a:cs typeface="Courier New" panose="02070309020205020404" pitchFamily="49" charset="0"/>
-              </a:rPr>
-              <a:t>about</a:t>
-            </a:r>
-            <a:r>
-              <a:rPr lang="nl-NL" sz="1600" dirty="0" smtClean="0">
-                <a:latin typeface="Courier New" panose="02070309020205020404" pitchFamily="49" charset="0"/>
-                <a:cs typeface="Courier New" panose="02070309020205020404" pitchFamily="49" charset="0"/>
-              </a:rPr>
-              <a:t> </a:t>
-            </a:r>
-            <a:r>
-              <a:rPr lang="nl-NL" sz="1600" dirty="0" err="1" smtClean="0">
-                <a:latin typeface="Courier New" panose="02070309020205020404" pitchFamily="49" charset="0"/>
-                <a:cs typeface="Courier New" panose="02070309020205020404" pitchFamily="49" charset="0"/>
-              </a:rPr>
-              <a:t>this</a:t>
-            </a:r>
-            <a:r>
-              <a:rPr lang="nl-NL" sz="1600" dirty="0" smtClean="0">
-                <a:latin typeface="Courier New" panose="02070309020205020404" pitchFamily="49" charset="0"/>
-                <a:cs typeface="Courier New" panose="02070309020205020404" pitchFamily="49" charset="0"/>
-              </a:rPr>
-              <a:t>?</a:t>
-            </a:r>
-            <a:endParaRPr lang="nl-NL" sz="1600" dirty="0" smtClean="0">
-              <a:latin typeface="Courier New" panose="02070309020205020404" pitchFamily="49" charset="0"/>
-              <a:cs typeface="Courier New" panose="02070309020205020404" pitchFamily="49" charset="0"/>
-            </a:endParaRPr>
           </a:p>
         </p:txBody>
       </p:sp>
@@ -14685,7 +14649,7 @@
           <a:graphicData uri="http://schemas.openxmlformats.org/presentationml/2006/ole">
             <mc:AlternateContent xmlns:mc="http://schemas.openxmlformats.org/markup-compatibility/2006">
               <mc:Choice xmlns:v="urn:schemas-microsoft-com:vml" Requires="v">
-                <p:oleObj spid="_x0000_s1056" name="Vergelijking" r:id="rId3" imgW="3454200" imgH="1193760" progId="Equation.3">
+                <p:oleObj spid="_x0000_s1066" name="Vergelijking" r:id="rId3" imgW="3454200" imgH="1193760" progId="Equation.3">
                   <p:embed/>
                 </p:oleObj>
               </mc:Choice>
@@ -14991,7 +14955,7 @@
           <a:graphicData uri="http://schemas.openxmlformats.org/presentationml/2006/ole">
             <mc:AlternateContent xmlns:mc="http://schemas.openxmlformats.org/markup-compatibility/2006">
               <mc:Choice xmlns:v="urn:schemas-microsoft-com:vml" Requires="v">
-                <p:oleObj spid="_x0000_s1057" name="Vergelijking" r:id="rId5" imgW="672840" imgH="317160" progId="Equation.3">
+                <p:oleObj spid="_x0000_s1067" name="Vergelijking" r:id="rId5" imgW="672840" imgH="317160" progId="Equation.3">
                   <p:embed/>
                 </p:oleObj>
               </mc:Choice>
@@ -18024,7 +17988,7 @@
         <p:spPr>
           <a:xfrm>
             <a:off x="816464" y="1484784"/>
-            <a:ext cx="7881938" cy="6592574"/>
+            <a:ext cx="7881938" cy="5798510"/>
           </a:xfrm>
         </p:spPr>
         <p:txBody>
@@ -18035,34 +17999,34 @@
               <a:buNone/>
             </a:pPr>
             <a:r>
-              <a:rPr lang="nl-NL" sz="1600" dirty="0" smtClean="0">
+              <a:rPr lang="nl-NL" sz="1400" dirty="0" smtClean="0">
                 <a:latin typeface="Courier New" panose="02070309020205020404" pitchFamily="49" charset="0"/>
                 <a:cs typeface="Courier New" panose="02070309020205020404" pitchFamily="49" charset="0"/>
               </a:rPr>
               <a:t>See </a:t>
             </a:r>
             <a:r>
-              <a:rPr lang="nl-NL" sz="1600" dirty="0" err="1" smtClean="0">
+              <a:rPr lang="nl-NL" sz="1400" dirty="0" err="1" smtClean="0">
                 <a:latin typeface="Courier New" panose="02070309020205020404" pitchFamily="49" charset="0"/>
                 <a:cs typeface="Courier New" panose="02070309020205020404" pitchFamily="49" charset="0"/>
               </a:rPr>
               <a:t>example</a:t>
             </a:r>
             <a:r>
-              <a:rPr lang="nl-NL" sz="1600" dirty="0" smtClean="0">
+              <a:rPr lang="nl-NL" sz="1400" dirty="0" smtClean="0">
                 <a:latin typeface="Courier New" panose="02070309020205020404" pitchFamily="49" charset="0"/>
                 <a:cs typeface="Courier New" panose="02070309020205020404" pitchFamily="49" charset="0"/>
               </a:rPr>
               <a:t> Notebook: </a:t>
             </a:r>
             <a:r>
-              <a:rPr lang="nl-NL" sz="1600" dirty="0" err="1" smtClean="0">
+              <a:rPr lang="nl-NL" sz="1400" dirty="0" err="1" smtClean="0">
                 <a:latin typeface="Courier New" panose="02070309020205020404" pitchFamily="49" charset="0"/>
                 <a:cs typeface="Courier New" panose="02070309020205020404" pitchFamily="49" charset="0"/>
               </a:rPr>
               <a:t>distributions</a:t>
             </a:r>
-            <a:endParaRPr lang="nl-NL" sz="1600" dirty="0" smtClean="0">
+            <a:endParaRPr lang="nl-NL" sz="1400" dirty="0" smtClean="0">
               <a:latin typeface="Courier New" panose="02070309020205020404" pitchFamily="49" charset="0"/>
               <a:cs typeface="Courier New" panose="02070309020205020404" pitchFamily="49" charset="0"/>
             </a:endParaRPr>
@@ -18071,7 +18035,7 @@
             <a:pPr>
               <a:buAutoNum type="arabicPeriod"/>
             </a:pPr>
-            <a:endParaRPr lang="nl-NL" sz="1600" dirty="0">
+            <a:endParaRPr lang="nl-NL" sz="1400" dirty="0">
               <a:latin typeface="Courier New" panose="02070309020205020404" pitchFamily="49" charset="0"/>
               <a:cs typeface="Courier New" panose="02070309020205020404" pitchFamily="49" charset="0"/>
             </a:endParaRPr>
@@ -18081,128 +18045,229 @@
               <a:buAutoNum type="arabicPeriod"/>
             </a:pPr>
             <a:r>
-              <a:rPr lang="nl-NL" sz="1600" dirty="0" err="1" smtClean="0">
+              <a:rPr lang="nl-NL" sz="1400" dirty="0" err="1" smtClean="0">
                 <a:latin typeface="Courier New" panose="02070309020205020404" pitchFamily="49" charset="0"/>
                 <a:cs typeface="Courier New" panose="02070309020205020404" pitchFamily="49" charset="0"/>
               </a:rPr>
               <a:t>Fill</a:t>
             </a:r>
             <a:r>
-              <a:rPr lang="nl-NL" sz="1600" dirty="0" smtClean="0">
-                <a:latin typeface="Courier New" panose="02070309020205020404" pitchFamily="49" charset="0"/>
-                <a:cs typeface="Courier New" panose="02070309020205020404" pitchFamily="49" charset="0"/>
+              <a:rPr lang="nl-NL" sz="1400" dirty="0" smtClean="0">
+                <a:latin typeface="Courier New" panose="02070309020205020404" pitchFamily="49" charset="0"/>
+                <a:cs typeface="Courier New" panose="02070309020205020404" pitchFamily="49" charset="0"/>
+              </a:rPr>
+              <a:t> in the </a:t>
+            </a:r>
+            <a:r>
+              <a:rPr lang="nl-NL" sz="1400" dirty="0" smtClean="0">
+                <a:latin typeface="Courier New" panose="02070309020205020404" pitchFamily="49" charset="0"/>
+                <a:cs typeface="Courier New" panose="02070309020205020404" pitchFamily="49" charset="0"/>
+                <a:hlinkClick r:id="rId2"/>
+              </a:rPr>
+              <a:t>Google Sheets </a:t>
+            </a:r>
+            <a:r>
+              <a:rPr lang="nl-NL" sz="1400" dirty="0" err="1" smtClean="0">
+                <a:latin typeface="Courier New" panose="02070309020205020404" pitchFamily="49" charset="0"/>
+                <a:cs typeface="Courier New" panose="02070309020205020404" pitchFamily="49" charset="0"/>
+                <a:hlinkClick r:id="rId2"/>
+              </a:rPr>
+              <a:t>table</a:t>
+            </a:r>
+            <a:r>
+              <a:rPr lang="nl-NL" sz="1400" dirty="0" smtClean="0">
+                <a:latin typeface="Courier New" panose="02070309020205020404" pitchFamily="49" charset="0"/>
+                <a:cs typeface="Courier New" panose="02070309020205020404" pitchFamily="49" charset="0"/>
+                <a:hlinkClick r:id="rId2"/>
               </a:rPr>
               <a:t> </a:t>
             </a:r>
             <a:r>
-              <a:rPr lang="nl-NL" sz="1600" dirty="0" smtClean="0">
-                <a:latin typeface="Courier New" panose="02070309020205020404" pitchFamily="49" charset="0"/>
-                <a:cs typeface="Courier New" panose="02070309020205020404" pitchFamily="49" charset="0"/>
-              </a:rPr>
-              <a:t>in the </a:t>
-            </a:r>
-            <a:r>
-              <a:rPr lang="nl-NL" sz="1600" dirty="0" smtClean="0">
-                <a:latin typeface="Courier New" panose="02070309020205020404" pitchFamily="49" charset="0"/>
-                <a:cs typeface="Courier New" panose="02070309020205020404" pitchFamily="49" charset="0"/>
-                <a:hlinkClick r:id="rId2"/>
-              </a:rPr>
-              <a:t>Google </a:t>
-            </a:r>
-            <a:r>
-              <a:rPr lang="nl-NL" sz="1600" dirty="0" smtClean="0">
-                <a:latin typeface="Courier New" panose="02070309020205020404" pitchFamily="49" charset="0"/>
-                <a:cs typeface="Courier New" panose="02070309020205020404" pitchFamily="49" charset="0"/>
-                <a:hlinkClick r:id="rId2"/>
-              </a:rPr>
-              <a:t>Sheets </a:t>
-            </a:r>
-            <a:r>
-              <a:rPr lang="nl-NL" sz="1600" dirty="0" err="1" smtClean="0">
-                <a:latin typeface="Courier New" panose="02070309020205020404" pitchFamily="49" charset="0"/>
-                <a:cs typeface="Courier New" panose="02070309020205020404" pitchFamily="49" charset="0"/>
-                <a:hlinkClick r:id="rId2"/>
-              </a:rPr>
-              <a:t>table</a:t>
-            </a:r>
-            <a:r>
-              <a:rPr lang="nl-NL" sz="1600" dirty="0" smtClean="0">
-                <a:latin typeface="Courier New" panose="02070309020205020404" pitchFamily="49" charset="0"/>
-                <a:cs typeface="Courier New" panose="02070309020205020404" pitchFamily="49" charset="0"/>
-                <a:hlinkClick r:id="rId2"/>
+              <a:rPr lang="nl-NL" sz="1400" dirty="0" err="1" smtClean="0">
+                <a:latin typeface="Courier New" panose="02070309020205020404" pitchFamily="49" charset="0"/>
+                <a:cs typeface="Courier New" panose="02070309020205020404" pitchFamily="49" charset="0"/>
+              </a:rPr>
+              <a:t>with</a:t>
+            </a:r>
+            <a:r>
+              <a:rPr lang="nl-NL" sz="1400" dirty="0" smtClean="0">
+                <a:latin typeface="Courier New" panose="02070309020205020404" pitchFamily="49" charset="0"/>
+                <a:cs typeface="Courier New" panose="02070309020205020404" pitchFamily="49" charset="0"/>
               </a:rPr>
               <a:t> </a:t>
             </a:r>
             <a:r>
-              <a:rPr lang="nl-NL" sz="1600" dirty="0" err="1" smtClean="0">
-                <a:latin typeface="Courier New" panose="02070309020205020404" pitchFamily="49" charset="0"/>
-                <a:cs typeface="Courier New" panose="02070309020205020404" pitchFamily="49" charset="0"/>
-              </a:rPr>
-              <a:t>with</a:t>
-            </a:r>
-            <a:r>
-              <a:rPr lang="nl-NL" sz="1600" dirty="0" smtClean="0">
+              <a:rPr lang="nl-NL" sz="1400" dirty="0" err="1" smtClean="0">
+                <a:latin typeface="Courier New" panose="02070309020205020404" pitchFamily="49" charset="0"/>
+                <a:cs typeface="Courier New" panose="02070309020205020404" pitchFamily="49" charset="0"/>
+              </a:rPr>
+              <a:t>your</a:t>
+            </a:r>
+            <a:r>
+              <a:rPr lang="nl-NL" sz="1400" dirty="0" smtClean="0">
                 <a:latin typeface="Courier New" panose="02070309020205020404" pitchFamily="49" charset="0"/>
                 <a:cs typeface="Courier New" panose="02070309020205020404" pitchFamily="49" charset="0"/>
               </a:rPr>
               <a:t> </a:t>
             </a:r>
             <a:r>
-              <a:rPr lang="nl-NL" sz="1600" dirty="0" err="1" smtClean="0">
+              <a:rPr lang="nl-NL" sz="1400" dirty="0" smtClean="0">
+                <a:latin typeface="Courier New" panose="02070309020205020404" pitchFamily="49" charset="0"/>
+                <a:cs typeface="Courier New" panose="02070309020205020404" pitchFamily="49" charset="0"/>
+              </a:rPr>
+              <a:t>data. </a:t>
+            </a:r>
+            <a:r>
+              <a:rPr lang="nl-NL" sz="1400" dirty="0" err="1" smtClean="0">
+                <a:latin typeface="Courier New" panose="02070309020205020404" pitchFamily="49" charset="0"/>
+                <a:cs typeface="Courier New" panose="02070309020205020404" pitchFamily="49" charset="0"/>
+              </a:rPr>
+              <a:t>Please</a:t>
+            </a:r>
+            <a:r>
+              <a:rPr lang="nl-NL" sz="1400" dirty="0" smtClean="0">
+                <a:latin typeface="Courier New" panose="02070309020205020404" pitchFamily="49" charset="0"/>
+                <a:cs typeface="Courier New" panose="02070309020205020404" pitchFamily="49" charset="0"/>
+              </a:rPr>
+              <a:t> </a:t>
+            </a:r>
+            <a:r>
+              <a:rPr lang="nl-NL" sz="1400" dirty="0" err="1" smtClean="0">
+                <a:latin typeface="Courier New" panose="02070309020205020404" pitchFamily="49" charset="0"/>
+                <a:cs typeface="Courier New" panose="02070309020205020404" pitchFamily="49" charset="0"/>
+              </a:rPr>
+              <a:t>leave</a:t>
+            </a:r>
+            <a:r>
+              <a:rPr lang="nl-NL" sz="1400" dirty="0" smtClean="0">
+                <a:latin typeface="Courier New" panose="02070309020205020404" pitchFamily="49" charset="0"/>
+                <a:cs typeface="Courier New" panose="02070309020205020404" pitchFamily="49" charset="0"/>
+              </a:rPr>
+              <a:t> blank </a:t>
+            </a:r>
+            <a:r>
+              <a:rPr lang="nl-NL" sz="1400" dirty="0" err="1" smtClean="0">
+                <a:latin typeface="Courier New" panose="02070309020205020404" pitchFamily="49" charset="0"/>
+                <a:cs typeface="Courier New" panose="02070309020205020404" pitchFamily="49" charset="0"/>
+              </a:rPr>
+              <a:t>any</a:t>
+            </a:r>
+            <a:r>
+              <a:rPr lang="nl-NL" sz="1400" dirty="0">
+                <a:latin typeface="Courier New" panose="02070309020205020404" pitchFamily="49" charset="0"/>
+                <a:cs typeface="Courier New" panose="02070309020205020404" pitchFamily="49" charset="0"/>
+              </a:rPr>
+              <a:t> </a:t>
+            </a:r>
+            <a:r>
+              <a:rPr lang="nl-NL" sz="1400" dirty="0" smtClean="0">
+                <a:latin typeface="Courier New" panose="02070309020205020404" pitchFamily="49" charset="0"/>
+                <a:cs typeface="Courier New" panose="02070309020205020404" pitchFamily="49" charset="0"/>
+              </a:rPr>
+              <a:t>columns </a:t>
+            </a:r>
+            <a:r>
+              <a:rPr lang="nl-NL" sz="1400" dirty="0" err="1" smtClean="0">
+                <a:latin typeface="Courier New" panose="02070309020205020404" pitchFamily="49" charset="0"/>
+                <a:cs typeface="Courier New" panose="02070309020205020404" pitchFamily="49" charset="0"/>
+              </a:rPr>
+              <a:t>that</a:t>
+            </a:r>
+            <a:r>
+              <a:rPr lang="nl-NL" sz="1400" dirty="0" smtClean="0">
+                <a:latin typeface="Courier New" panose="02070309020205020404" pitchFamily="49" charset="0"/>
+                <a:cs typeface="Courier New" panose="02070309020205020404" pitchFamily="49" charset="0"/>
+              </a:rPr>
+              <a:t> </a:t>
+            </a:r>
+            <a:r>
+              <a:rPr lang="nl-NL" sz="1400" dirty="0" err="1" smtClean="0">
                 <a:latin typeface="Courier New" panose="02070309020205020404" pitchFamily="49" charset="0"/>
                 <a:cs typeface="Courier New" panose="02070309020205020404" pitchFamily="49" charset="0"/>
               </a:rPr>
               <a:t>your</a:t>
             </a:r>
             <a:r>
-              <a:rPr lang="nl-NL" sz="1600" dirty="0" smtClean="0">
-                <a:latin typeface="Courier New" panose="02070309020205020404" pitchFamily="49" charset="0"/>
-                <a:cs typeface="Courier New" panose="02070309020205020404" pitchFamily="49" charset="0"/>
-              </a:rPr>
-              <a:t> data</a:t>
-            </a:r>
+              <a:rPr lang="nl-NL" sz="1400" dirty="0" smtClean="0">
+                <a:latin typeface="Courier New" panose="02070309020205020404" pitchFamily="49" charset="0"/>
+                <a:cs typeface="Courier New" panose="02070309020205020404" pitchFamily="49" charset="0"/>
+              </a:rPr>
+              <a:t> feel </a:t>
+            </a:r>
+            <a:r>
+              <a:rPr lang="nl-NL" sz="1400" dirty="0" err="1" smtClean="0">
+                <a:latin typeface="Courier New" panose="02070309020205020404" pitchFamily="49" charset="0"/>
+                <a:cs typeface="Courier New" panose="02070309020205020404" pitchFamily="49" charset="0"/>
+              </a:rPr>
+              <a:t>uncomfortable</a:t>
+            </a:r>
+            <a:r>
+              <a:rPr lang="nl-NL" sz="1400" dirty="0" smtClean="0">
+                <a:latin typeface="Courier New" panose="02070309020205020404" pitchFamily="49" charset="0"/>
+                <a:cs typeface="Courier New" panose="02070309020205020404" pitchFamily="49" charset="0"/>
+              </a:rPr>
+              <a:t> </a:t>
+            </a:r>
+            <a:r>
+              <a:rPr lang="nl-NL" sz="1400" dirty="0" err="1" smtClean="0">
+                <a:latin typeface="Courier New" panose="02070309020205020404" pitchFamily="49" charset="0"/>
+                <a:cs typeface="Courier New" panose="02070309020205020404" pitchFamily="49" charset="0"/>
+              </a:rPr>
+              <a:t>answering</a:t>
+            </a:r>
+            <a:r>
+              <a:rPr lang="nl-NL" sz="1400" dirty="0" smtClean="0">
+                <a:latin typeface="Courier New" panose="02070309020205020404" pitchFamily="49" charset="0"/>
+                <a:cs typeface="Courier New" panose="02070309020205020404" pitchFamily="49" charset="0"/>
+              </a:rPr>
+              <a:t>.</a:t>
+            </a:r>
+            <a:endParaRPr lang="nl-NL" sz="1400" dirty="0" smtClean="0">
+              <a:latin typeface="Courier New" panose="02070309020205020404" pitchFamily="49" charset="0"/>
+              <a:cs typeface="Courier New" panose="02070309020205020404" pitchFamily="49" charset="0"/>
+            </a:endParaRPr>
           </a:p>
           <a:p>
             <a:pPr>
               <a:buAutoNum type="arabicPeriod"/>
             </a:pPr>
             <a:r>
-              <a:rPr lang="nl-NL" sz="1600" dirty="0" err="1" smtClean="0">
+              <a:rPr lang="nl-NL" sz="1400" dirty="0" err="1" smtClean="0">
                 <a:latin typeface="Courier New" panose="02070309020205020404" pitchFamily="49" charset="0"/>
                 <a:cs typeface="Courier New" panose="02070309020205020404" pitchFamily="49" charset="0"/>
               </a:rPr>
               <a:t>Create</a:t>
             </a:r>
             <a:r>
-              <a:rPr lang="nl-NL" sz="1600" dirty="0" smtClean="0">
+              <a:rPr lang="nl-NL" sz="1400" dirty="0" smtClean="0">
                 <a:latin typeface="Courier New" panose="02070309020205020404" pitchFamily="49" charset="0"/>
                 <a:cs typeface="Courier New" panose="02070309020205020404" pitchFamily="49" charset="0"/>
               </a:rPr>
               <a:t> </a:t>
             </a:r>
             <a:r>
-              <a:rPr lang="nl-NL" sz="1600" dirty="0">
+              <a:rPr lang="nl-NL" sz="1400" dirty="0">
                 <a:latin typeface="Courier New" panose="02070309020205020404" pitchFamily="49" charset="0"/>
                 <a:cs typeface="Courier New" panose="02070309020205020404" pitchFamily="49" charset="0"/>
               </a:rPr>
               <a:t>a </a:t>
             </a:r>
             <a:r>
-              <a:rPr lang="nl-NL" sz="1600" dirty="0" err="1">
+              <a:rPr lang="nl-NL" sz="1400" dirty="0" err="1">
                 <a:latin typeface="Courier New" panose="02070309020205020404" pitchFamily="49" charset="0"/>
                 <a:cs typeface="Courier New" panose="02070309020205020404" pitchFamily="49" charset="0"/>
               </a:rPr>
               <a:t>csv</a:t>
             </a:r>
             <a:r>
-              <a:rPr lang="nl-NL" sz="1600" dirty="0">
+              <a:rPr lang="nl-NL" sz="1400" dirty="0">
                 <a:latin typeface="Courier New" panose="02070309020205020404" pitchFamily="49" charset="0"/>
                 <a:cs typeface="Courier New" panose="02070309020205020404" pitchFamily="49" charset="0"/>
               </a:rPr>
               <a:t> file from </a:t>
             </a:r>
             <a:r>
-              <a:rPr lang="nl-NL" sz="1600" dirty="0" smtClean="0">
+              <a:rPr lang="nl-NL" sz="1400" dirty="0" smtClean="0">
                 <a:latin typeface="Courier New" panose="02070309020205020404" pitchFamily="49" charset="0"/>
                 <a:cs typeface="Courier New" panose="02070309020205020404" pitchFamily="49" charset="0"/>
               </a:rPr>
@@ -18214,70 +18279,70 @@
               <a:buAutoNum type="arabicPeriod"/>
             </a:pPr>
             <a:r>
-              <a:rPr lang="nl-NL" sz="1600" dirty="0" err="1" smtClean="0">
+              <a:rPr lang="nl-NL" sz="1400" dirty="0" err="1" smtClean="0">
                 <a:latin typeface="Courier New" panose="02070309020205020404" pitchFamily="49" charset="0"/>
                 <a:cs typeface="Courier New" panose="02070309020205020404" pitchFamily="49" charset="0"/>
               </a:rPr>
               <a:t>Choose</a:t>
             </a:r>
             <a:r>
-              <a:rPr lang="nl-NL" sz="1600" dirty="0" smtClean="0">
+              <a:rPr lang="nl-NL" sz="1400" dirty="0" smtClean="0">
                 <a:latin typeface="Courier New" panose="02070309020205020404" pitchFamily="49" charset="0"/>
                 <a:cs typeface="Courier New" panose="02070309020205020404" pitchFamily="49" charset="0"/>
               </a:rPr>
               <a:t> a different </a:t>
             </a:r>
             <a:r>
-              <a:rPr lang="nl-NL" sz="1600" dirty="0" err="1" smtClean="0">
+              <a:rPr lang="nl-NL" sz="1400" dirty="0" err="1" smtClean="0">
                 <a:latin typeface="Courier New" panose="02070309020205020404" pitchFamily="49" charset="0"/>
                 <a:cs typeface="Courier New" panose="02070309020205020404" pitchFamily="49" charset="0"/>
               </a:rPr>
               <a:t>variable</a:t>
             </a:r>
             <a:r>
-              <a:rPr lang="nl-NL" sz="1600" dirty="0" smtClean="0">
+              <a:rPr lang="nl-NL" sz="1400" dirty="0" smtClean="0">
                 <a:latin typeface="Courier New" panose="02070309020205020404" pitchFamily="49" charset="0"/>
                 <a:cs typeface="Courier New" panose="02070309020205020404" pitchFamily="49" charset="0"/>
               </a:rPr>
               <a:t> </a:t>
             </a:r>
             <a:r>
-              <a:rPr lang="nl-NL" sz="1600" dirty="0" err="1" smtClean="0">
+              <a:rPr lang="nl-NL" sz="1400" dirty="0" err="1" smtClean="0">
                 <a:latin typeface="Courier New" panose="02070309020205020404" pitchFamily="49" charset="0"/>
                 <a:cs typeface="Courier New" panose="02070309020205020404" pitchFamily="49" charset="0"/>
               </a:rPr>
               <a:t>for</a:t>
             </a:r>
             <a:r>
-              <a:rPr lang="nl-NL" sz="1600" dirty="0" smtClean="0">
+              <a:rPr lang="nl-NL" sz="1400" dirty="0" smtClean="0">
                 <a:latin typeface="Courier New" panose="02070309020205020404" pitchFamily="49" charset="0"/>
                 <a:cs typeface="Courier New" panose="02070309020205020404" pitchFamily="49" charset="0"/>
               </a:rPr>
               <a:t> </a:t>
             </a:r>
             <a:r>
-              <a:rPr lang="nl-NL" sz="1600" dirty="0" err="1" smtClean="0">
+              <a:rPr lang="nl-NL" sz="1400" dirty="0" err="1" smtClean="0">
                 <a:latin typeface="Courier New" panose="02070309020205020404" pitchFamily="49" charset="0"/>
                 <a:cs typeface="Courier New" panose="02070309020205020404" pitchFamily="49" charset="0"/>
               </a:rPr>
               <a:t>each</a:t>
             </a:r>
             <a:r>
-              <a:rPr lang="nl-NL" sz="1600" dirty="0" smtClean="0">
+              <a:rPr lang="nl-NL" sz="1400" dirty="0" smtClean="0">
                 <a:latin typeface="Courier New" panose="02070309020205020404" pitchFamily="49" charset="0"/>
                 <a:cs typeface="Courier New" panose="02070309020205020404" pitchFamily="49" charset="0"/>
               </a:rPr>
               <a:t> of the </a:t>
             </a:r>
             <a:r>
-              <a:rPr lang="nl-NL" sz="1600" dirty="0" err="1" smtClean="0">
+              <a:rPr lang="nl-NL" sz="1400" dirty="0" err="1" smtClean="0">
                 <a:latin typeface="Courier New" panose="02070309020205020404" pitchFamily="49" charset="0"/>
                 <a:cs typeface="Courier New" panose="02070309020205020404" pitchFamily="49" charset="0"/>
               </a:rPr>
               <a:t>reports</a:t>
             </a:r>
             <a:r>
-              <a:rPr lang="nl-NL" sz="1600" dirty="0" smtClean="0">
+              <a:rPr lang="nl-NL" sz="1400" dirty="0" smtClean="0">
                 <a:latin typeface="Courier New" panose="02070309020205020404" pitchFamily="49" charset="0"/>
                 <a:cs typeface="Courier New" panose="02070309020205020404" pitchFamily="49" charset="0"/>
               </a:rPr>
@@ -18290,31 +18355,195 @@
               <a:buAutoNum type="arabicPeriod"/>
             </a:pPr>
             <a:r>
+              <a:rPr lang="nl-NL" sz="1200" dirty="0" err="1" smtClean="0">
+                <a:latin typeface="Courier New" panose="02070309020205020404" pitchFamily="49" charset="0"/>
+                <a:cs typeface="Courier New" panose="02070309020205020404" pitchFamily="49" charset="0"/>
+              </a:rPr>
+              <a:t>Measures</a:t>
+            </a:r>
+            <a:r>
+              <a:rPr lang="nl-NL" sz="1200" dirty="0" smtClean="0">
+                <a:latin typeface="Courier New" panose="02070309020205020404" pitchFamily="49" charset="0"/>
+                <a:cs typeface="Courier New" panose="02070309020205020404" pitchFamily="49" charset="0"/>
+              </a:rPr>
+              <a:t> of </a:t>
+            </a:r>
+            <a:r>
+              <a:rPr lang="nl-NL" sz="1200" dirty="0" err="1" smtClean="0">
+                <a:latin typeface="Courier New" panose="02070309020205020404" pitchFamily="49" charset="0"/>
+                <a:cs typeface="Courier New" panose="02070309020205020404" pitchFamily="49" charset="0"/>
+              </a:rPr>
+              <a:t>variation</a:t>
+            </a:r>
+            <a:r>
+              <a:rPr lang="nl-NL" sz="1200" dirty="0" smtClean="0">
+                <a:latin typeface="Courier New" panose="02070309020205020404" pitchFamily="49" charset="0"/>
+                <a:cs typeface="Courier New" panose="02070309020205020404" pitchFamily="49" charset="0"/>
+              </a:rPr>
+              <a:t> </a:t>
+            </a:r>
+            <a:r>
+              <a:rPr lang="nl-NL" sz="1200" dirty="0" err="1" smtClean="0">
+                <a:latin typeface="Courier New" panose="02070309020205020404" pitchFamily="49" charset="0"/>
+                <a:cs typeface="Courier New" panose="02070309020205020404" pitchFamily="49" charset="0"/>
+              </a:rPr>
+              <a:t>and</a:t>
+            </a:r>
+            <a:r>
+              <a:rPr lang="nl-NL" sz="1200" dirty="0" smtClean="0">
+                <a:latin typeface="Courier New" panose="02070309020205020404" pitchFamily="49" charset="0"/>
+                <a:cs typeface="Courier New" panose="02070309020205020404" pitchFamily="49" charset="0"/>
+              </a:rPr>
+              <a:t> </a:t>
+            </a:r>
+            <a:r>
+              <a:rPr lang="nl-NL" sz="1200" dirty="0" err="1" smtClean="0">
+                <a:latin typeface="Courier New" panose="02070309020205020404" pitchFamily="49" charset="0"/>
+                <a:cs typeface="Courier New" panose="02070309020205020404" pitchFamily="49" charset="0"/>
+              </a:rPr>
+              <a:t>central</a:t>
+            </a:r>
+            <a:r>
+              <a:rPr lang="nl-NL" sz="1200" dirty="0" smtClean="0">
+                <a:latin typeface="Courier New" panose="02070309020205020404" pitchFamily="49" charset="0"/>
+                <a:cs typeface="Courier New" panose="02070309020205020404" pitchFamily="49" charset="0"/>
+              </a:rPr>
+              <a:t> </a:t>
+            </a:r>
+            <a:r>
+              <a:rPr lang="nl-NL" sz="1200" dirty="0" err="1" smtClean="0">
+                <a:latin typeface="Courier New" panose="02070309020205020404" pitchFamily="49" charset="0"/>
+                <a:cs typeface="Courier New" panose="02070309020205020404" pitchFamily="49" charset="0"/>
+              </a:rPr>
+              <a:t>tendency</a:t>
+            </a:r>
+            <a:endParaRPr lang="nl-NL" sz="1200" dirty="0" smtClean="0">
+              <a:latin typeface="Courier New" panose="02070309020205020404" pitchFamily="49" charset="0"/>
+              <a:cs typeface="Courier New" panose="02070309020205020404" pitchFamily="49" charset="0"/>
+            </a:endParaRPr>
+          </a:p>
+          <a:p>
+            <a:pPr marL="876300" lvl="1" indent="-342900">
+              <a:buFont typeface="+mj-lt"/>
+              <a:buAutoNum type="arabicPeriod"/>
+            </a:pPr>
+            <a:r>
+              <a:rPr lang="nl-NL" sz="1200" dirty="0" err="1">
+                <a:latin typeface="Courier New" panose="02070309020205020404" pitchFamily="49" charset="0"/>
+                <a:cs typeface="Courier New" panose="02070309020205020404" pitchFamily="49" charset="0"/>
+              </a:rPr>
+              <a:t>Boxplot</a:t>
+            </a:r>
+            <a:endParaRPr lang="nl-NL" sz="1200" dirty="0">
+              <a:latin typeface="Courier New" panose="02070309020205020404" pitchFamily="49" charset="0"/>
+              <a:cs typeface="Courier New" panose="02070309020205020404" pitchFamily="49" charset="0"/>
+            </a:endParaRPr>
+          </a:p>
+          <a:p>
+            <a:pPr marL="876300" lvl="1" indent="-342900">
+              <a:buFont typeface="+mj-lt"/>
+              <a:buAutoNum type="arabicPeriod"/>
+            </a:pPr>
+            <a:r>
+              <a:rPr lang="nl-NL" sz="1200" dirty="0" smtClean="0">
+                <a:latin typeface="Courier New" panose="02070309020205020404" pitchFamily="49" charset="0"/>
+                <a:cs typeface="Courier New" panose="02070309020205020404" pitchFamily="49" charset="0"/>
+              </a:rPr>
+              <a:t>Histogram</a:t>
+            </a:r>
+          </a:p>
+          <a:p>
+            <a:pPr marL="876300" lvl="1" indent="-342900">
+              <a:buFont typeface="+mj-lt"/>
+              <a:buAutoNum type="arabicPeriod"/>
+            </a:pPr>
+            <a:r>
+              <a:rPr lang="nl-NL" sz="1200" dirty="0" err="1" smtClean="0">
+                <a:latin typeface="Courier New" panose="02070309020205020404" pitchFamily="49" charset="0"/>
+                <a:cs typeface="Courier New" panose="02070309020205020404" pitchFamily="49" charset="0"/>
+              </a:rPr>
+              <a:t>Density</a:t>
+            </a:r>
+            <a:r>
+              <a:rPr lang="nl-NL" sz="1200" dirty="0" smtClean="0">
+                <a:latin typeface="Courier New" panose="02070309020205020404" pitchFamily="49" charset="0"/>
+                <a:cs typeface="Courier New" panose="02070309020205020404" pitchFamily="49" charset="0"/>
+              </a:rPr>
+              <a:t> plot</a:t>
+            </a:r>
+          </a:p>
+          <a:p>
+            <a:pPr marL="876300" lvl="1" indent="-342900">
+              <a:buFont typeface="+mj-lt"/>
+              <a:buAutoNum type="arabicPeriod"/>
+            </a:pPr>
+            <a:r>
+              <a:rPr lang="nl-NL" sz="1200" dirty="0" err="1" smtClean="0">
+                <a:latin typeface="Courier New" panose="02070309020205020404" pitchFamily="49" charset="0"/>
+                <a:cs typeface="Courier New" panose="02070309020205020404" pitchFamily="49" charset="0"/>
+              </a:rPr>
+              <a:t>Violin</a:t>
+            </a:r>
+            <a:r>
+              <a:rPr lang="nl-NL" sz="1200" dirty="0" smtClean="0">
+                <a:latin typeface="Courier New" panose="02070309020205020404" pitchFamily="49" charset="0"/>
+                <a:cs typeface="Courier New" panose="02070309020205020404" pitchFamily="49" charset="0"/>
+              </a:rPr>
+              <a:t> plot</a:t>
+            </a:r>
+          </a:p>
+          <a:p>
+            <a:pPr marL="400050">
+              <a:buFont typeface="+mj-lt"/>
+              <a:buAutoNum type="arabicPeriod"/>
+            </a:pPr>
+            <a:r>
+              <a:rPr lang="nl-NL" sz="1400" dirty="0" smtClean="0">
+                <a:latin typeface="Courier New" panose="02070309020205020404" pitchFamily="49" charset="0"/>
+                <a:cs typeface="Courier New" panose="02070309020205020404" pitchFamily="49" charset="0"/>
+              </a:rPr>
+              <a:t>For </a:t>
+            </a:r>
+            <a:r>
               <a:rPr lang="nl-NL" sz="1400" dirty="0" err="1" smtClean="0">
                 <a:latin typeface="Courier New" panose="02070309020205020404" pitchFamily="49" charset="0"/>
                 <a:cs typeface="Courier New" panose="02070309020205020404" pitchFamily="49" charset="0"/>
               </a:rPr>
-              <a:t>Measures</a:t>
+              <a:t>two</a:t>
             </a:r>
             <a:r>
               <a:rPr lang="nl-NL" sz="1400" dirty="0" smtClean="0">
                 <a:latin typeface="Courier New" panose="02070309020205020404" pitchFamily="49" charset="0"/>
                 <a:cs typeface="Courier New" panose="02070309020205020404" pitchFamily="49" charset="0"/>
               </a:rPr>
-              <a:t> of </a:t>
+              <a:t> of the variables, </a:t>
             </a:r>
             <a:r>
               <a:rPr lang="nl-NL" sz="1400" dirty="0" err="1" smtClean="0">
                 <a:latin typeface="Courier New" panose="02070309020205020404" pitchFamily="49" charset="0"/>
                 <a:cs typeface="Courier New" panose="02070309020205020404" pitchFamily="49" charset="0"/>
               </a:rPr>
-              <a:t>variation</a:t>
+              <a:t>comment</a:t>
             </a:r>
             <a:r>
               <a:rPr lang="nl-NL" sz="1400" dirty="0" smtClean="0">
                 <a:latin typeface="Courier New" panose="02070309020205020404" pitchFamily="49" charset="0"/>
                 <a:cs typeface="Courier New" panose="02070309020205020404" pitchFamily="49" charset="0"/>
               </a:rPr>
+              <a:t> on </a:t>
+            </a:r>
+            <a:r>
+              <a:rPr lang="nl-NL" sz="1400" dirty="0" err="1" smtClean="0">
+                <a:latin typeface="Courier New" panose="02070309020205020404" pitchFamily="49" charset="0"/>
+                <a:cs typeface="Courier New" panose="02070309020205020404" pitchFamily="49" charset="0"/>
+              </a:rPr>
+              <a:t>modality</a:t>
+            </a:r>
+            <a:r>
+              <a:rPr lang="nl-NL" sz="1400" dirty="0">
+                <a:latin typeface="Courier New" panose="02070309020205020404" pitchFamily="49" charset="0"/>
+                <a:cs typeface="Courier New" panose="02070309020205020404" pitchFamily="49" charset="0"/>
+              </a:rPr>
               <a:t> </a:t>
             </a:r>
             <a:r>
@@ -18336,21 +18565,21 @@
                 <a:latin typeface="Courier New" panose="02070309020205020404" pitchFamily="49" charset="0"/>
                 <a:cs typeface="Courier New" panose="02070309020205020404" pitchFamily="49" charset="0"/>
               </a:rPr>
-              <a:t>central</a:t>
+              <a:t>skewness</a:t>
             </a:r>
             <a:r>
               <a:rPr lang="nl-NL" sz="1400" dirty="0" smtClean="0">
                 <a:latin typeface="Courier New" panose="02070309020205020404" pitchFamily="49" charset="0"/>
                 <a:cs typeface="Courier New" panose="02070309020205020404" pitchFamily="49" charset="0"/>
               </a:rPr>
-              <a:t> </a:t>
+              <a:t>, </a:t>
             </a:r>
             <a:r>
               <a:rPr lang="nl-NL" sz="1400" dirty="0" err="1" smtClean="0">
                 <a:latin typeface="Courier New" panose="02070309020205020404" pitchFamily="49" charset="0"/>
                 <a:cs typeface="Courier New" panose="02070309020205020404" pitchFamily="49" charset="0"/>
               </a:rPr>
-              <a:t>tendency</a:t>
+              <a:t>outliers</a:t>
             </a:r>
             <a:endParaRPr lang="nl-NL" sz="1400" dirty="0" smtClean="0">
               <a:latin typeface="Courier New" panose="02070309020205020404" pitchFamily="49" charset="0"/>
@@ -18358,525 +18587,361 @@
             </a:endParaRPr>
           </a:p>
           <a:p>
-            <a:pPr marL="876300" lvl="1" indent="-342900">
-              <a:buFont typeface="+mj-lt"/>
-              <a:buAutoNum type="arabicPeriod"/>
+            <a:pPr lvl="1"/>
+            <a:endParaRPr lang="nl-NL" sz="1200" dirty="0">
+              <a:latin typeface="Courier New" panose="02070309020205020404" pitchFamily="49" charset="0"/>
+              <a:cs typeface="Courier New" panose="02070309020205020404" pitchFamily="49" charset="0"/>
+            </a:endParaRPr>
+          </a:p>
+          <a:p>
+            <a:pPr marL="0" indent="0">
+              <a:buNone/>
             </a:pPr>
             <a:r>
-              <a:rPr lang="nl-NL" sz="1400" dirty="0" err="1">
-                <a:latin typeface="Courier New" panose="02070309020205020404" pitchFamily="49" charset="0"/>
-                <a:cs typeface="Courier New" panose="02070309020205020404" pitchFamily="49" charset="0"/>
-              </a:rPr>
-              <a:t>Boxplot</a:t>
-            </a:r>
+              <a:rPr lang="nl-NL" sz="1400" dirty="0" err="1" smtClean="0">
+                <a:latin typeface="Courier New" panose="02070309020205020404" pitchFamily="49" charset="0"/>
+                <a:cs typeface="Courier New" panose="02070309020205020404" pitchFamily="49" charset="0"/>
+              </a:rPr>
+              <a:t>Notes</a:t>
+            </a:r>
+            <a:r>
+              <a:rPr lang="nl-NL" sz="1400" dirty="0" smtClean="0">
+                <a:latin typeface="Courier New" panose="02070309020205020404" pitchFamily="49" charset="0"/>
+                <a:cs typeface="Courier New" panose="02070309020205020404" pitchFamily="49" charset="0"/>
+              </a:rPr>
+              <a:t>:</a:t>
+            </a:r>
+          </a:p>
+          <a:p>
+            <a:r>
+              <a:rPr lang="nl-NL" sz="1400" dirty="0" err="1" smtClean="0">
+                <a:latin typeface="Courier New" panose="02070309020205020404" pitchFamily="49" charset="0"/>
+                <a:cs typeface="Courier New" panose="02070309020205020404" pitchFamily="49" charset="0"/>
+              </a:rPr>
+              <a:t>Use</a:t>
+            </a:r>
+            <a:r>
+              <a:rPr lang="nl-NL" sz="1400" dirty="0" smtClean="0">
+                <a:latin typeface="Courier New" panose="02070309020205020404" pitchFamily="49" charset="0"/>
+                <a:cs typeface="Courier New" panose="02070309020205020404" pitchFamily="49" charset="0"/>
+              </a:rPr>
+              <a:t> Seaborn </a:t>
+            </a:r>
+            <a:r>
+              <a:rPr lang="nl-NL" sz="1400" dirty="0" err="1" smtClean="0">
+                <a:latin typeface="Courier New" panose="02070309020205020404" pitchFamily="49" charset="0"/>
+                <a:cs typeface="Courier New" panose="02070309020205020404" pitchFamily="49" charset="0"/>
+              </a:rPr>
+              <a:t>for</a:t>
+            </a:r>
+            <a:r>
+              <a:rPr lang="nl-NL" sz="1400" dirty="0" smtClean="0">
+                <a:latin typeface="Courier New" panose="02070309020205020404" pitchFamily="49" charset="0"/>
+                <a:cs typeface="Courier New" panose="02070309020205020404" pitchFamily="49" charset="0"/>
+              </a:rPr>
+              <a:t> </a:t>
+            </a:r>
+            <a:r>
+              <a:rPr lang="nl-NL" sz="1400" dirty="0" err="1" smtClean="0">
+                <a:latin typeface="Courier New" panose="02070309020205020404" pitchFamily="49" charset="0"/>
+                <a:cs typeface="Courier New" panose="02070309020205020404" pitchFamily="49" charset="0"/>
+              </a:rPr>
+              <a:t>all</a:t>
+            </a:r>
+            <a:r>
+              <a:rPr lang="nl-NL" sz="1400" dirty="0" smtClean="0">
+                <a:latin typeface="Courier New" panose="02070309020205020404" pitchFamily="49" charset="0"/>
+                <a:cs typeface="Courier New" panose="02070309020205020404" pitchFamily="49" charset="0"/>
+              </a:rPr>
+              <a:t> </a:t>
+            </a:r>
+            <a:r>
+              <a:rPr lang="nl-NL" sz="1400" dirty="0" err="1" smtClean="0">
+                <a:latin typeface="Courier New" panose="02070309020205020404" pitchFamily="49" charset="0"/>
+                <a:cs typeface="Courier New" panose="02070309020205020404" pitchFamily="49" charset="0"/>
+              </a:rPr>
+              <a:t>visualizations</a:t>
+            </a:r>
+            <a:endParaRPr lang="nl-NL" sz="1400" dirty="0" smtClean="0">
+              <a:latin typeface="Courier New" panose="02070309020205020404" pitchFamily="49" charset="0"/>
+              <a:cs typeface="Courier New" panose="02070309020205020404" pitchFamily="49" charset="0"/>
+            </a:endParaRPr>
+          </a:p>
+          <a:p>
+            <a:r>
+              <a:rPr lang="nl-NL" sz="1400" dirty="0" smtClean="0">
+                <a:latin typeface="Courier New" panose="02070309020205020404" pitchFamily="49" charset="0"/>
+                <a:cs typeface="Courier New" panose="02070309020205020404" pitchFamily="49" charset="0"/>
+              </a:rPr>
+              <a:t>Label </a:t>
+            </a:r>
+            <a:r>
+              <a:rPr lang="nl-NL" sz="1400" dirty="0" err="1" smtClean="0">
+                <a:latin typeface="Courier New" panose="02070309020205020404" pitchFamily="49" charset="0"/>
+                <a:cs typeface="Courier New" panose="02070309020205020404" pitchFamily="49" charset="0"/>
+              </a:rPr>
+              <a:t>your</a:t>
+            </a:r>
+            <a:r>
+              <a:rPr lang="nl-NL" sz="1400" dirty="0" smtClean="0">
+                <a:latin typeface="Courier New" panose="02070309020205020404" pitchFamily="49" charset="0"/>
+                <a:cs typeface="Courier New" panose="02070309020205020404" pitchFamily="49" charset="0"/>
+              </a:rPr>
+              <a:t> </a:t>
+            </a:r>
+            <a:r>
+              <a:rPr lang="nl-NL" sz="1400" dirty="0" err="1" smtClean="0">
+                <a:latin typeface="Courier New" panose="02070309020205020404" pitchFamily="49" charset="0"/>
+                <a:cs typeface="Courier New" panose="02070309020205020404" pitchFamily="49" charset="0"/>
+              </a:rPr>
+              <a:t>axes</a:t>
+            </a:r>
+            <a:r>
+              <a:rPr lang="nl-NL" sz="1400" dirty="0" smtClean="0">
+                <a:latin typeface="Courier New" panose="02070309020205020404" pitchFamily="49" charset="0"/>
+                <a:cs typeface="Courier New" panose="02070309020205020404" pitchFamily="49" charset="0"/>
+              </a:rPr>
+              <a:t> </a:t>
+            </a:r>
+            <a:r>
+              <a:rPr lang="nl-NL" sz="1400" dirty="0" err="1" smtClean="0">
+                <a:latin typeface="Courier New" panose="02070309020205020404" pitchFamily="49" charset="0"/>
+                <a:cs typeface="Courier New" panose="02070309020205020404" pitchFamily="49" charset="0"/>
+              </a:rPr>
+              <a:t>and</a:t>
+            </a:r>
+            <a:r>
+              <a:rPr lang="nl-NL" sz="1400" dirty="0">
+                <a:latin typeface="Courier New" panose="02070309020205020404" pitchFamily="49" charset="0"/>
+                <a:cs typeface="Courier New" panose="02070309020205020404" pitchFamily="49" charset="0"/>
+              </a:rPr>
+              <a:t> </a:t>
+            </a:r>
+            <a:r>
+              <a:rPr lang="nl-NL" sz="1400" dirty="0" err="1" smtClean="0">
+                <a:latin typeface="Courier New" panose="02070309020205020404" pitchFamily="49" charset="0"/>
+                <a:cs typeface="Courier New" panose="02070309020205020404" pitchFamily="49" charset="0"/>
+              </a:rPr>
+              <a:t>give</a:t>
+            </a:r>
+            <a:r>
+              <a:rPr lang="nl-NL" sz="1400" dirty="0" smtClean="0">
+                <a:latin typeface="Courier New" panose="02070309020205020404" pitchFamily="49" charset="0"/>
+                <a:cs typeface="Courier New" panose="02070309020205020404" pitchFamily="49" charset="0"/>
+              </a:rPr>
+              <a:t> </a:t>
+            </a:r>
+            <a:r>
+              <a:rPr lang="nl-NL" sz="1400" dirty="0" err="1" smtClean="0">
+                <a:latin typeface="Courier New" panose="02070309020205020404" pitchFamily="49" charset="0"/>
+                <a:cs typeface="Courier New" panose="02070309020205020404" pitchFamily="49" charset="0"/>
+              </a:rPr>
+              <a:t>your</a:t>
+            </a:r>
+            <a:r>
+              <a:rPr lang="nl-NL" sz="1400" dirty="0" smtClean="0">
+                <a:latin typeface="Courier New" panose="02070309020205020404" pitchFamily="49" charset="0"/>
+                <a:cs typeface="Courier New" panose="02070309020205020404" pitchFamily="49" charset="0"/>
+              </a:rPr>
+              <a:t> </a:t>
+            </a:r>
+            <a:r>
+              <a:rPr lang="nl-NL" sz="1400" dirty="0" err="1" smtClean="0">
+                <a:latin typeface="Courier New" panose="02070309020205020404" pitchFamily="49" charset="0"/>
+                <a:cs typeface="Courier New" panose="02070309020205020404" pitchFamily="49" charset="0"/>
+              </a:rPr>
+              <a:t>figures</a:t>
+            </a:r>
+            <a:r>
+              <a:rPr lang="nl-NL" sz="1400" dirty="0" smtClean="0">
+                <a:latin typeface="Courier New" panose="02070309020205020404" pitchFamily="49" charset="0"/>
+                <a:cs typeface="Courier New" panose="02070309020205020404" pitchFamily="49" charset="0"/>
+              </a:rPr>
+              <a:t> a </a:t>
+            </a:r>
+            <a:r>
+              <a:rPr lang="nl-NL" sz="1400" dirty="0" err="1" smtClean="0">
+                <a:latin typeface="Courier New" panose="02070309020205020404" pitchFamily="49" charset="0"/>
+                <a:cs typeface="Courier New" panose="02070309020205020404" pitchFamily="49" charset="0"/>
+              </a:rPr>
+              <a:t>title</a:t>
+            </a:r>
+            <a:endParaRPr lang="nl-NL" sz="1400" dirty="0" smtClean="0">
+              <a:latin typeface="Courier New" panose="02070309020205020404" pitchFamily="49" charset="0"/>
+              <a:cs typeface="Courier New" panose="02070309020205020404" pitchFamily="49" charset="0"/>
+            </a:endParaRPr>
+          </a:p>
+          <a:p>
+            <a:r>
+              <a:rPr lang="nl-NL" sz="1400" dirty="0" smtClean="0">
+                <a:latin typeface="Courier New" panose="02070309020205020404" pitchFamily="49" charset="0"/>
+                <a:cs typeface="Courier New" panose="02070309020205020404" pitchFamily="49" charset="0"/>
+              </a:rPr>
+              <a:t>Plot the data points in </a:t>
+            </a:r>
+            <a:r>
+              <a:rPr lang="nl-NL" sz="1400" dirty="0" err="1" smtClean="0">
+                <a:latin typeface="Courier New" panose="02070309020205020404" pitchFamily="49" charset="0"/>
+                <a:cs typeface="Courier New" panose="02070309020205020404" pitchFamily="49" charset="0"/>
+              </a:rPr>
+              <a:t>some</a:t>
+            </a:r>
+            <a:r>
+              <a:rPr lang="nl-NL" sz="1400" dirty="0" smtClean="0">
+                <a:latin typeface="Courier New" panose="02070309020205020404" pitchFamily="49" charset="0"/>
+                <a:cs typeface="Courier New" panose="02070309020205020404" pitchFamily="49" charset="0"/>
+              </a:rPr>
+              <a:t> </a:t>
+            </a:r>
+            <a:r>
+              <a:rPr lang="nl-NL" sz="1400" dirty="0" err="1" smtClean="0">
+                <a:latin typeface="Courier New" panose="02070309020205020404" pitchFamily="49" charset="0"/>
+                <a:cs typeface="Courier New" panose="02070309020205020404" pitchFamily="49" charset="0"/>
+              </a:rPr>
+              <a:t>visualizations</a:t>
+            </a:r>
+            <a:r>
+              <a:rPr lang="nl-NL" sz="1400" dirty="0" smtClean="0">
+                <a:latin typeface="Courier New" panose="02070309020205020404" pitchFamily="49" charset="0"/>
+                <a:cs typeface="Courier New" panose="02070309020205020404" pitchFamily="49" charset="0"/>
+              </a:rPr>
+              <a:t>.</a:t>
+            </a:r>
+          </a:p>
+          <a:p>
+            <a:r>
+              <a:rPr lang="nl-NL" sz="1400" dirty="0" smtClean="0">
+                <a:latin typeface="Courier New" panose="02070309020205020404" pitchFamily="49" charset="0"/>
+                <a:cs typeface="Courier New" panose="02070309020205020404" pitchFamily="49" charset="0"/>
+              </a:rPr>
+              <a:t>Extra </a:t>
+            </a:r>
+            <a:r>
+              <a:rPr lang="nl-NL" sz="1400" dirty="0" err="1" smtClean="0">
+                <a:latin typeface="Courier New" panose="02070309020205020404" pitchFamily="49" charset="0"/>
+                <a:cs typeface="Courier New" panose="02070309020205020404" pitchFamily="49" charset="0"/>
+              </a:rPr>
+              <a:t>challenge</a:t>
+            </a:r>
+            <a:r>
+              <a:rPr lang="nl-NL" sz="1400" dirty="0" smtClean="0">
+                <a:latin typeface="Courier New" panose="02070309020205020404" pitchFamily="49" charset="0"/>
+                <a:cs typeface="Courier New" panose="02070309020205020404" pitchFamily="49" charset="0"/>
+              </a:rPr>
+              <a:t>: </a:t>
+            </a:r>
+            <a:r>
+              <a:rPr lang="nl-NL" sz="1400" dirty="0" err="1" smtClean="0">
+                <a:latin typeface="Courier New" panose="02070309020205020404" pitchFamily="49" charset="0"/>
+                <a:cs typeface="Courier New" panose="02070309020205020404" pitchFamily="49" charset="0"/>
+              </a:rPr>
+              <a:t>investigate</a:t>
+            </a:r>
+            <a:r>
+              <a:rPr lang="nl-NL" sz="1400" dirty="0" smtClean="0">
+                <a:latin typeface="Courier New" panose="02070309020205020404" pitchFamily="49" charset="0"/>
+                <a:cs typeface="Courier New" panose="02070309020205020404" pitchFamily="49" charset="0"/>
+              </a:rPr>
+              <a:t> relations </a:t>
+            </a:r>
+            <a:r>
+              <a:rPr lang="nl-NL" sz="1400" dirty="0" err="1" smtClean="0">
+                <a:latin typeface="Courier New" panose="02070309020205020404" pitchFamily="49" charset="0"/>
+                <a:cs typeface="Courier New" panose="02070309020205020404" pitchFamily="49" charset="0"/>
+              </a:rPr>
+              <a:t>between</a:t>
+            </a:r>
+            <a:r>
+              <a:rPr lang="nl-NL" sz="1400" dirty="0" smtClean="0">
+                <a:latin typeface="Courier New" panose="02070309020205020404" pitchFamily="49" charset="0"/>
+                <a:cs typeface="Courier New" panose="02070309020205020404" pitchFamily="49" charset="0"/>
+              </a:rPr>
+              <a:t> variables (we </a:t>
+            </a:r>
+            <a:r>
+              <a:rPr lang="nl-NL" sz="1400" dirty="0" err="1" smtClean="0">
+                <a:latin typeface="Courier New" panose="02070309020205020404" pitchFamily="49" charset="0"/>
+                <a:cs typeface="Courier New" panose="02070309020205020404" pitchFamily="49" charset="0"/>
+              </a:rPr>
+              <a:t>will</a:t>
+            </a:r>
+            <a:r>
+              <a:rPr lang="nl-NL" sz="1400" dirty="0" smtClean="0">
+                <a:latin typeface="Courier New" panose="02070309020205020404" pitchFamily="49" charset="0"/>
+                <a:cs typeface="Courier New" panose="02070309020205020404" pitchFamily="49" charset="0"/>
+              </a:rPr>
+              <a:t> continue </a:t>
+            </a:r>
+            <a:r>
+              <a:rPr lang="nl-NL" sz="1400" dirty="0" err="1" smtClean="0">
+                <a:latin typeface="Courier New" panose="02070309020205020404" pitchFamily="49" charset="0"/>
+                <a:cs typeface="Courier New" panose="02070309020205020404" pitchFamily="49" charset="0"/>
+              </a:rPr>
+              <a:t>with</a:t>
+            </a:r>
+            <a:r>
+              <a:rPr lang="nl-NL" sz="1400" dirty="0" smtClean="0">
+                <a:latin typeface="Courier New" panose="02070309020205020404" pitchFamily="49" charset="0"/>
+                <a:cs typeface="Courier New" panose="02070309020205020404" pitchFamily="49" charset="0"/>
+              </a:rPr>
+              <a:t> </a:t>
+            </a:r>
+            <a:r>
+              <a:rPr lang="nl-NL" sz="1400" dirty="0" err="1" smtClean="0">
+                <a:latin typeface="Courier New" panose="02070309020205020404" pitchFamily="49" charset="0"/>
+                <a:cs typeface="Courier New" panose="02070309020205020404" pitchFamily="49" charset="0"/>
+              </a:rPr>
+              <a:t>this</a:t>
+            </a:r>
+            <a:r>
+              <a:rPr lang="nl-NL" sz="1400" dirty="0" smtClean="0">
+                <a:latin typeface="Courier New" panose="02070309020205020404" pitchFamily="49" charset="0"/>
+                <a:cs typeface="Courier New" panose="02070309020205020404" pitchFamily="49" charset="0"/>
+              </a:rPr>
+              <a:t> on </a:t>
+            </a:r>
+            <a:r>
+              <a:rPr lang="nl-NL" sz="1400" dirty="0" err="1" smtClean="0">
+                <a:latin typeface="Courier New" panose="02070309020205020404" pitchFamily="49" charset="0"/>
+                <a:cs typeface="Courier New" panose="02070309020205020404" pitchFamily="49" charset="0"/>
+              </a:rPr>
+              <a:t>Wednesday</a:t>
+            </a:r>
+            <a:r>
+              <a:rPr lang="nl-NL" sz="1400" dirty="0">
+                <a:latin typeface="Courier New" panose="02070309020205020404" pitchFamily="49" charset="0"/>
+                <a:cs typeface="Courier New" panose="02070309020205020404" pitchFamily="49" charset="0"/>
+              </a:rPr>
+              <a:t>)</a:t>
+            </a:r>
+            <a:endParaRPr lang="nl-NL" sz="1400" dirty="0" smtClean="0">
+              <a:latin typeface="Courier New" panose="02070309020205020404" pitchFamily="49" charset="0"/>
+              <a:cs typeface="Courier New" panose="02070309020205020404" pitchFamily="49" charset="0"/>
+            </a:endParaRPr>
+          </a:p>
+          <a:p>
+            <a:pPr marL="0" indent="0">
+              <a:buNone/>
+            </a:pPr>
+            <a:endParaRPr lang="nl-NL" sz="1400" dirty="0" smtClean="0">
+              <a:latin typeface="Courier New" panose="02070309020205020404" pitchFamily="49" charset="0"/>
+              <a:cs typeface="Courier New" panose="02070309020205020404" pitchFamily="49" charset="0"/>
+            </a:endParaRPr>
+          </a:p>
+          <a:p>
+            <a:endParaRPr lang="nl-NL" sz="1400" dirty="0" smtClean="0">
+              <a:latin typeface="Courier New" panose="02070309020205020404" pitchFamily="49" charset="0"/>
+              <a:cs typeface="Courier New" panose="02070309020205020404" pitchFamily="49" charset="0"/>
+            </a:endParaRPr>
+          </a:p>
+          <a:p>
             <a:endParaRPr lang="nl-NL" sz="1400" dirty="0">
               <a:latin typeface="Courier New" panose="02070309020205020404" pitchFamily="49" charset="0"/>
               <a:cs typeface="Courier New" panose="02070309020205020404" pitchFamily="49" charset="0"/>
             </a:endParaRPr>
           </a:p>
           <a:p>
-            <a:pPr marL="876300" lvl="1" indent="-342900">
-              <a:buFont typeface="+mj-lt"/>
-              <a:buAutoNum type="arabicPeriod"/>
-            </a:pPr>
-            <a:r>
-              <a:rPr lang="nl-NL" sz="1400" dirty="0" smtClean="0">
-                <a:latin typeface="Courier New" panose="02070309020205020404" pitchFamily="49" charset="0"/>
-                <a:cs typeface="Courier New" panose="02070309020205020404" pitchFamily="49" charset="0"/>
-              </a:rPr>
-              <a:t>Histogram</a:t>
-            </a:r>
-          </a:p>
-          <a:p>
-            <a:pPr marL="876300" lvl="1" indent="-342900">
-              <a:buFont typeface="+mj-lt"/>
-              <a:buAutoNum type="arabicPeriod"/>
-            </a:pPr>
-            <a:r>
-              <a:rPr lang="nl-NL" sz="1400" dirty="0" err="1" smtClean="0">
-                <a:latin typeface="Courier New" panose="02070309020205020404" pitchFamily="49" charset="0"/>
-                <a:cs typeface="Courier New" panose="02070309020205020404" pitchFamily="49" charset="0"/>
-              </a:rPr>
-              <a:t>Density</a:t>
-            </a:r>
-            <a:r>
-              <a:rPr lang="nl-NL" sz="1400" dirty="0" smtClean="0">
-                <a:latin typeface="Courier New" panose="02070309020205020404" pitchFamily="49" charset="0"/>
-                <a:cs typeface="Courier New" panose="02070309020205020404" pitchFamily="49" charset="0"/>
-              </a:rPr>
-              <a:t> plot</a:t>
-            </a:r>
-          </a:p>
-          <a:p>
-            <a:pPr marL="876300" lvl="1" indent="-342900">
-              <a:buFont typeface="+mj-lt"/>
-              <a:buAutoNum type="arabicPeriod"/>
-            </a:pPr>
-            <a:r>
-              <a:rPr lang="nl-NL" sz="1400" dirty="0" err="1" smtClean="0">
-                <a:latin typeface="Courier New" panose="02070309020205020404" pitchFamily="49" charset="0"/>
-                <a:cs typeface="Courier New" panose="02070309020205020404" pitchFamily="49" charset="0"/>
-              </a:rPr>
-              <a:t>Violin</a:t>
-            </a:r>
-            <a:r>
-              <a:rPr lang="nl-NL" sz="1400" dirty="0" smtClean="0">
-                <a:latin typeface="Courier New" panose="02070309020205020404" pitchFamily="49" charset="0"/>
-                <a:cs typeface="Courier New" panose="02070309020205020404" pitchFamily="49" charset="0"/>
-              </a:rPr>
-              <a:t> plot</a:t>
-            </a:r>
-          </a:p>
-          <a:p>
-            <a:pPr marL="400050">
-              <a:buFont typeface="+mj-lt"/>
-              <a:buAutoNum type="arabicPeriod"/>
-            </a:pPr>
-            <a:r>
-              <a:rPr lang="nl-NL" sz="1600" dirty="0" smtClean="0">
-                <a:latin typeface="Courier New" panose="02070309020205020404" pitchFamily="49" charset="0"/>
-                <a:cs typeface="Courier New" panose="02070309020205020404" pitchFamily="49" charset="0"/>
-              </a:rPr>
-              <a:t>For </a:t>
-            </a:r>
-            <a:r>
-              <a:rPr lang="nl-NL" sz="1600" dirty="0" err="1" smtClean="0">
-                <a:latin typeface="Courier New" panose="02070309020205020404" pitchFamily="49" charset="0"/>
-                <a:cs typeface="Courier New" panose="02070309020205020404" pitchFamily="49" charset="0"/>
-              </a:rPr>
-              <a:t>two</a:t>
-            </a:r>
-            <a:r>
-              <a:rPr lang="nl-NL" sz="1600" dirty="0" smtClean="0">
-                <a:latin typeface="Courier New" panose="02070309020205020404" pitchFamily="49" charset="0"/>
-                <a:cs typeface="Courier New" panose="02070309020205020404" pitchFamily="49" charset="0"/>
-              </a:rPr>
-              <a:t> of the variables, </a:t>
-            </a:r>
-            <a:r>
-              <a:rPr lang="nl-NL" sz="1600" dirty="0" err="1" smtClean="0">
-                <a:latin typeface="Courier New" panose="02070309020205020404" pitchFamily="49" charset="0"/>
-                <a:cs typeface="Courier New" panose="02070309020205020404" pitchFamily="49" charset="0"/>
-              </a:rPr>
-              <a:t>comment</a:t>
-            </a:r>
-            <a:r>
-              <a:rPr lang="nl-NL" sz="1600" dirty="0" smtClean="0">
-                <a:latin typeface="Courier New" panose="02070309020205020404" pitchFamily="49" charset="0"/>
-                <a:cs typeface="Courier New" panose="02070309020205020404" pitchFamily="49" charset="0"/>
-              </a:rPr>
-              <a:t> on </a:t>
-            </a:r>
-            <a:r>
-              <a:rPr lang="nl-NL" sz="1600" dirty="0" err="1" smtClean="0">
-                <a:latin typeface="Courier New" panose="02070309020205020404" pitchFamily="49" charset="0"/>
-                <a:cs typeface="Courier New" panose="02070309020205020404" pitchFamily="49" charset="0"/>
-              </a:rPr>
-              <a:t>modality</a:t>
-            </a:r>
-            <a:r>
-              <a:rPr lang="nl-NL" sz="1600" dirty="0">
-                <a:latin typeface="Courier New" panose="02070309020205020404" pitchFamily="49" charset="0"/>
-                <a:cs typeface="Courier New" panose="02070309020205020404" pitchFamily="49" charset="0"/>
-              </a:rPr>
-              <a:t> </a:t>
-            </a:r>
-            <a:r>
-              <a:rPr lang="nl-NL" sz="1600" dirty="0" err="1" smtClean="0">
-                <a:latin typeface="Courier New" panose="02070309020205020404" pitchFamily="49" charset="0"/>
-                <a:cs typeface="Courier New" panose="02070309020205020404" pitchFamily="49" charset="0"/>
-              </a:rPr>
-              <a:t>and</a:t>
-            </a:r>
-            <a:r>
-              <a:rPr lang="nl-NL" sz="1600" dirty="0" smtClean="0">
-                <a:latin typeface="Courier New" panose="02070309020205020404" pitchFamily="49" charset="0"/>
-                <a:cs typeface="Courier New" panose="02070309020205020404" pitchFamily="49" charset="0"/>
-              </a:rPr>
-              <a:t> </a:t>
-            </a:r>
-            <a:r>
-              <a:rPr lang="nl-NL" sz="1600" dirty="0" err="1" smtClean="0">
-                <a:latin typeface="Courier New" panose="02070309020205020404" pitchFamily="49" charset="0"/>
-                <a:cs typeface="Courier New" panose="02070309020205020404" pitchFamily="49" charset="0"/>
-              </a:rPr>
-              <a:t>skewness</a:t>
-            </a:r>
-            <a:r>
-              <a:rPr lang="nl-NL" sz="1600" dirty="0" smtClean="0">
-                <a:latin typeface="Courier New" panose="02070309020205020404" pitchFamily="49" charset="0"/>
-                <a:cs typeface="Courier New" panose="02070309020205020404" pitchFamily="49" charset="0"/>
-              </a:rPr>
-              <a:t>, </a:t>
-            </a:r>
-            <a:r>
-              <a:rPr lang="nl-NL" sz="1600" dirty="0" err="1" smtClean="0">
-                <a:latin typeface="Courier New" panose="02070309020205020404" pitchFamily="49" charset="0"/>
-                <a:cs typeface="Courier New" panose="02070309020205020404" pitchFamily="49" charset="0"/>
-              </a:rPr>
-              <a:t>outliers</a:t>
-            </a:r>
-            <a:endParaRPr lang="nl-NL" sz="1600" dirty="0" smtClean="0">
-              <a:latin typeface="Courier New" panose="02070309020205020404" pitchFamily="49" charset="0"/>
-              <a:cs typeface="Courier New" panose="02070309020205020404" pitchFamily="49" charset="0"/>
-            </a:endParaRPr>
-          </a:p>
-          <a:p>
-            <a:pPr lvl="1"/>
-            <a:endParaRPr lang="nl-NL" sz="1400" dirty="0">
-              <a:latin typeface="Courier New" panose="02070309020205020404" pitchFamily="49" charset="0"/>
-              <a:cs typeface="Courier New" panose="02070309020205020404" pitchFamily="49" charset="0"/>
-            </a:endParaRPr>
-          </a:p>
-          <a:p>
-            <a:pPr marL="0" indent="0">
-              <a:buNone/>
-            </a:pPr>
-            <a:r>
-              <a:rPr lang="nl-NL" sz="1600" dirty="0" err="1" smtClean="0">
-                <a:latin typeface="Courier New" panose="02070309020205020404" pitchFamily="49" charset="0"/>
-                <a:cs typeface="Courier New" panose="02070309020205020404" pitchFamily="49" charset="0"/>
-              </a:rPr>
-              <a:t>Notes</a:t>
-            </a:r>
-            <a:r>
-              <a:rPr lang="nl-NL" sz="1600" dirty="0" smtClean="0">
-                <a:latin typeface="Courier New" panose="02070309020205020404" pitchFamily="49" charset="0"/>
-                <a:cs typeface="Courier New" panose="02070309020205020404" pitchFamily="49" charset="0"/>
-              </a:rPr>
-              <a:t>:</a:t>
-            </a:r>
-          </a:p>
-          <a:p>
-            <a:r>
-              <a:rPr lang="nl-NL" sz="1600" dirty="0" err="1" smtClean="0">
-                <a:latin typeface="Courier New" panose="02070309020205020404" pitchFamily="49" charset="0"/>
-                <a:cs typeface="Courier New" panose="02070309020205020404" pitchFamily="49" charset="0"/>
-              </a:rPr>
-              <a:t>Use</a:t>
-            </a:r>
-            <a:r>
-              <a:rPr lang="nl-NL" sz="1600" dirty="0" smtClean="0">
-                <a:latin typeface="Courier New" panose="02070309020205020404" pitchFamily="49" charset="0"/>
-                <a:cs typeface="Courier New" panose="02070309020205020404" pitchFamily="49" charset="0"/>
-              </a:rPr>
-              <a:t> Seaborn </a:t>
-            </a:r>
-            <a:r>
-              <a:rPr lang="nl-NL" sz="1600" dirty="0" err="1" smtClean="0">
-                <a:latin typeface="Courier New" panose="02070309020205020404" pitchFamily="49" charset="0"/>
-                <a:cs typeface="Courier New" panose="02070309020205020404" pitchFamily="49" charset="0"/>
-              </a:rPr>
-              <a:t>for</a:t>
-            </a:r>
-            <a:r>
-              <a:rPr lang="nl-NL" sz="1600" dirty="0" smtClean="0">
-                <a:latin typeface="Courier New" panose="02070309020205020404" pitchFamily="49" charset="0"/>
-                <a:cs typeface="Courier New" panose="02070309020205020404" pitchFamily="49" charset="0"/>
-              </a:rPr>
-              <a:t> </a:t>
-            </a:r>
-            <a:r>
-              <a:rPr lang="nl-NL" sz="1600" dirty="0" err="1" smtClean="0">
-                <a:latin typeface="Courier New" panose="02070309020205020404" pitchFamily="49" charset="0"/>
-                <a:cs typeface="Courier New" panose="02070309020205020404" pitchFamily="49" charset="0"/>
-              </a:rPr>
-              <a:t>all</a:t>
-            </a:r>
-            <a:r>
-              <a:rPr lang="nl-NL" sz="1600" dirty="0" smtClean="0">
-                <a:latin typeface="Courier New" panose="02070309020205020404" pitchFamily="49" charset="0"/>
-                <a:cs typeface="Courier New" panose="02070309020205020404" pitchFamily="49" charset="0"/>
-              </a:rPr>
-              <a:t> </a:t>
-            </a:r>
-            <a:r>
-              <a:rPr lang="nl-NL" sz="1600" dirty="0" err="1" smtClean="0">
-                <a:latin typeface="Courier New" panose="02070309020205020404" pitchFamily="49" charset="0"/>
-                <a:cs typeface="Courier New" panose="02070309020205020404" pitchFamily="49" charset="0"/>
-              </a:rPr>
-              <a:t>visualizations</a:t>
-            </a:r>
-            <a:endParaRPr lang="nl-NL" sz="1600" dirty="0" smtClean="0">
-              <a:latin typeface="Courier New" panose="02070309020205020404" pitchFamily="49" charset="0"/>
-              <a:cs typeface="Courier New" panose="02070309020205020404" pitchFamily="49" charset="0"/>
-            </a:endParaRPr>
-          </a:p>
-          <a:p>
-            <a:r>
-              <a:rPr lang="nl-NL" sz="1600" dirty="0" smtClean="0">
-                <a:latin typeface="Courier New" panose="02070309020205020404" pitchFamily="49" charset="0"/>
-                <a:cs typeface="Courier New" panose="02070309020205020404" pitchFamily="49" charset="0"/>
-              </a:rPr>
-              <a:t>Label </a:t>
-            </a:r>
-            <a:r>
-              <a:rPr lang="nl-NL" sz="1600" dirty="0" err="1" smtClean="0">
-                <a:latin typeface="Courier New" panose="02070309020205020404" pitchFamily="49" charset="0"/>
-                <a:cs typeface="Courier New" panose="02070309020205020404" pitchFamily="49" charset="0"/>
-              </a:rPr>
-              <a:t>your</a:t>
-            </a:r>
-            <a:r>
-              <a:rPr lang="nl-NL" sz="1600" dirty="0" smtClean="0">
-                <a:latin typeface="Courier New" panose="02070309020205020404" pitchFamily="49" charset="0"/>
-                <a:cs typeface="Courier New" panose="02070309020205020404" pitchFamily="49" charset="0"/>
-              </a:rPr>
-              <a:t> </a:t>
-            </a:r>
-            <a:r>
-              <a:rPr lang="nl-NL" sz="1600" dirty="0" err="1" smtClean="0">
-                <a:latin typeface="Courier New" panose="02070309020205020404" pitchFamily="49" charset="0"/>
-                <a:cs typeface="Courier New" panose="02070309020205020404" pitchFamily="49" charset="0"/>
-              </a:rPr>
-              <a:t>axes</a:t>
-            </a:r>
-            <a:r>
-              <a:rPr lang="nl-NL" sz="1600" dirty="0" smtClean="0">
-                <a:latin typeface="Courier New" panose="02070309020205020404" pitchFamily="49" charset="0"/>
-                <a:cs typeface="Courier New" panose="02070309020205020404" pitchFamily="49" charset="0"/>
-              </a:rPr>
-              <a:t> </a:t>
-            </a:r>
-            <a:r>
-              <a:rPr lang="nl-NL" sz="1600" dirty="0" err="1" smtClean="0">
-                <a:latin typeface="Courier New" panose="02070309020205020404" pitchFamily="49" charset="0"/>
-                <a:cs typeface="Courier New" panose="02070309020205020404" pitchFamily="49" charset="0"/>
-              </a:rPr>
-              <a:t>and</a:t>
-            </a:r>
-            <a:r>
-              <a:rPr lang="nl-NL" sz="1600" dirty="0">
-                <a:latin typeface="Courier New" panose="02070309020205020404" pitchFamily="49" charset="0"/>
-                <a:cs typeface="Courier New" panose="02070309020205020404" pitchFamily="49" charset="0"/>
-              </a:rPr>
-              <a:t> </a:t>
-            </a:r>
-            <a:r>
-              <a:rPr lang="nl-NL" sz="1600" dirty="0" err="1" smtClean="0">
-                <a:latin typeface="Courier New" panose="02070309020205020404" pitchFamily="49" charset="0"/>
-                <a:cs typeface="Courier New" panose="02070309020205020404" pitchFamily="49" charset="0"/>
-              </a:rPr>
-              <a:t>give</a:t>
-            </a:r>
-            <a:r>
-              <a:rPr lang="nl-NL" sz="1600" dirty="0" smtClean="0">
-                <a:latin typeface="Courier New" panose="02070309020205020404" pitchFamily="49" charset="0"/>
-                <a:cs typeface="Courier New" panose="02070309020205020404" pitchFamily="49" charset="0"/>
-              </a:rPr>
-              <a:t> </a:t>
-            </a:r>
-            <a:r>
-              <a:rPr lang="nl-NL" sz="1600" dirty="0" err="1" smtClean="0">
-                <a:latin typeface="Courier New" panose="02070309020205020404" pitchFamily="49" charset="0"/>
-                <a:cs typeface="Courier New" panose="02070309020205020404" pitchFamily="49" charset="0"/>
-              </a:rPr>
-              <a:t>your</a:t>
-            </a:r>
-            <a:r>
-              <a:rPr lang="nl-NL" sz="1600" dirty="0" smtClean="0">
-                <a:latin typeface="Courier New" panose="02070309020205020404" pitchFamily="49" charset="0"/>
-                <a:cs typeface="Courier New" panose="02070309020205020404" pitchFamily="49" charset="0"/>
-              </a:rPr>
-              <a:t> </a:t>
-            </a:r>
-            <a:r>
-              <a:rPr lang="nl-NL" sz="1600" dirty="0" err="1" smtClean="0">
-                <a:latin typeface="Courier New" panose="02070309020205020404" pitchFamily="49" charset="0"/>
-                <a:cs typeface="Courier New" panose="02070309020205020404" pitchFamily="49" charset="0"/>
-              </a:rPr>
-              <a:t>figures</a:t>
-            </a:r>
-            <a:r>
-              <a:rPr lang="nl-NL" sz="1600" dirty="0" smtClean="0">
-                <a:latin typeface="Courier New" panose="02070309020205020404" pitchFamily="49" charset="0"/>
-                <a:cs typeface="Courier New" panose="02070309020205020404" pitchFamily="49" charset="0"/>
-              </a:rPr>
-              <a:t> a </a:t>
-            </a:r>
-            <a:r>
-              <a:rPr lang="nl-NL" sz="1600" dirty="0" err="1" smtClean="0">
-                <a:latin typeface="Courier New" panose="02070309020205020404" pitchFamily="49" charset="0"/>
-                <a:cs typeface="Courier New" panose="02070309020205020404" pitchFamily="49" charset="0"/>
-              </a:rPr>
-              <a:t>title</a:t>
-            </a:r>
-            <a:endParaRPr lang="nl-NL" sz="1600" dirty="0" smtClean="0">
-              <a:latin typeface="Courier New" panose="02070309020205020404" pitchFamily="49" charset="0"/>
-              <a:cs typeface="Courier New" panose="02070309020205020404" pitchFamily="49" charset="0"/>
-            </a:endParaRPr>
-          </a:p>
-          <a:p>
-            <a:r>
-              <a:rPr lang="nl-NL" sz="1600" dirty="0" smtClean="0">
-                <a:latin typeface="Courier New" panose="02070309020205020404" pitchFamily="49" charset="0"/>
-                <a:cs typeface="Courier New" panose="02070309020205020404" pitchFamily="49" charset="0"/>
-              </a:rPr>
-              <a:t>Plot the data points in </a:t>
-            </a:r>
-            <a:r>
-              <a:rPr lang="nl-NL" sz="1600" dirty="0" err="1" smtClean="0">
-                <a:latin typeface="Courier New" panose="02070309020205020404" pitchFamily="49" charset="0"/>
-                <a:cs typeface="Courier New" panose="02070309020205020404" pitchFamily="49" charset="0"/>
-              </a:rPr>
-              <a:t>some</a:t>
-            </a:r>
-            <a:r>
-              <a:rPr lang="nl-NL" sz="1600" dirty="0" smtClean="0">
-                <a:latin typeface="Courier New" panose="02070309020205020404" pitchFamily="49" charset="0"/>
-                <a:cs typeface="Courier New" panose="02070309020205020404" pitchFamily="49" charset="0"/>
-              </a:rPr>
-              <a:t> </a:t>
-            </a:r>
-            <a:r>
-              <a:rPr lang="nl-NL" sz="1600" dirty="0" err="1" smtClean="0">
-                <a:latin typeface="Courier New" panose="02070309020205020404" pitchFamily="49" charset="0"/>
-                <a:cs typeface="Courier New" panose="02070309020205020404" pitchFamily="49" charset="0"/>
-              </a:rPr>
-              <a:t>visualizations</a:t>
-            </a:r>
-            <a:r>
-              <a:rPr lang="nl-NL" sz="1600" dirty="0" smtClean="0">
-                <a:latin typeface="Courier New" panose="02070309020205020404" pitchFamily="49" charset="0"/>
-                <a:cs typeface="Courier New" panose="02070309020205020404" pitchFamily="49" charset="0"/>
-              </a:rPr>
-              <a:t>.</a:t>
-            </a:r>
-          </a:p>
-          <a:p>
-            <a:r>
-              <a:rPr lang="nl-NL" sz="1600" dirty="0" smtClean="0">
-                <a:latin typeface="Courier New" panose="02070309020205020404" pitchFamily="49" charset="0"/>
-                <a:cs typeface="Courier New" panose="02070309020205020404" pitchFamily="49" charset="0"/>
-              </a:rPr>
-              <a:t>Extra </a:t>
-            </a:r>
-            <a:r>
-              <a:rPr lang="nl-NL" sz="1600" dirty="0" err="1" smtClean="0">
-                <a:latin typeface="Courier New" panose="02070309020205020404" pitchFamily="49" charset="0"/>
-                <a:cs typeface="Courier New" panose="02070309020205020404" pitchFamily="49" charset="0"/>
-              </a:rPr>
-              <a:t>challenge</a:t>
-            </a:r>
-            <a:r>
-              <a:rPr lang="nl-NL" sz="1600" dirty="0" smtClean="0">
-                <a:latin typeface="Courier New" panose="02070309020205020404" pitchFamily="49" charset="0"/>
-                <a:cs typeface="Courier New" panose="02070309020205020404" pitchFamily="49" charset="0"/>
-              </a:rPr>
-              <a:t>: </a:t>
-            </a:r>
-            <a:r>
-              <a:rPr lang="nl-NL" sz="1600" dirty="0" err="1" smtClean="0">
-                <a:latin typeface="Courier New" panose="02070309020205020404" pitchFamily="49" charset="0"/>
-                <a:cs typeface="Courier New" panose="02070309020205020404" pitchFamily="49" charset="0"/>
-              </a:rPr>
-              <a:t>investigate</a:t>
-            </a:r>
-            <a:r>
-              <a:rPr lang="nl-NL" sz="1600" dirty="0" smtClean="0">
-                <a:latin typeface="Courier New" panose="02070309020205020404" pitchFamily="49" charset="0"/>
-                <a:cs typeface="Courier New" panose="02070309020205020404" pitchFamily="49" charset="0"/>
-              </a:rPr>
-              <a:t> relations </a:t>
-            </a:r>
-            <a:r>
-              <a:rPr lang="nl-NL" sz="1600" dirty="0" err="1" smtClean="0">
-                <a:latin typeface="Courier New" panose="02070309020205020404" pitchFamily="49" charset="0"/>
-                <a:cs typeface="Courier New" panose="02070309020205020404" pitchFamily="49" charset="0"/>
-              </a:rPr>
-              <a:t>between</a:t>
-            </a:r>
-            <a:r>
-              <a:rPr lang="nl-NL" sz="1600" dirty="0" smtClean="0">
-                <a:latin typeface="Courier New" panose="02070309020205020404" pitchFamily="49" charset="0"/>
-                <a:cs typeface="Courier New" panose="02070309020205020404" pitchFamily="49" charset="0"/>
-              </a:rPr>
-              <a:t> variables (we </a:t>
-            </a:r>
-            <a:r>
-              <a:rPr lang="nl-NL" sz="1600" dirty="0" err="1" smtClean="0">
-                <a:latin typeface="Courier New" panose="02070309020205020404" pitchFamily="49" charset="0"/>
-                <a:cs typeface="Courier New" panose="02070309020205020404" pitchFamily="49" charset="0"/>
-              </a:rPr>
-              <a:t>will</a:t>
-            </a:r>
-            <a:r>
-              <a:rPr lang="nl-NL" sz="1600" dirty="0" smtClean="0">
-                <a:latin typeface="Courier New" panose="02070309020205020404" pitchFamily="49" charset="0"/>
-                <a:cs typeface="Courier New" panose="02070309020205020404" pitchFamily="49" charset="0"/>
-              </a:rPr>
-              <a:t> continue </a:t>
-            </a:r>
-            <a:r>
-              <a:rPr lang="nl-NL" sz="1600" dirty="0" err="1" smtClean="0">
-                <a:latin typeface="Courier New" panose="02070309020205020404" pitchFamily="49" charset="0"/>
-                <a:cs typeface="Courier New" panose="02070309020205020404" pitchFamily="49" charset="0"/>
-              </a:rPr>
-              <a:t>with</a:t>
-            </a:r>
-            <a:r>
-              <a:rPr lang="nl-NL" sz="1600" dirty="0" smtClean="0">
-                <a:latin typeface="Courier New" panose="02070309020205020404" pitchFamily="49" charset="0"/>
-                <a:cs typeface="Courier New" panose="02070309020205020404" pitchFamily="49" charset="0"/>
-              </a:rPr>
-              <a:t> </a:t>
-            </a:r>
-            <a:r>
-              <a:rPr lang="nl-NL" sz="1600" dirty="0" err="1" smtClean="0">
-                <a:latin typeface="Courier New" panose="02070309020205020404" pitchFamily="49" charset="0"/>
-                <a:cs typeface="Courier New" panose="02070309020205020404" pitchFamily="49" charset="0"/>
-              </a:rPr>
-              <a:t>this</a:t>
-            </a:r>
-            <a:r>
-              <a:rPr lang="nl-NL" sz="1600" dirty="0" smtClean="0">
-                <a:latin typeface="Courier New" panose="02070309020205020404" pitchFamily="49" charset="0"/>
-                <a:cs typeface="Courier New" panose="02070309020205020404" pitchFamily="49" charset="0"/>
-              </a:rPr>
-              <a:t> on </a:t>
-            </a:r>
-            <a:r>
-              <a:rPr lang="nl-NL" sz="1600" dirty="0" err="1" smtClean="0">
-                <a:latin typeface="Courier New" panose="02070309020205020404" pitchFamily="49" charset="0"/>
-                <a:cs typeface="Courier New" panose="02070309020205020404" pitchFamily="49" charset="0"/>
-              </a:rPr>
-              <a:t>Wednesday</a:t>
-            </a:r>
-            <a:r>
-              <a:rPr lang="nl-NL" sz="1600" dirty="0">
-                <a:latin typeface="Courier New" panose="02070309020205020404" pitchFamily="49" charset="0"/>
-                <a:cs typeface="Courier New" panose="02070309020205020404" pitchFamily="49" charset="0"/>
-              </a:rPr>
-              <a:t>)</a:t>
-            </a:r>
-            <a:endParaRPr lang="nl-NL" sz="1600" dirty="0" smtClean="0">
-              <a:latin typeface="Courier New" panose="02070309020205020404" pitchFamily="49" charset="0"/>
-              <a:cs typeface="Courier New" panose="02070309020205020404" pitchFamily="49" charset="0"/>
-            </a:endParaRPr>
-          </a:p>
-          <a:p>
-            <a:pPr marL="0" indent="0">
-              <a:buNone/>
-            </a:pPr>
-            <a:endParaRPr lang="nl-NL" sz="1600" dirty="0" smtClean="0">
-              <a:latin typeface="Courier New" panose="02070309020205020404" pitchFamily="49" charset="0"/>
-              <a:cs typeface="Courier New" panose="02070309020205020404" pitchFamily="49" charset="0"/>
-            </a:endParaRPr>
-          </a:p>
-          <a:p>
-            <a:endParaRPr lang="nl-NL" sz="1600" dirty="0" smtClean="0">
-              <a:latin typeface="Courier New" panose="02070309020205020404" pitchFamily="49" charset="0"/>
-              <a:cs typeface="Courier New" panose="02070309020205020404" pitchFamily="49" charset="0"/>
-            </a:endParaRPr>
-          </a:p>
-          <a:p>
-            <a:endParaRPr lang="nl-NL" sz="1600" dirty="0">
-              <a:latin typeface="Courier New" panose="02070309020205020404" pitchFamily="49" charset="0"/>
-              <a:cs typeface="Courier New" panose="02070309020205020404" pitchFamily="49" charset="0"/>
-            </a:endParaRPr>
-          </a:p>
-          <a:p>
-            <a:endParaRPr lang="nl-NL" sz="2000" dirty="0"/>
+            <a:endParaRPr lang="nl-NL" sz="1800" dirty="0"/>
           </a:p>
         </p:txBody>
       </p:sp>
@@ -21006,10 +21071,6 @@
               </a:rPr>
               <a:t>Notebook: sampling</a:t>
             </a:r>
-            <a:endParaRPr lang="nl-NL" sz="1800" dirty="0" smtClean="0">
-              <a:latin typeface="Courier New" panose="02070309020205020404" pitchFamily="49" charset="0"/>
-              <a:cs typeface="Courier New" panose="02070309020205020404" pitchFamily="49" charset="0"/>
-            </a:endParaRPr>
           </a:p>
           <a:p>
             <a:pPr>
@@ -22660,13 +22721,8 @@
             </a:r>
             <a:r>
               <a:rPr lang="nl-NL" sz="2400" dirty="0" smtClean="0"/>
-              <a:t> solution on </a:t>
-            </a:r>
-            <a:r>
-              <a:rPr lang="nl-NL" sz="2400" dirty="0" smtClean="0"/>
-              <a:t>GitHub)</a:t>
-            </a:r>
-            <a:endParaRPr lang="nl-NL" sz="2400" dirty="0" smtClean="0"/>
+              <a:t> solution on GitHub)</a:t>
+            </a:r>
           </a:p>
           <a:p>
             <a:endParaRPr lang="nl-NL" sz="2400" dirty="0" smtClean="0"/>

--- a/slides/ddl-w4l1.pptx
+++ b/slides/ddl-w4l1.pptx
@@ -5,10 +5,10 @@
     <p:sldMasterId id="2147483649" r:id="rId1"/>
   </p:sldMasterIdLst>
   <p:notesMasterIdLst>
-    <p:notesMasterId r:id="rId33"/>
+    <p:notesMasterId r:id="rId27"/>
   </p:notesMasterIdLst>
   <p:handoutMasterIdLst>
-    <p:handoutMasterId r:id="rId34"/>
+    <p:handoutMasterId r:id="rId28"/>
   </p:handoutMasterIdLst>
   <p:sldIdLst>
     <p:sldId id="256" r:id="rId2"/>
@@ -35,13 +35,7 @@
     <p:sldId id="279" r:id="rId23"/>
     <p:sldId id="266" r:id="rId24"/>
     <p:sldId id="270" r:id="rId25"/>
-    <p:sldId id="272" r:id="rId26"/>
-    <p:sldId id="290" r:id="rId27"/>
-    <p:sldId id="271" r:id="rId28"/>
-    <p:sldId id="268" r:id="rId29"/>
-    <p:sldId id="269" r:id="rId30"/>
-    <p:sldId id="265" r:id="rId31"/>
-    <p:sldId id="283" r:id="rId32"/>
+    <p:sldId id="283" r:id="rId26"/>
   </p:sldIdLst>
   <p:sldSz cx="9144000" cy="6858000" type="screen4x3"/>
   <p:notesSz cx="6858000" cy="9144000"/>
@@ -3378,7 +3372,7 @@
             <a:fld id="{373F1B60-BDF4-4D63-AD79-99D5A5B1DF99}" type="datetime1">
               <a:rPr lang="en-US"/>
               <a:pPr/>
-              <a:t>12/1/2018</a:t>
+              <a:t>12/3/2018</a:t>
             </a:fld>
             <a:endParaRPr lang="en-US"/>
           </a:p>
@@ -3597,7 +3591,7 @@
             <a:fld id="{4387A7AA-DFE9-4771-BEDE-3294FCEBFB02}" type="datetime1">
               <a:rPr lang="en-US"/>
               <a:pPr/>
-              <a:t>12/1/2018</a:t>
+              <a:t>12/3/2018</a:t>
             </a:fld>
             <a:endParaRPr lang="en-US"/>
           </a:p>
@@ -3988,7 +3982,7 @@
             <a:fld id="{8541E2CD-DBF4-40F9-B6F8-EEFD0DF8A138}" type="datetime1">
               <a:rPr lang="en-US"/>
               <a:pPr/>
-              <a:t>12/1/2018</a:t>
+              <a:t>12/3/2018</a:t>
             </a:fld>
             <a:endParaRPr lang="en-US"/>
           </a:p>
@@ -4203,7 +4197,7 @@
             <a:fld id="{93F21019-3A00-48AC-9663-40DF67A83229}" type="datetime1">
               <a:rPr lang="en-US"/>
               <a:pPr/>
-              <a:t>12/1/2018</a:t>
+              <a:t>12/3/2018</a:t>
             </a:fld>
             <a:endParaRPr lang="en-US">
               <a:solidFill>
@@ -4389,7 +4383,7 @@
             <a:fld id="{8B2EF9C8-0AC3-4A53-9A61-1834A571F420}" type="datetime1">
               <a:rPr lang="en-US"/>
               <a:pPr/>
-              <a:t>12/1/2018</a:t>
+              <a:t>12/3/2018</a:t>
             </a:fld>
             <a:endParaRPr lang="en-US" sz="1400">
               <a:solidFill>
@@ -4586,7 +4580,7 @@
             <a:fld id="{F02960F3-A385-4905-A491-FDC17E063DD1}" type="datetime1">
               <a:rPr lang="en-US"/>
               <a:pPr/>
-              <a:t>12/1/2018</a:t>
+              <a:t>12/3/2018</a:t>
             </a:fld>
             <a:endParaRPr lang="en-US" sz="1400">
               <a:solidFill>
@@ -4845,7 +4839,7 @@
             <a:fld id="{CD3AD70A-8E2A-47B5-AC18-ABBB5A8E737D}" type="datetime1">
               <a:rPr lang="en-US"/>
               <a:pPr/>
-              <a:t>12/1/2018</a:t>
+              <a:t>12/3/2018</a:t>
             </a:fld>
             <a:endParaRPr lang="en-US" sz="1400">
               <a:solidFill>
@@ -5081,7 +5075,7 @@
             <a:fld id="{07008C2E-9BD6-496B-BFC3-B4A975EBC85E}" type="datetime1">
               <a:rPr lang="en-US"/>
               <a:pPr/>
-              <a:t>12/1/2018</a:t>
+              <a:t>12/3/2018</a:t>
             </a:fld>
             <a:endParaRPr lang="en-US" sz="1400">
               <a:solidFill>
@@ -5260,7 +5254,7 @@
             <a:fld id="{1AA2C3CF-866C-4FDE-B76D-4E9536901630}" type="datetime1">
               <a:rPr lang="en-US"/>
               <a:pPr/>
-              <a:t>12/1/2018</a:t>
+              <a:t>12/3/2018</a:t>
             </a:fld>
             <a:endParaRPr lang="en-US" sz="1400">
               <a:solidFill>
@@ -5439,7 +5433,7 @@
             <a:fld id="{555EE259-FE08-4558-B721-B189FFE77284}" type="datetime1">
               <a:rPr lang="en-US"/>
               <a:pPr/>
-              <a:t>12/1/2018</a:t>
+              <a:t>12/3/2018</a:t>
             </a:fld>
             <a:endParaRPr lang="en-US" sz="1400">
               <a:solidFill>
@@ -5708,7 +5702,7 @@
             <a:fld id="{0AF4064E-5624-49AB-B7C6-E301A8F6B1FF}" type="datetime1">
               <a:rPr lang="en-US"/>
               <a:pPr/>
-              <a:t>12/1/2018</a:t>
+              <a:t>12/3/2018</a:t>
             </a:fld>
             <a:endParaRPr lang="en-US" sz="1400">
               <a:solidFill>
@@ -5905,7 +5899,7 @@
             <a:fld id="{CBC97FCD-6C54-4833-B032-BFBCDFA8379D}" type="datetime1">
               <a:rPr lang="en-US"/>
               <a:pPr/>
-              <a:t>12/1/2018</a:t>
+              <a:t>12/3/2018</a:t>
             </a:fld>
             <a:endParaRPr lang="en-US" sz="1400">
               <a:solidFill>
@@ -6114,7 +6108,7 @@
             <a:fld id="{F04AA577-515A-431F-98B6-3B03494ABB11}" type="datetime1">
               <a:rPr lang="en-US"/>
               <a:pPr/>
-              <a:t>12/1/2018</a:t>
+              <a:t>12/3/2018</a:t>
             </a:fld>
             <a:endParaRPr lang="en-US" sz="1400">
               <a:solidFill>
@@ -6419,7 +6413,7 @@
             <a:fld id="{6475F1A4-C474-4345-A800-2F40B0E4E70C}" type="datetime1">
               <a:rPr lang="en-US"/>
               <a:pPr/>
-              <a:t>12/1/2018</a:t>
+              <a:t>12/3/2018</a:t>
             </a:fld>
             <a:endParaRPr lang="en-US" sz="1400">
               <a:solidFill>
@@ -6863,7 +6857,7 @@
             <a:fld id="{7BA535AB-820E-4207-9DA8-5F37106C7AF4}" type="datetime1">
               <a:rPr lang="en-US"/>
               <a:pPr/>
-              <a:t>12/1/2018</a:t>
+              <a:t>12/3/2018</a:t>
             </a:fld>
             <a:endParaRPr lang="en-US" sz="1400">
               <a:solidFill>
@@ -6998,7 +6992,7 @@
             <a:fld id="{0A7E69FA-D7EE-42C0-9117-1971B541885F}" type="datetime1">
               <a:rPr lang="en-US"/>
               <a:pPr/>
-              <a:t>12/1/2018</a:t>
+              <a:t>12/3/2018</a:t>
             </a:fld>
             <a:endParaRPr lang="en-US" sz="1400">
               <a:solidFill>
@@ -7110,7 +7104,7 @@
             <a:fld id="{10D7644E-1B5D-4325-BA79-338DF2B89B56}" type="datetime1">
               <a:rPr lang="en-US"/>
               <a:pPr/>
-              <a:t>12/1/2018</a:t>
+              <a:t>12/3/2018</a:t>
             </a:fld>
             <a:endParaRPr lang="en-US" sz="1400">
               <a:solidFill>
@@ -7404,7 +7398,7 @@
             <a:fld id="{B790C882-0B74-4932-8998-E9ABB8AF1740}" type="datetime1">
               <a:rPr lang="en-US"/>
               <a:pPr/>
-              <a:t>12/1/2018</a:t>
+              <a:t>12/3/2018</a:t>
             </a:fld>
             <a:endParaRPr lang="en-US" sz="1400">
               <a:solidFill>
@@ -7674,7 +7668,7 @@
             <a:fld id="{9DC585DC-AE7D-44C1-90AB-C3A391DEA065}" type="datetime1">
               <a:rPr lang="en-US"/>
               <a:pPr/>
-              <a:t>12/1/2018</a:t>
+              <a:t>12/3/2018</a:t>
             </a:fld>
             <a:endParaRPr lang="en-US" sz="1400">
               <a:solidFill>
@@ -7938,7 +7932,7 @@
             <a:fld id="{256CE565-1940-4E5F-9190-C0815CEAAA9D}" type="datetime1">
               <a:rPr lang="en-US"/>
               <a:pPr/>
-              <a:t>12/1/2018</a:t>
+              <a:t>12/3/2018</a:t>
             </a:fld>
             <a:endParaRPr lang="en-US"/>
           </a:p>
@@ -8613,11 +8607,7 @@
             </a:r>
             <a:r>
               <a:rPr lang="nl-NL" sz="1200" dirty="0" smtClean="0"/>
-              <a:t>, public </a:t>
-            </a:r>
-            <a:r>
-              <a:rPr lang="nl-NL" sz="1200" dirty="0" smtClean="0"/>
-              <a:t>domain, CC-</a:t>
+              <a:t>, public domain, CC-</a:t>
             </a:r>
             <a:r>
               <a:rPr lang="nl-NL" sz="1200" dirty="0" err="1" smtClean="0"/>
@@ -9214,6 +9204,13 @@
   <p:clrMapOvr>
     <a:masterClrMapping/>
   </p:clrMapOvr>
+  <p:timing>
+    <p:tnLst>
+      <p:par>
+        <p:cTn id="1" dur="indefinite" restart="never" nodeType="tmRoot"/>
+      </p:par>
+    </p:tnLst>
+  </p:timing>
 </p:sld>
 </file>
 
@@ -9491,6 +9488,13 @@
   <p:clrMapOvr>
     <a:masterClrMapping/>
   </p:clrMapOvr>
+  <p:timing>
+    <p:tnLst>
+      <p:par>
+        <p:cTn id="1" dur="indefinite" restart="never" nodeType="tmRoot"/>
+      </p:par>
+    </p:tnLst>
+  </p:timing>
 </p:sld>
 </file>
 
@@ -9734,6 +9738,13 @@
   <p:clrMapOvr>
     <a:masterClrMapping/>
   </p:clrMapOvr>
+  <p:timing>
+    <p:tnLst>
+      <p:par>
+        <p:cTn id="1" dur="indefinite" restart="never" nodeType="tmRoot"/>
+      </p:par>
+    </p:tnLst>
+  </p:timing>
 </p:sld>
 </file>
 
@@ -10099,6 +10110,13 @@
   <p:clrMapOvr>
     <a:masterClrMapping/>
   </p:clrMapOvr>
+  <p:timing>
+    <p:tnLst>
+      <p:par>
+        <p:cTn id="1" dur="indefinite" restart="never" nodeType="tmRoot"/>
+      </p:par>
+    </p:tnLst>
+  </p:timing>
 </p:sld>
 </file>
 
@@ -10345,11 +10363,18 @@
               <a:t> </a:t>
             </a:r>
             <a:r>
+              <a:rPr lang="nl-NL" sz="1600" i="1" dirty="0" err="1" smtClean="0">
+                <a:latin typeface="Courier New" panose="02070309020205020404" pitchFamily="49" charset="0"/>
+                <a:cs typeface="Courier New" panose="02070309020205020404" pitchFamily="49" charset="0"/>
+              </a:rPr>
+              <a:t>waist</a:t>
+            </a:r>
+            <a:r>
               <a:rPr lang="nl-NL" sz="1600" i="1" dirty="0" smtClean="0">
                 <a:latin typeface="Courier New" panose="02070309020205020404" pitchFamily="49" charset="0"/>
                 <a:cs typeface="Courier New" panose="02070309020205020404" pitchFamily="49" charset="0"/>
               </a:rPr>
-              <a:t>Tour </a:t>
+              <a:t> </a:t>
             </a:r>
             <a:r>
               <a:rPr lang="nl-NL" sz="1600" dirty="0" smtClean="0">
@@ -10973,11 +10998,18 @@
               <a:t> of </a:t>
             </a:r>
             <a:r>
+              <a:rPr lang="nl-NL" sz="1600" i="1" dirty="0" err="1" smtClean="0">
+                <a:latin typeface="Courier New" panose="02070309020205020404" pitchFamily="49" charset="0"/>
+                <a:cs typeface="Courier New" panose="02070309020205020404" pitchFamily="49" charset="0"/>
+              </a:rPr>
+              <a:t>waist</a:t>
+            </a:r>
+            <a:r>
               <a:rPr lang="nl-NL" sz="1600" i="1" dirty="0" smtClean="0">
                 <a:latin typeface="Courier New" panose="02070309020205020404" pitchFamily="49" charset="0"/>
                 <a:cs typeface="Courier New" panose="02070309020205020404" pitchFamily="49" charset="0"/>
               </a:rPr>
-              <a:t>Tour </a:t>
+              <a:t> </a:t>
             </a:r>
             <a:r>
               <a:rPr lang="nl-NL" sz="1600" dirty="0" err="1" smtClean="0">
@@ -11090,6 +11122,13 @@
   <p:clrMapOvr>
     <a:masterClrMapping/>
   </p:clrMapOvr>
+  <p:timing>
+    <p:tnLst>
+      <p:par>
+        <p:cTn id="1" dur="indefinite" restart="never" nodeType="tmRoot"/>
+      </p:par>
+    </p:tnLst>
+  </p:timing>
 </p:sld>
 </file>
 
@@ -11267,6 +11306,13 @@
   <p:clrMapOvr>
     <a:masterClrMapping/>
   </p:clrMapOvr>
+  <p:timing>
+    <p:tnLst>
+      <p:par>
+        <p:cTn id="1" dur="indefinite" restart="never" nodeType="tmRoot"/>
+      </p:par>
+    </p:tnLst>
+  </p:timing>
 </p:sld>
 </file>
 
@@ -11346,6 +11392,13 @@
   <p:clrMapOvr>
     <a:masterClrMapping/>
   </p:clrMapOvr>
+  <p:timing>
+    <p:tnLst>
+      <p:par>
+        <p:cTn id="1" dur="indefinite" restart="never" nodeType="tmRoot"/>
+      </p:par>
+    </p:tnLst>
+  </p:timing>
 </p:sld>
 </file>
 
@@ -14270,6 +14323,13 @@
   <p:clrMapOvr>
     <a:masterClrMapping/>
   </p:clrMapOvr>
+  <p:timing>
+    <p:tnLst>
+      <p:par>
+        <p:cTn id="1" dur="indefinite" restart="never" nodeType="tmRoot"/>
+      </p:par>
+    </p:tnLst>
+  </p:timing>
 </p:sld>
 </file>
 
@@ -14559,6 +14619,13 @@
   <p:clrMapOvr>
     <a:masterClrMapping/>
   </p:clrMapOvr>
+  <p:timing>
+    <p:tnLst>
+      <p:par>
+        <p:cTn id="1" dur="indefinite" restart="never" nodeType="tmRoot"/>
+      </p:par>
+    </p:tnLst>
+  </p:timing>
 </p:sld>
 </file>
 
@@ -14649,7 +14716,7 @@
           <a:graphicData uri="http://schemas.openxmlformats.org/presentationml/2006/ole">
             <mc:AlternateContent xmlns:mc="http://schemas.openxmlformats.org/markup-compatibility/2006">
               <mc:Choice xmlns:v="urn:schemas-microsoft-com:vml" Requires="v">
-                <p:oleObj spid="_x0000_s1066" name="Vergelijking" r:id="rId3" imgW="3454200" imgH="1193760" progId="Equation.3">
+                <p:oleObj spid="_x0000_s1080" name="Vergelijking" r:id="rId3" imgW="3454200" imgH="1193760" progId="Equation.3">
                   <p:embed/>
                 </p:oleObj>
               </mc:Choice>
@@ -14955,7 +15022,7 @@
           <a:graphicData uri="http://schemas.openxmlformats.org/presentationml/2006/ole">
             <mc:AlternateContent xmlns:mc="http://schemas.openxmlformats.org/markup-compatibility/2006">
               <mc:Choice xmlns:v="urn:schemas-microsoft-com:vml" Requires="v">
-                <p:oleObj spid="_x0000_s1067" name="Vergelijking" r:id="rId5" imgW="672840" imgH="317160" progId="Equation.3">
+                <p:oleObj spid="_x0000_s1081" name="Vergelijking" r:id="rId5" imgW="672840" imgH="317160" progId="Equation.3">
                   <p:embed/>
                 </p:oleObj>
               </mc:Choice>
@@ -15039,6 +15106,13 @@
   <p:clrMapOvr>
     <a:masterClrMapping/>
   </p:clrMapOvr>
+  <p:timing>
+    <p:tnLst>
+      <p:par>
+        <p:cTn id="1" dur="indefinite" restart="never" nodeType="tmRoot"/>
+      </p:par>
+    </p:tnLst>
+  </p:timing>
 </p:sld>
 </file>
 
@@ -15183,6 +15257,13 @@
   <p:clrMapOvr>
     <a:masterClrMapping/>
   </p:clrMapOvr>
+  <p:timing>
+    <p:tnLst>
+      <p:par>
+        <p:cTn id="1" dur="indefinite" restart="never" nodeType="tmRoot"/>
+      </p:par>
+    </p:tnLst>
+  </p:timing>
 </p:sld>
 </file>
 
@@ -15798,6 +15879,13 @@
   <p:clrMapOvr>
     <a:masterClrMapping/>
   </p:clrMapOvr>
+  <p:timing>
+    <p:tnLst>
+      <p:par>
+        <p:cTn id="1" dur="indefinite" restart="never" nodeType="tmRoot"/>
+      </p:par>
+    </p:tnLst>
+  </p:timing>
 </p:sld>
 </file>
 
@@ -17589,6 +17677,13 @@
   <p:clrMapOvr>
     <a:masterClrMapping/>
   </p:clrMapOvr>
+  <p:timing>
+    <p:tnLst>
+      <p:par>
+        <p:cTn id="1" dur="indefinite" restart="never" nodeType="tmRoot"/>
+      </p:par>
+    </p:tnLst>
+  </p:timing>
 </p:sld>
 </file>
 
@@ -18056,10 +18151,23 @@
                 <a:latin typeface="Courier New" panose="02070309020205020404" pitchFamily="49" charset="0"/>
                 <a:cs typeface="Courier New" panose="02070309020205020404" pitchFamily="49" charset="0"/>
               </a:rPr>
-              <a:t> in the </a:t>
+              <a:t> in </a:t>
             </a:r>
             <a:r>
               <a:rPr lang="nl-NL" sz="1400" dirty="0" smtClean="0">
+                <a:solidFill>
+                  <a:schemeClr val="tx1"/>
+                </a:solidFill>
+                <a:latin typeface="Courier New" panose="02070309020205020404" pitchFamily="49" charset="0"/>
+                <a:cs typeface="Courier New" panose="02070309020205020404" pitchFamily="49" charset="0"/>
+              </a:rPr>
+              <a:t>the </a:t>
+            </a:r>
+            <a:r>
+              <a:rPr lang="nl-NL" sz="1400" dirty="0" smtClean="0">
+                <a:solidFill>
+                  <a:schemeClr val="tx1"/>
+                </a:solidFill>
                 <a:latin typeface="Courier New" panose="02070309020205020404" pitchFamily="49" charset="0"/>
                 <a:cs typeface="Courier New" panose="02070309020205020404" pitchFamily="49" charset="0"/>
                 <a:hlinkClick r:id="rId2"/>
@@ -18068,6 +18176,9 @@
             </a:r>
             <a:r>
               <a:rPr lang="nl-NL" sz="1400" dirty="0" err="1" smtClean="0">
+                <a:solidFill>
+                  <a:schemeClr val="tx1"/>
+                </a:solidFill>
                 <a:latin typeface="Courier New" panose="02070309020205020404" pitchFamily="49" charset="0"/>
                 <a:cs typeface="Courier New" panose="02070309020205020404" pitchFamily="49" charset="0"/>
                 <a:hlinkClick r:id="rId2"/>
@@ -18076,6 +18187,9 @@
             </a:r>
             <a:r>
               <a:rPr lang="nl-NL" sz="1400" dirty="0" smtClean="0">
+                <a:solidFill>
+                  <a:schemeClr val="tx1"/>
+                </a:solidFill>
                 <a:latin typeface="Courier New" panose="02070309020205020404" pitchFamily="49" charset="0"/>
                 <a:cs typeface="Courier New" panose="02070309020205020404" pitchFamily="49" charset="0"/>
                 <a:hlinkClick r:id="rId2"/>
@@ -18108,27 +18222,69 @@
                 <a:latin typeface="Courier New" panose="02070309020205020404" pitchFamily="49" charset="0"/>
                 <a:cs typeface="Courier New" panose="02070309020205020404" pitchFamily="49" charset="0"/>
               </a:rPr>
+              <a:t> data. </a:t>
+            </a:r>
+            <a:r>
+              <a:rPr lang="nl-NL" sz="1400" dirty="0" err="1" smtClean="0">
+                <a:latin typeface="Courier New" panose="02070309020205020404" pitchFamily="49" charset="0"/>
+                <a:cs typeface="Courier New" panose="02070309020205020404" pitchFamily="49" charset="0"/>
+              </a:rPr>
+              <a:t>Please</a:t>
+            </a:r>
+            <a:r>
+              <a:rPr lang="nl-NL" sz="1400" dirty="0" smtClean="0">
+                <a:latin typeface="Courier New" panose="02070309020205020404" pitchFamily="49" charset="0"/>
+                <a:cs typeface="Courier New" panose="02070309020205020404" pitchFamily="49" charset="0"/>
+              </a:rPr>
               <a:t> </a:t>
             </a:r>
             <a:r>
+              <a:rPr lang="nl-NL" sz="1400" dirty="0" err="1" smtClean="0">
+                <a:latin typeface="Courier New" panose="02070309020205020404" pitchFamily="49" charset="0"/>
+                <a:cs typeface="Courier New" panose="02070309020205020404" pitchFamily="49" charset="0"/>
+              </a:rPr>
+              <a:t>leave</a:t>
+            </a:r>
+            <a:r>
               <a:rPr lang="nl-NL" sz="1400" dirty="0" smtClean="0">
                 <a:latin typeface="Courier New" panose="02070309020205020404" pitchFamily="49" charset="0"/>
                 <a:cs typeface="Courier New" panose="02070309020205020404" pitchFamily="49" charset="0"/>
               </a:rPr>
-              <a:t>data. </a:t>
+              <a:t> blank </a:t>
             </a:r>
             <a:r>
               <a:rPr lang="nl-NL" sz="1400" dirty="0" err="1" smtClean="0">
                 <a:latin typeface="Courier New" panose="02070309020205020404" pitchFamily="49" charset="0"/>
                 <a:cs typeface="Courier New" panose="02070309020205020404" pitchFamily="49" charset="0"/>
               </a:rPr>
-              <a:t>Please</a:t>
+              <a:t>any</a:t>
+            </a:r>
+            <a:r>
+              <a:rPr lang="nl-NL" sz="1400" dirty="0">
+                <a:latin typeface="Courier New" panose="02070309020205020404" pitchFamily="49" charset="0"/>
+                <a:cs typeface="Courier New" panose="02070309020205020404" pitchFamily="49" charset="0"/>
+              </a:rPr>
+              <a:t> </a:t>
             </a:r>
             <a:r>
               <a:rPr lang="nl-NL" sz="1400" dirty="0" smtClean="0">
                 <a:latin typeface="Courier New" panose="02070309020205020404" pitchFamily="49" charset="0"/>
                 <a:cs typeface="Courier New" panose="02070309020205020404" pitchFamily="49" charset="0"/>
               </a:rPr>
+              <a:t>columns </a:t>
+            </a:r>
+            <a:r>
+              <a:rPr lang="nl-NL" sz="1400" dirty="0" err="1" smtClean="0">
+                <a:latin typeface="Courier New" panose="02070309020205020404" pitchFamily="49" charset="0"/>
+                <a:cs typeface="Courier New" panose="02070309020205020404" pitchFamily="49" charset="0"/>
+              </a:rPr>
+              <a:t>that</a:t>
+            </a:r>
+            <a:r>
+              <a:rPr lang="nl-NL" sz="1400" dirty="0" smtClean="0">
+                <a:latin typeface="Courier New" panose="02070309020205020404" pitchFamily="49" charset="0"/>
+                <a:cs typeface="Courier New" panose="02070309020205020404" pitchFamily="49" charset="0"/>
+              </a:rPr>
               <a:t> </a:t>
             </a:r>
             <a:r>
@@ -18136,96 +18292,43 @@
                 <a:latin typeface="Courier New" panose="02070309020205020404" pitchFamily="49" charset="0"/>
                 <a:cs typeface="Courier New" panose="02070309020205020404" pitchFamily="49" charset="0"/>
               </a:rPr>
-              <a:t>leave</a:t>
+              <a:t>your</a:t>
             </a:r>
             <a:r>
               <a:rPr lang="nl-NL" sz="1400" dirty="0" smtClean="0">
                 <a:latin typeface="Courier New" panose="02070309020205020404" pitchFamily="49" charset="0"/>
                 <a:cs typeface="Courier New" panose="02070309020205020404" pitchFamily="49" charset="0"/>
               </a:rPr>
-              <a:t> blank </a:t>
+              <a:t> feel </a:t>
             </a:r>
             <a:r>
               <a:rPr lang="nl-NL" sz="1400" dirty="0" err="1" smtClean="0">
                 <a:latin typeface="Courier New" panose="02070309020205020404" pitchFamily="49" charset="0"/>
                 <a:cs typeface="Courier New" panose="02070309020205020404" pitchFamily="49" charset="0"/>
               </a:rPr>
-              <a:t>any</a:t>
-            </a:r>
-            <a:r>
-              <a:rPr lang="nl-NL" sz="1400" dirty="0">
+              <a:t>uncomfortable</a:t>
+            </a:r>
+            <a:r>
+              <a:rPr lang="nl-NL" sz="1400" dirty="0" smtClean="0">
                 <a:latin typeface="Courier New" panose="02070309020205020404" pitchFamily="49" charset="0"/>
                 <a:cs typeface="Courier New" panose="02070309020205020404" pitchFamily="49" charset="0"/>
               </a:rPr>
               <a:t> </a:t>
             </a:r>
             <a:r>
+              <a:rPr lang="nl-NL" sz="1400" dirty="0" err="1" smtClean="0">
+                <a:latin typeface="Courier New" panose="02070309020205020404" pitchFamily="49" charset="0"/>
+                <a:cs typeface="Courier New" panose="02070309020205020404" pitchFamily="49" charset="0"/>
+              </a:rPr>
+              <a:t>answering</a:t>
+            </a:r>
+            <a:r>
               <a:rPr lang="nl-NL" sz="1400" dirty="0" smtClean="0">
                 <a:latin typeface="Courier New" panose="02070309020205020404" pitchFamily="49" charset="0"/>
                 <a:cs typeface="Courier New" panose="02070309020205020404" pitchFamily="49" charset="0"/>
               </a:rPr>
-              <a:t>columns </a:t>
-            </a:r>
-            <a:r>
-              <a:rPr lang="nl-NL" sz="1400" dirty="0" err="1" smtClean="0">
-                <a:latin typeface="Courier New" panose="02070309020205020404" pitchFamily="49" charset="0"/>
-                <a:cs typeface="Courier New" panose="02070309020205020404" pitchFamily="49" charset="0"/>
-              </a:rPr>
-              <a:t>that</a:t>
-            </a:r>
-            <a:r>
-              <a:rPr lang="nl-NL" sz="1400" dirty="0" smtClean="0">
-                <a:latin typeface="Courier New" panose="02070309020205020404" pitchFamily="49" charset="0"/>
-                <a:cs typeface="Courier New" panose="02070309020205020404" pitchFamily="49" charset="0"/>
-              </a:rPr>
-              <a:t> </a:t>
-            </a:r>
-            <a:r>
-              <a:rPr lang="nl-NL" sz="1400" dirty="0" err="1" smtClean="0">
-                <a:latin typeface="Courier New" panose="02070309020205020404" pitchFamily="49" charset="0"/>
-                <a:cs typeface="Courier New" panose="02070309020205020404" pitchFamily="49" charset="0"/>
-              </a:rPr>
-              <a:t>your</a:t>
-            </a:r>
-            <a:r>
-              <a:rPr lang="nl-NL" sz="1400" dirty="0" smtClean="0">
-                <a:latin typeface="Courier New" panose="02070309020205020404" pitchFamily="49" charset="0"/>
-                <a:cs typeface="Courier New" panose="02070309020205020404" pitchFamily="49" charset="0"/>
-              </a:rPr>
-              <a:t> feel </a:t>
-            </a:r>
-            <a:r>
-              <a:rPr lang="nl-NL" sz="1400" dirty="0" err="1" smtClean="0">
-                <a:latin typeface="Courier New" panose="02070309020205020404" pitchFamily="49" charset="0"/>
-                <a:cs typeface="Courier New" panose="02070309020205020404" pitchFamily="49" charset="0"/>
-              </a:rPr>
-              <a:t>uncomfortable</a:t>
-            </a:r>
-            <a:r>
-              <a:rPr lang="nl-NL" sz="1400" dirty="0" smtClean="0">
-                <a:latin typeface="Courier New" panose="02070309020205020404" pitchFamily="49" charset="0"/>
-                <a:cs typeface="Courier New" panose="02070309020205020404" pitchFamily="49" charset="0"/>
-              </a:rPr>
-              <a:t> </a:t>
-            </a:r>
-            <a:r>
-              <a:rPr lang="nl-NL" sz="1400" dirty="0" err="1" smtClean="0">
-                <a:latin typeface="Courier New" panose="02070309020205020404" pitchFamily="49" charset="0"/>
-                <a:cs typeface="Courier New" panose="02070309020205020404" pitchFamily="49" charset="0"/>
-              </a:rPr>
-              <a:t>answering</a:t>
-            </a:r>
-            <a:r>
-              <a:rPr lang="nl-NL" sz="1400" dirty="0" smtClean="0">
-                <a:latin typeface="Courier New" panose="02070309020205020404" pitchFamily="49" charset="0"/>
-                <a:cs typeface="Courier New" panose="02070309020205020404" pitchFamily="49" charset="0"/>
-              </a:rPr>
               <a:t>.</a:t>
             </a:r>
-            <a:endParaRPr lang="nl-NL" sz="1400" dirty="0" smtClean="0">
-              <a:latin typeface="Courier New" panose="02070309020205020404" pitchFamily="49" charset="0"/>
-              <a:cs typeface="Courier New" panose="02070309020205020404" pitchFamily="49" charset="0"/>
-            </a:endParaRPr>
           </a:p>
           <a:p>
             <a:pPr>
@@ -19139,6 +19242,13 @@
   <p:clrMapOvr>
     <a:masterClrMapping/>
   </p:clrMapOvr>
+  <p:timing>
+    <p:tnLst>
+      <p:par>
+        <p:cTn id="1" dur="indefinite" restart="never" nodeType="tmRoot"/>
+      </p:par>
+    </p:tnLst>
+  </p:timing>
 </p:sld>
 </file>
 
@@ -19175,20 +19285,8 @@
           <a:lstStyle/>
           <a:p>
             <a:r>
-              <a:rPr lang="nl-NL" dirty="0" err="1" smtClean="0"/>
-              <a:t>Population</a:t>
-            </a:r>
-            <a:r>
               <a:rPr lang="nl-NL" dirty="0" smtClean="0"/>
-              <a:t> </a:t>
-            </a:r>
-            <a:r>
-              <a:rPr lang="nl-NL" dirty="0" err="1" smtClean="0"/>
-              <a:t>and</a:t>
-            </a:r>
-            <a:r>
-              <a:rPr lang="nl-NL" dirty="0" smtClean="0"/>
-              <a:t> sample</a:t>
+              <a:t>Image credit</a:t>
             </a:r>
             <a:endParaRPr lang="nl-NL" dirty="0"/>
           </a:p>
@@ -19207,7 +19305,7 @@
         <p:spPr>
           <a:xfrm>
             <a:off x="762000" y="1762125"/>
-            <a:ext cx="7881938" cy="3859518"/>
+            <a:ext cx="7881938" cy="2677656"/>
           </a:xfrm>
         </p:spPr>
         <p:txBody>
@@ -19216,50 +19314,7 @@
           <a:p>
             <a:r>
               <a:rPr lang="nl-NL" sz="2400" dirty="0" err="1" smtClean="0"/>
-              <a:t>Population</a:t>
-            </a:r>
-            <a:r>
-              <a:rPr lang="nl-NL" sz="2400" dirty="0" smtClean="0"/>
-              <a:t> is the </a:t>
-            </a:r>
-            <a:r>
-              <a:rPr lang="nl-NL" sz="2400" dirty="0" err="1" smtClean="0"/>
-              <a:t>group</a:t>
-            </a:r>
-            <a:r>
-              <a:rPr lang="nl-NL" sz="2400" dirty="0" smtClean="0"/>
-              <a:t> of </a:t>
-            </a:r>
-            <a:r>
-              <a:rPr lang="nl-NL" sz="2400" dirty="0" err="1" smtClean="0"/>
-              <a:t>individuals</a:t>
-            </a:r>
-            <a:r>
-              <a:rPr lang="nl-NL" sz="2400" dirty="0" smtClean="0"/>
-              <a:t> (</a:t>
-            </a:r>
-            <a:r>
-              <a:rPr lang="nl-NL" sz="2400" dirty="0" err="1" smtClean="0"/>
-              <a:t>people</a:t>
-            </a:r>
-            <a:r>
-              <a:rPr lang="nl-NL" sz="2400" dirty="0" smtClean="0"/>
-              <a:t>, companies) </a:t>
-            </a:r>
-            <a:r>
-              <a:rPr lang="nl-NL" sz="2400" dirty="0" err="1" smtClean="0"/>
-              <a:t>that</a:t>
-            </a:r>
-            <a:r>
-              <a:rPr lang="nl-NL" sz="2400" dirty="0" smtClean="0"/>
-              <a:t> are the topic of the research</a:t>
-            </a:r>
-          </a:p>
-          <a:p>
-            <a:pPr lvl="1"/>
-            <a:r>
-              <a:rPr lang="nl-NL" sz="2400" dirty="0" err="1" smtClean="0"/>
-              <a:t>Not</a:t>
+              <a:t>Fitbit</a:t>
             </a:r>
             <a:r>
               <a:rPr lang="nl-NL" sz="2400" dirty="0" smtClean="0"/>
@@ -19267,7 +19322,21 @@
             </a:r>
             <a:r>
               <a:rPr lang="nl-NL" sz="2400" dirty="0" err="1" smtClean="0"/>
-              <a:t>always</a:t>
+              <a:t>by</a:t>
+            </a:r>
+            <a:r>
+              <a:rPr lang="nl-NL" sz="2400" dirty="0" smtClean="0"/>
+              <a:t> eVidaSana.com (CC-BY)</a:t>
+            </a:r>
+          </a:p>
+          <a:p>
+            <a:r>
+              <a:rPr lang="nl-NL" sz="2400" dirty="0" smtClean="0"/>
+              <a:t>France </a:t>
+            </a:r>
+            <a:r>
+              <a:rPr lang="nl-NL" sz="2400" dirty="0" err="1" smtClean="0"/>
+              <a:t>by</a:t>
             </a:r>
             <a:r>
               <a:rPr lang="nl-NL" sz="2400" dirty="0" smtClean="0"/>
@@ -19275,7 +19344,21 @@
             </a:r>
             <a:r>
               <a:rPr lang="nl-NL" sz="2400" dirty="0" err="1" smtClean="0"/>
-              <a:t>clearly</a:t>
+              <a:t>Historicair</a:t>
+            </a:r>
+            <a:r>
+              <a:rPr lang="nl-NL" sz="2400" dirty="0" smtClean="0"/>
+              <a:t> (PD)</a:t>
+            </a:r>
+          </a:p>
+          <a:p>
+            <a:r>
+              <a:rPr lang="nl-NL" sz="2400" dirty="0" smtClean="0"/>
+              <a:t>Random </a:t>
+            </a:r>
+            <a:r>
+              <a:rPr lang="nl-NL" sz="2400" dirty="0" err="1" smtClean="0"/>
+              <a:t>Forest</a:t>
             </a:r>
             <a:r>
               <a:rPr lang="nl-NL" sz="2400" dirty="0" smtClean="0"/>
@@ -19283,21 +19366,7 @@
             </a:r>
             <a:r>
               <a:rPr lang="nl-NL" sz="2400" dirty="0" err="1" smtClean="0"/>
-              <a:t>defined</a:t>
-            </a:r>
-            <a:endParaRPr lang="nl-NL" sz="2400" dirty="0" smtClean="0"/>
-          </a:p>
-          <a:p>
-            <a:endParaRPr lang="nl-NL" sz="2400" dirty="0" smtClean="0"/>
-          </a:p>
-          <a:p>
-            <a:r>
-              <a:rPr lang="nl-NL" sz="2400" dirty="0" smtClean="0"/>
-              <a:t>Sample: part of </a:t>
-            </a:r>
-            <a:r>
-              <a:rPr lang="nl-NL" sz="2400" dirty="0" err="1" smtClean="0"/>
-              <a:t>population</a:t>
+              <a:t>by</a:t>
             </a:r>
             <a:r>
               <a:rPr lang="nl-NL" sz="2400" dirty="0" smtClean="0"/>
@@ -19305,22 +19374,7 @@
             </a:r>
             <a:r>
               <a:rPr lang="nl-NL" sz="2400" dirty="0" err="1" smtClean="0"/>
-              <a:t>included</a:t>
-            </a:r>
-            <a:r>
-              <a:rPr lang="nl-NL" sz="2400" dirty="0" smtClean="0"/>
-              <a:t> in research</a:t>
-            </a:r>
-          </a:p>
-          <a:p>
-            <a:pPr lvl="1"/>
-            <a:r>
-              <a:rPr lang="nl-NL" sz="2400" dirty="0" smtClean="0"/>
-              <a:t>Random sampling </a:t>
-            </a:r>
-            <a:r>
-              <a:rPr lang="nl-NL" sz="2400" dirty="0" err="1" smtClean="0"/>
-              <a:t>often</a:t>
+              <a:t>Venkata</a:t>
             </a:r>
             <a:r>
               <a:rPr lang="nl-NL" sz="2400" dirty="0" smtClean="0"/>
@@ -19328,15 +19382,17 @@
             </a:r>
             <a:r>
               <a:rPr lang="nl-NL" sz="2400" dirty="0" err="1" smtClean="0"/>
-              <a:t>preferable</a:t>
+              <a:t>Jagannath</a:t>
             </a:r>
             <a:r>
               <a:rPr lang="nl-NL" sz="2400" dirty="0" smtClean="0"/>
-              <a:t> (</a:t>
-            </a:r>
+              <a:t> (CC-BY-SA)</a:t>
+            </a:r>
+          </a:p>
+          <a:p>
             <a:r>
               <a:rPr lang="nl-NL" sz="2400" dirty="0" err="1" smtClean="0"/>
-              <a:t>often</a:t>
+              <a:t>Boxplot</a:t>
             </a:r>
             <a:r>
               <a:rPr lang="nl-NL" sz="2400" dirty="0" smtClean="0"/>
@@ -19344,33 +19400,35 @@
             </a:r>
             <a:r>
               <a:rPr lang="nl-NL" sz="2400" dirty="0" err="1" smtClean="0"/>
-              <a:t>not</a:t>
+              <a:t>by</a:t>
             </a:r>
             <a:r>
               <a:rPr lang="nl-NL" sz="2400" dirty="0" smtClean="0"/>
-              <a:t>  </a:t>
-            </a:r>
+              <a:t> Ruediger85 (CC-BY-SA)</a:t>
+            </a:r>
+          </a:p>
+          <a:p>
             <a:r>
               <a:rPr lang="nl-NL" sz="2400" dirty="0" err="1" smtClean="0"/>
-              <a:t>possible</a:t>
+              <a:t>Density</a:t>
             </a:r>
             <a:r>
               <a:rPr lang="nl-NL" sz="2400" dirty="0" smtClean="0"/>
-              <a:t>)</a:t>
-            </a:r>
-            <a:endParaRPr lang="nl-NL" sz="2400" dirty="0"/>
-          </a:p>
-          <a:p>
-            <a:endParaRPr lang="nl-NL" sz="2400" dirty="0" smtClean="0"/>
-          </a:p>
-          <a:p>
+              <a:t> plot </a:t>
+            </a:r>
+            <a:r>
+              <a:rPr lang="nl-NL" sz="2400" dirty="0" err="1" smtClean="0"/>
+              <a:t>by</a:t>
+            </a:r>
             <a:r>
               <a:rPr lang="nl-NL" sz="2400" dirty="0" smtClean="0"/>
-              <a:t>Sample bias: bias </a:t>
-            </a:r>
+              <a:t> Jake (CC-BY)</a:t>
+            </a:r>
+          </a:p>
+          <a:p>
             <a:r>
               <a:rPr lang="nl-NL" sz="2400" dirty="0" err="1" smtClean="0"/>
-              <a:t>due</a:t>
+              <a:t>Normal</a:t>
             </a:r>
             <a:r>
               <a:rPr lang="nl-NL" sz="2400" dirty="0" smtClean="0"/>
@@ -19378,11 +19436,27 @@
             </a:r>
             <a:r>
               <a:rPr lang="nl-NL" sz="2400" dirty="0" err="1" smtClean="0"/>
-              <a:t>to</a:t>
+              <a:t>distribution</a:t>
             </a:r>
             <a:r>
               <a:rPr lang="nl-NL" sz="2400" dirty="0" smtClean="0"/>
-              <a:t> non-random sampling</a:t>
+              <a:t> </a:t>
+            </a:r>
+            <a:r>
+              <a:rPr lang="nl-NL" sz="2400" dirty="0" err="1" smtClean="0"/>
+              <a:t>by</a:t>
+            </a:r>
+            <a:r>
+              <a:rPr lang="nl-NL" sz="2400" dirty="0" smtClean="0"/>
+              <a:t> </a:t>
+            </a:r>
+            <a:r>
+              <a:rPr lang="nl-NL" sz="2400" dirty="0" err="1" smtClean="0"/>
+              <a:t>Heds</a:t>
+            </a:r>
+            <a:r>
+              <a:rPr lang="nl-NL" sz="2400" dirty="0" smtClean="0"/>
+              <a:t> 1 (PD)</a:t>
             </a:r>
             <a:endParaRPr lang="nl-NL" sz="2400" dirty="0"/>
           </a:p>
@@ -19391,1360 +19465,20 @@
     </p:spTree>
     <p:extLst>
       <p:ext uri="{BB962C8B-B14F-4D97-AF65-F5344CB8AC3E}">
-        <p14:creationId xmlns:p14="http://schemas.microsoft.com/office/powerpoint/2010/main" val="1451551175"/>
+        <p14:creationId xmlns:p14="http://schemas.microsoft.com/office/powerpoint/2010/main" val="882192129"/>
       </p:ext>
     </p:extLst>
   </p:cSld>
   <p:clrMapOvr>
     <a:masterClrMapping/>
   </p:clrMapOvr>
-</p:sld>
-</file>
-
-<file path=ppt/slides/slide26.xml><?xml version="1.0" encoding="utf-8"?>
-<p:sld xmlns:a="http://schemas.openxmlformats.org/drawingml/2006/main" xmlns:r="http://schemas.openxmlformats.org/officeDocument/2006/relationships" xmlns:p="http://schemas.openxmlformats.org/presentationml/2006/main">
-  <p:cSld>
-    <p:spTree>
-      <p:nvGrpSpPr>
-        <p:cNvPr id="1" name=""/>
-        <p:cNvGrpSpPr/>
-        <p:nvPr/>
-      </p:nvGrpSpPr>
-      <p:grpSpPr>
-        <a:xfrm>
-          <a:off x="0" y="0"/>
-          <a:ext cx="0" cy="0"/>
-          <a:chOff x="0" y="0"/>
-          <a:chExt cx="0" cy="0"/>
-        </a:xfrm>
-      </p:grpSpPr>
-      <p:sp>
-        <p:nvSpPr>
-          <p:cNvPr id="2" name="Titel 1"/>
-          <p:cNvSpPr>
-            <a:spLocks noGrp="1"/>
-          </p:cNvSpPr>
-          <p:nvPr>
-            <p:ph type="title"/>
-          </p:nvPr>
-        </p:nvSpPr>
-        <p:spPr/>
-        <p:txBody>
-          <a:bodyPr/>
-          <a:lstStyle/>
-          <a:p>
-            <a:r>
-              <a:rPr lang="nl-NL" dirty="0" err="1" smtClean="0"/>
-              <a:t>Notation</a:t>
-            </a:r>
-            <a:endParaRPr lang="nl-NL" dirty="0"/>
-          </a:p>
-        </p:txBody>
-      </p:sp>
-      <p:sp>
-        <p:nvSpPr>
-          <p:cNvPr id="3" name="Tijdelijke aanduiding voor inhoud 2"/>
-          <p:cNvSpPr>
-            <a:spLocks noGrp="1"/>
-          </p:cNvSpPr>
-          <p:nvPr>
-            <p:ph idx="1"/>
-          </p:nvPr>
-        </p:nvSpPr>
-        <p:spPr/>
-        <p:txBody>
-          <a:bodyPr/>
-          <a:lstStyle/>
-          <a:p>
-            <a:endParaRPr lang="nl-NL"/>
-          </a:p>
-        </p:txBody>
-      </p:sp>
-      <p:graphicFrame>
-        <p:nvGraphicFramePr>
-          <p:cNvPr id="5" name="Table 16"/>
-          <p:cNvGraphicFramePr>
-            <a:graphicFrameLocks noGrp="1"/>
-          </p:cNvGraphicFramePr>
-          <p:nvPr/>
-        </p:nvGraphicFramePr>
-        <p:xfrm>
-          <a:off x="559565" y="1762125"/>
-          <a:ext cx="8286807" cy="3680480"/>
-        </p:xfrm>
-        <a:graphic>
-          <a:graphicData uri="http://schemas.openxmlformats.org/drawingml/2006/table">
-            <a:tbl>
-              <a:tblPr lastCol="1">
-                <a:effectLst>
-                  <a:innerShdw blurRad="63500" dist="50800" dir="13500000">
-                    <a:prstClr val="black">
-                      <a:alpha val="50000"/>
-                    </a:prstClr>
-                  </a:innerShdw>
-                </a:effectLst>
-                <a:tableStyleId>{F5AB1C69-6EDB-4FF4-983F-18BD219EF322}</a:tableStyleId>
-              </a:tblPr>
-              <a:tblGrid>
-                <a:gridCol w="2762269">
-                  <a:extLst>
-                    <a:ext uri="{9D8B030D-6E8A-4147-A177-3AD203B41FA5}">
-                      <a16:colId xmlns:a16="http://schemas.microsoft.com/office/drawing/2014/main" val="20000"/>
-                    </a:ext>
-                  </a:extLst>
-                </a:gridCol>
-                <a:gridCol w="2762269">
-                  <a:extLst>
-                    <a:ext uri="{9D8B030D-6E8A-4147-A177-3AD203B41FA5}">
-                      <a16:colId xmlns:a16="http://schemas.microsoft.com/office/drawing/2014/main" val="20001"/>
-                    </a:ext>
-                  </a:extLst>
-                </a:gridCol>
-                <a:gridCol w="2762269">
-                  <a:extLst>
-                    <a:ext uri="{9D8B030D-6E8A-4147-A177-3AD203B41FA5}">
-                      <a16:colId xmlns:a16="http://schemas.microsoft.com/office/drawing/2014/main" val="20002"/>
-                    </a:ext>
-                  </a:extLst>
-                </a:gridCol>
-              </a:tblGrid>
-              <a:tr h="714380">
-                <a:tc>
-                  <a:txBody>
-                    <a:bodyPr/>
-                    <a:lstStyle/>
-                    <a:p>
-                      <a:r>
-                        <a:rPr lang="nl-NL" sz="2400" dirty="0" err="1" smtClean="0">
-                          <a:solidFill>
-                            <a:schemeClr val="accent1">
-                              <a:lumMod val="50000"/>
-                            </a:schemeClr>
-                          </a:solidFill>
-                        </a:rPr>
-                        <a:t>Measure</a:t>
-                      </a:r>
-                      <a:endParaRPr lang="nl-NL" sz="2400" dirty="0">
-                        <a:solidFill>
-                          <a:schemeClr val="accent1">
-                            <a:lumMod val="50000"/>
-                          </a:schemeClr>
-                        </a:solidFill>
-                      </a:endParaRPr>
-                    </a:p>
-                  </a:txBody>
-                  <a:tcPr anchor="ctr">
-                    <a:solidFill>
-                      <a:srgbClr val="0070C0"/>
-                    </a:solidFill>
-                  </a:tcPr>
-                </a:tc>
-                <a:tc>
-                  <a:txBody>
-                    <a:bodyPr/>
-                    <a:lstStyle/>
-                    <a:p>
-                      <a:pPr algn="ctr"/>
-                      <a:r>
-                        <a:rPr lang="nl-NL" sz="2400" dirty="0" smtClean="0">
-                          <a:solidFill>
-                            <a:schemeClr val="accent1">
-                              <a:lumMod val="50000"/>
-                            </a:schemeClr>
-                          </a:solidFill>
-                        </a:rPr>
-                        <a:t>Sample </a:t>
-                      </a:r>
-                      <a:r>
-                        <a:rPr lang="nl-NL" sz="2400" dirty="0" err="1" smtClean="0">
-                          <a:solidFill>
-                            <a:schemeClr val="accent1">
-                              <a:lumMod val="50000"/>
-                            </a:schemeClr>
-                          </a:solidFill>
-                        </a:rPr>
-                        <a:t>statistic</a:t>
-                      </a:r>
-                      <a:endParaRPr lang="nl-NL" sz="2400" dirty="0">
-                        <a:solidFill>
-                          <a:schemeClr val="accent1">
-                            <a:lumMod val="50000"/>
-                          </a:schemeClr>
-                        </a:solidFill>
-                      </a:endParaRPr>
-                    </a:p>
-                  </a:txBody>
-                  <a:tcPr anchor="ctr">
-                    <a:solidFill>
-                      <a:srgbClr val="0070C0"/>
-                    </a:solidFill>
-                  </a:tcPr>
-                </a:tc>
-                <a:tc>
-                  <a:txBody>
-                    <a:bodyPr/>
-                    <a:lstStyle/>
-                    <a:p>
-                      <a:pPr algn="ctr"/>
-                      <a:r>
-                        <a:rPr lang="nl-NL" sz="2400" b="0" dirty="0" err="1" smtClean="0">
-                          <a:solidFill>
-                            <a:schemeClr val="accent1">
-                              <a:lumMod val="50000"/>
-                            </a:schemeClr>
-                          </a:solidFill>
-                        </a:rPr>
-                        <a:t>Population</a:t>
-                      </a:r>
-                      <a:r>
-                        <a:rPr lang="nl-NL" sz="2400" b="0" dirty="0" smtClean="0">
-                          <a:solidFill>
-                            <a:schemeClr val="accent1">
-                              <a:lumMod val="50000"/>
-                            </a:schemeClr>
-                          </a:solidFill>
-                        </a:rPr>
-                        <a:t> parameter</a:t>
-                      </a:r>
-                      <a:endParaRPr lang="nl-NL" sz="2400" b="0" dirty="0">
-                        <a:solidFill>
-                          <a:schemeClr val="accent1">
-                            <a:lumMod val="50000"/>
-                          </a:schemeClr>
-                        </a:solidFill>
-                      </a:endParaRPr>
-                    </a:p>
-                  </a:txBody>
-                  <a:tcPr anchor="ctr">
-                    <a:solidFill>
-                      <a:srgbClr val="0070C0"/>
-                    </a:solidFill>
-                  </a:tcPr>
-                </a:tc>
-                <a:extLst>
-                  <a:ext uri="{0D108BD9-81ED-4DB2-BD59-A6C34878D82A}">
-                    <a16:rowId xmlns:a16="http://schemas.microsoft.com/office/drawing/2014/main" val="10000"/>
-                  </a:ext>
-                </a:extLst>
-              </a:tr>
-              <a:tr h="714380">
-                <a:tc>
-                  <a:txBody>
-                    <a:bodyPr/>
-                    <a:lstStyle/>
-                    <a:p>
-                      <a:r>
-                        <a:rPr lang="nl-NL" sz="2400" dirty="0" smtClean="0"/>
-                        <a:t>Mean</a:t>
-                      </a:r>
-                      <a:endParaRPr lang="nl-NL" sz="2400" dirty="0"/>
-                    </a:p>
-                  </a:txBody>
-                  <a:tcPr anchor="ctr">
-                    <a:solidFill>
-                      <a:schemeClr val="accent1">
-                        <a:lumMod val="60000"/>
-                        <a:lumOff val="40000"/>
-                      </a:schemeClr>
-                    </a:solidFill>
-                  </a:tcPr>
-                </a:tc>
-                <a:tc>
-                  <a:txBody>
-                    <a:bodyPr/>
-                    <a:lstStyle/>
-                    <a:p>
-                      <a:pPr marL="0" marR="0" indent="0" algn="ctr" defTabSz="914400" rtl="0" eaLnBrk="1" fontAlgn="auto" latinLnBrk="0" hangingPunct="1">
-                        <a:lnSpc>
-                          <a:spcPct val="100000"/>
-                        </a:lnSpc>
-                        <a:spcBef>
-                          <a:spcPts val="0"/>
-                        </a:spcBef>
-                        <a:spcAft>
-                          <a:spcPts val="0"/>
-                        </a:spcAft>
-                        <a:buClrTx/>
-                        <a:buSzTx/>
-                        <a:buFontTx/>
-                        <a:buNone/>
-                        <a:tabLst/>
-                        <a:defRPr/>
-                      </a:pPr>
-                      <a:endParaRPr lang="nl-NL" sz="2400" dirty="0"/>
-                    </a:p>
-                  </a:txBody>
-                  <a:tcPr anchor="ctr">
-                    <a:solidFill>
-                      <a:schemeClr val="accent1">
-                        <a:lumMod val="20000"/>
-                        <a:lumOff val="80000"/>
-                      </a:schemeClr>
-                    </a:solidFill>
-                  </a:tcPr>
-                </a:tc>
-                <a:tc>
-                  <a:txBody>
-                    <a:bodyPr/>
-                    <a:lstStyle/>
-                    <a:p>
-                      <a:pPr algn="ctr"/>
-                      <a:r>
-                        <a:rPr lang="el-GR" sz="2400" b="0" dirty="0" smtClean="0">
-                          <a:solidFill>
-                            <a:schemeClr val="tx1"/>
-                          </a:solidFill>
-                          <a:latin typeface="Calibri"/>
-                        </a:rPr>
-                        <a:t>μ</a:t>
-                      </a:r>
-                      <a:endParaRPr lang="nl-NL" sz="2400" b="0" dirty="0">
-                        <a:solidFill>
-                          <a:schemeClr val="tx1"/>
-                        </a:solidFill>
-                      </a:endParaRPr>
-                    </a:p>
-                  </a:txBody>
-                  <a:tcPr anchor="ctr">
-                    <a:solidFill>
-                      <a:schemeClr val="accent1">
-                        <a:lumMod val="20000"/>
-                        <a:lumOff val="80000"/>
-                      </a:schemeClr>
-                    </a:solidFill>
-                  </a:tcPr>
-                </a:tc>
-                <a:extLst>
-                  <a:ext uri="{0D108BD9-81ED-4DB2-BD59-A6C34878D82A}">
-                    <a16:rowId xmlns:a16="http://schemas.microsoft.com/office/drawing/2014/main" val="10001"/>
-                  </a:ext>
-                </a:extLst>
-              </a:tr>
-              <a:tr h="714380">
-                <a:tc>
-                  <a:txBody>
-                    <a:bodyPr/>
-                    <a:lstStyle/>
-                    <a:p>
-                      <a:r>
-                        <a:rPr lang="nl-NL" sz="2400" dirty="0" smtClean="0"/>
-                        <a:t>Standard </a:t>
-                      </a:r>
-                      <a:r>
-                        <a:rPr lang="nl-NL" sz="2400" dirty="0" err="1" smtClean="0"/>
-                        <a:t>deviation</a:t>
-                      </a:r>
-                      <a:endParaRPr lang="nl-NL" sz="2400" dirty="0"/>
-                    </a:p>
-                  </a:txBody>
-                  <a:tcPr anchor="ctr">
-                    <a:solidFill>
-                      <a:schemeClr val="accent1">
-                        <a:lumMod val="60000"/>
-                        <a:lumOff val="40000"/>
-                      </a:schemeClr>
-                    </a:solidFill>
-                  </a:tcPr>
-                </a:tc>
-                <a:tc>
-                  <a:txBody>
-                    <a:bodyPr/>
-                    <a:lstStyle/>
-                    <a:p>
-                      <a:pPr algn="ctr"/>
-                      <a:r>
-                        <a:rPr lang="nl-NL" sz="2400" dirty="0" smtClean="0"/>
-                        <a:t>s</a:t>
-                      </a:r>
-                      <a:endParaRPr lang="nl-NL" sz="2400" dirty="0"/>
-                    </a:p>
-                  </a:txBody>
-                  <a:tcPr anchor="ctr">
-                    <a:solidFill>
-                      <a:schemeClr val="accent1">
-                        <a:lumMod val="20000"/>
-                        <a:lumOff val="80000"/>
-                      </a:schemeClr>
-                    </a:solidFill>
-                  </a:tcPr>
-                </a:tc>
-                <a:tc>
-                  <a:txBody>
-                    <a:bodyPr/>
-                    <a:lstStyle/>
-                    <a:p>
-                      <a:pPr algn="ctr"/>
-                      <a:r>
-                        <a:rPr lang="el-GR" sz="2400" b="0" dirty="0" smtClean="0">
-                          <a:solidFill>
-                            <a:schemeClr val="tx1"/>
-                          </a:solidFill>
-                          <a:latin typeface="Calibri"/>
-                        </a:rPr>
-                        <a:t>σ</a:t>
-                      </a:r>
-                      <a:endParaRPr lang="nl-NL" sz="2400" b="0" dirty="0">
-                        <a:solidFill>
-                          <a:schemeClr val="tx1"/>
-                        </a:solidFill>
-                      </a:endParaRPr>
-                    </a:p>
-                  </a:txBody>
-                  <a:tcPr anchor="ctr">
-                    <a:solidFill>
-                      <a:schemeClr val="accent1">
-                        <a:lumMod val="20000"/>
-                        <a:lumOff val="80000"/>
-                      </a:schemeClr>
-                    </a:solidFill>
-                  </a:tcPr>
-                </a:tc>
-                <a:extLst>
-                  <a:ext uri="{0D108BD9-81ED-4DB2-BD59-A6C34878D82A}">
-                    <a16:rowId xmlns:a16="http://schemas.microsoft.com/office/drawing/2014/main" val="10002"/>
-                  </a:ext>
-                </a:extLst>
-              </a:tr>
-              <a:tr h="714380">
-                <a:tc>
-                  <a:txBody>
-                    <a:bodyPr/>
-                    <a:lstStyle/>
-                    <a:p>
-                      <a:r>
-                        <a:rPr lang="nl-NL" sz="2400" dirty="0" err="1" smtClean="0"/>
-                        <a:t>Variance</a:t>
-                      </a:r>
-                      <a:endParaRPr lang="nl-NL" sz="2400" dirty="0"/>
-                    </a:p>
-                  </a:txBody>
-                  <a:tcPr anchor="ctr">
-                    <a:solidFill>
-                      <a:schemeClr val="accent1">
-                        <a:lumMod val="60000"/>
-                        <a:lumOff val="40000"/>
-                      </a:schemeClr>
-                    </a:solidFill>
-                  </a:tcPr>
-                </a:tc>
-                <a:tc>
-                  <a:txBody>
-                    <a:bodyPr/>
-                    <a:lstStyle/>
-                    <a:p>
-                      <a:pPr algn="ctr"/>
-                      <a:r>
-                        <a:rPr lang="nl-NL" sz="2400" dirty="0" smtClean="0"/>
-                        <a:t>s</a:t>
-                      </a:r>
-                      <a:r>
-                        <a:rPr lang="nl-NL" sz="2400" baseline="30000" dirty="0" smtClean="0"/>
-                        <a:t>2</a:t>
-                      </a:r>
-                      <a:endParaRPr lang="nl-NL" sz="2400" baseline="30000" dirty="0"/>
-                    </a:p>
-                  </a:txBody>
-                  <a:tcPr anchor="ctr">
-                    <a:solidFill>
-                      <a:schemeClr val="accent1">
-                        <a:lumMod val="20000"/>
-                        <a:lumOff val="80000"/>
-                      </a:schemeClr>
-                    </a:solidFill>
-                  </a:tcPr>
-                </a:tc>
-                <a:tc>
-                  <a:txBody>
-                    <a:bodyPr/>
-                    <a:lstStyle/>
-                    <a:p>
-                      <a:pPr algn="ctr"/>
-                      <a:r>
-                        <a:rPr lang="el-GR" sz="2400" b="0" dirty="0" smtClean="0">
-                          <a:solidFill>
-                            <a:schemeClr val="tx1"/>
-                          </a:solidFill>
-                          <a:latin typeface="Calibri"/>
-                        </a:rPr>
-                        <a:t>σ</a:t>
-                      </a:r>
-                      <a:r>
-                        <a:rPr lang="nl-NL" sz="2400" b="0" baseline="30000" dirty="0" smtClean="0">
-                          <a:solidFill>
-                            <a:schemeClr val="tx1"/>
-                          </a:solidFill>
-                          <a:latin typeface="Calibri"/>
-                        </a:rPr>
-                        <a:t>2</a:t>
-                      </a:r>
-                      <a:endParaRPr lang="nl-NL" sz="2400" b="0" baseline="30000" dirty="0">
-                        <a:solidFill>
-                          <a:schemeClr val="tx1"/>
-                        </a:solidFill>
-                      </a:endParaRPr>
-                    </a:p>
-                  </a:txBody>
-                  <a:tcPr anchor="ctr">
-                    <a:solidFill>
-                      <a:schemeClr val="accent1">
-                        <a:lumMod val="20000"/>
-                        <a:lumOff val="80000"/>
-                      </a:schemeClr>
-                    </a:solidFill>
-                  </a:tcPr>
-                </a:tc>
-                <a:extLst>
-                  <a:ext uri="{0D108BD9-81ED-4DB2-BD59-A6C34878D82A}">
-                    <a16:rowId xmlns:a16="http://schemas.microsoft.com/office/drawing/2014/main" val="10003"/>
-                  </a:ext>
-                </a:extLst>
-              </a:tr>
-              <a:tr h="714380">
-                <a:tc>
-                  <a:txBody>
-                    <a:bodyPr/>
-                    <a:lstStyle/>
-                    <a:p>
-                      <a:r>
-                        <a:rPr lang="nl-NL" sz="2400" dirty="0" err="1" smtClean="0"/>
-                        <a:t>Size</a:t>
-                      </a:r>
-                      <a:endParaRPr lang="nl-NL" sz="2400" dirty="0"/>
-                    </a:p>
-                  </a:txBody>
-                  <a:tcPr anchor="ctr">
-                    <a:solidFill>
-                      <a:schemeClr val="accent1">
-                        <a:lumMod val="60000"/>
-                        <a:lumOff val="40000"/>
-                      </a:schemeClr>
-                    </a:solidFill>
-                  </a:tcPr>
-                </a:tc>
-                <a:tc>
-                  <a:txBody>
-                    <a:bodyPr/>
-                    <a:lstStyle/>
-                    <a:p>
-                      <a:pPr algn="ctr"/>
-                      <a:r>
-                        <a:rPr lang="nl-NL" sz="2400" dirty="0" smtClean="0"/>
-                        <a:t>n</a:t>
-                      </a:r>
-                      <a:endParaRPr lang="nl-NL" sz="2400" dirty="0"/>
-                    </a:p>
-                  </a:txBody>
-                  <a:tcPr anchor="ctr">
-                    <a:solidFill>
-                      <a:schemeClr val="accent1">
-                        <a:lumMod val="20000"/>
-                        <a:lumOff val="80000"/>
-                      </a:schemeClr>
-                    </a:solidFill>
-                  </a:tcPr>
-                </a:tc>
-                <a:tc>
-                  <a:txBody>
-                    <a:bodyPr/>
-                    <a:lstStyle/>
-                    <a:p>
-                      <a:pPr algn="ctr"/>
-                      <a:r>
-                        <a:rPr lang="nl-NL" sz="2400" b="0" dirty="0" smtClean="0">
-                          <a:solidFill>
-                            <a:schemeClr val="tx1"/>
-                          </a:solidFill>
-                        </a:rPr>
-                        <a:t>N</a:t>
-                      </a:r>
-                      <a:endParaRPr lang="nl-NL" sz="2400" b="0" dirty="0">
-                        <a:solidFill>
-                          <a:schemeClr val="tx1"/>
-                        </a:solidFill>
-                      </a:endParaRPr>
-                    </a:p>
-                  </a:txBody>
-                  <a:tcPr anchor="ctr">
-                    <a:solidFill>
-                      <a:schemeClr val="accent1">
-                        <a:lumMod val="20000"/>
-                        <a:lumOff val="80000"/>
-                      </a:schemeClr>
-                    </a:solidFill>
-                  </a:tcPr>
-                </a:tc>
-                <a:extLst>
-                  <a:ext uri="{0D108BD9-81ED-4DB2-BD59-A6C34878D82A}">
-                    <a16:rowId xmlns:a16="http://schemas.microsoft.com/office/drawing/2014/main" val="10004"/>
-                  </a:ext>
-                </a:extLst>
-              </a:tr>
-            </a:tbl>
-          </a:graphicData>
-        </a:graphic>
-      </p:graphicFrame>
-      <p:pic>
-        <p:nvPicPr>
-          <p:cNvPr id="6" name="Picture 6"/>
-          <p:cNvPicPr>
-            <a:picLocks noChangeAspect="1" noChangeArrowheads="1"/>
-          </p:cNvPicPr>
-          <p:nvPr/>
-        </p:nvPicPr>
-        <p:blipFill>
-          <a:blip r:embed="rId2" cstate="print"/>
-          <a:srcRect/>
-          <a:stretch>
-            <a:fillRect/>
-          </a:stretch>
-        </p:blipFill>
-        <p:spPr bwMode="auto">
-          <a:xfrm>
-            <a:off x="4579143" y="2780506"/>
-            <a:ext cx="247650" cy="295275"/>
-          </a:xfrm>
-          <a:prstGeom prst="rect">
-            <a:avLst/>
-          </a:prstGeom>
-          <a:noFill/>
-          <a:ln w="9525">
-            <a:noFill/>
-            <a:miter lim="800000"/>
-            <a:headEnd/>
-            <a:tailEnd/>
-          </a:ln>
-        </p:spPr>
-      </p:pic>
-    </p:spTree>
-    <p:extLst>
-      <p:ext uri="{BB962C8B-B14F-4D97-AF65-F5344CB8AC3E}">
-        <p14:creationId xmlns:p14="http://schemas.microsoft.com/office/powerpoint/2010/main" val="51197057"/>
-      </p:ext>
-    </p:extLst>
-  </p:cSld>
-  <p:clrMapOvr>
-    <a:masterClrMapping/>
-  </p:clrMapOvr>
-</p:sld>
-</file>
-
-<file path=ppt/slides/slide27.xml><?xml version="1.0" encoding="utf-8"?>
-<p:sld xmlns:a="http://schemas.openxmlformats.org/drawingml/2006/main" xmlns:r="http://schemas.openxmlformats.org/officeDocument/2006/relationships" xmlns:p="http://schemas.openxmlformats.org/presentationml/2006/main">
-  <p:cSld>
-    <p:spTree>
-      <p:nvGrpSpPr>
-        <p:cNvPr id="1" name=""/>
-        <p:cNvGrpSpPr/>
-        <p:nvPr/>
-      </p:nvGrpSpPr>
-      <p:grpSpPr>
-        <a:xfrm>
-          <a:off x="0" y="0"/>
-          <a:ext cx="0" cy="0"/>
-          <a:chOff x="0" y="0"/>
-          <a:chExt cx="0" cy="0"/>
-        </a:xfrm>
-      </p:grpSpPr>
-      <p:sp>
-        <p:nvSpPr>
-          <p:cNvPr id="2" name="Titel 1"/>
-          <p:cNvSpPr>
-            <a:spLocks noGrp="1"/>
-          </p:cNvSpPr>
-          <p:nvPr>
-            <p:ph type="title"/>
-          </p:nvPr>
-        </p:nvSpPr>
-        <p:spPr>
-          <a:xfrm>
-            <a:off x="838200" y="604263"/>
-            <a:ext cx="6172200" cy="584775"/>
-          </a:xfrm>
-        </p:spPr>
-        <p:txBody>
-          <a:bodyPr/>
-          <a:lstStyle/>
-          <a:p>
-            <a:r>
-              <a:rPr lang="nl-NL" dirty="0" err="1" smtClean="0"/>
-              <a:t>Normal</a:t>
-            </a:r>
-            <a:r>
-              <a:rPr lang="nl-NL" dirty="0" smtClean="0"/>
-              <a:t> </a:t>
-            </a:r>
-            <a:r>
-              <a:rPr lang="nl-NL" dirty="0" err="1" smtClean="0"/>
-              <a:t>distribution</a:t>
-            </a:r>
-            <a:endParaRPr lang="nl-NL" dirty="0"/>
-          </a:p>
-        </p:txBody>
-      </p:sp>
-      <p:pic>
-        <p:nvPicPr>
-          <p:cNvPr id="5" name="Tijdelijke aanduiding voor inhoud 4"/>
-          <p:cNvPicPr>
-            <a:picLocks noGrp="1" noChangeAspect="1"/>
-          </p:cNvPicPr>
-          <p:nvPr>
-            <p:ph idx="1"/>
-          </p:nvPr>
-        </p:nvPicPr>
-        <p:blipFill>
-          <a:blip r:embed="rId2" cstate="print">
-            <a:extLst>
-              <a:ext uri="{28A0092B-C50C-407E-A947-70E740481C1C}">
-                <a14:useLocalDpi xmlns:a14="http://schemas.microsoft.com/office/drawing/2010/main" val="0"/>
-              </a:ext>
-            </a:extLst>
-          </a:blip>
-          <a:stretch>
-            <a:fillRect/>
-          </a:stretch>
-        </p:blipFill>
-        <p:spPr>
-          <a:xfrm>
-            <a:off x="830312" y="1168752"/>
-            <a:ext cx="7164288" cy="5373216"/>
-          </a:xfrm>
-        </p:spPr>
-      </p:pic>
-      <p:pic>
-        <p:nvPicPr>
-          <p:cNvPr id="6" name="Afbeelding 5"/>
-          <p:cNvPicPr>
-            <a:picLocks noChangeAspect="1"/>
-          </p:cNvPicPr>
-          <p:nvPr/>
-        </p:nvPicPr>
-        <p:blipFill>
-          <a:blip r:embed="rId3"/>
-          <a:stretch>
-            <a:fillRect/>
-          </a:stretch>
-        </p:blipFill>
-        <p:spPr>
-          <a:xfrm>
-            <a:off x="5148064" y="1145948"/>
-            <a:ext cx="3927939" cy="1207421"/>
-          </a:xfrm>
-          <a:prstGeom prst="rect">
-            <a:avLst/>
-          </a:prstGeom>
-        </p:spPr>
-      </p:pic>
-    </p:spTree>
-    <p:extLst>
-      <p:ext uri="{BB962C8B-B14F-4D97-AF65-F5344CB8AC3E}">
-        <p14:creationId xmlns:p14="http://schemas.microsoft.com/office/powerpoint/2010/main" val="3579061572"/>
-      </p:ext>
-    </p:extLst>
-  </p:cSld>
-  <p:clrMapOvr>
-    <a:masterClrMapping/>
-  </p:clrMapOvr>
-</p:sld>
-</file>
-
-<file path=ppt/slides/slide28.xml><?xml version="1.0" encoding="utf-8"?>
-<p:sld xmlns:a="http://schemas.openxmlformats.org/drawingml/2006/main" xmlns:r="http://schemas.openxmlformats.org/officeDocument/2006/relationships" xmlns:p="http://schemas.openxmlformats.org/presentationml/2006/main">
-  <p:cSld>
-    <p:spTree>
-      <p:nvGrpSpPr>
-        <p:cNvPr id="1" name=""/>
-        <p:cNvGrpSpPr/>
-        <p:nvPr/>
-      </p:nvGrpSpPr>
-      <p:grpSpPr>
-        <a:xfrm>
-          <a:off x="0" y="0"/>
-          <a:ext cx="0" cy="0"/>
-          <a:chOff x="0" y="0"/>
-          <a:chExt cx="0" cy="0"/>
-        </a:xfrm>
-      </p:grpSpPr>
-      <p:sp>
-        <p:nvSpPr>
-          <p:cNvPr id="2" name="Titel 1"/>
-          <p:cNvSpPr>
-            <a:spLocks noGrp="1"/>
-          </p:cNvSpPr>
-          <p:nvPr>
-            <p:ph type="title"/>
-          </p:nvPr>
-        </p:nvSpPr>
-        <p:spPr>
-          <a:xfrm>
-            <a:off x="838200" y="234931"/>
-            <a:ext cx="6172200" cy="954107"/>
-          </a:xfrm>
-        </p:spPr>
-        <p:txBody>
-          <a:bodyPr/>
-          <a:lstStyle/>
-          <a:p>
-            <a:r>
-              <a:rPr lang="nl-NL" sz="2800" dirty="0" err="1" smtClean="0"/>
-              <a:t>Why</a:t>
-            </a:r>
-            <a:r>
-              <a:rPr lang="nl-NL" sz="2800" dirty="0" smtClean="0"/>
-              <a:t> is the </a:t>
-            </a:r>
-            <a:r>
-              <a:rPr lang="nl-NL" sz="2800" dirty="0" err="1" smtClean="0"/>
-              <a:t>normal</a:t>
-            </a:r>
-            <a:r>
-              <a:rPr lang="nl-NL" sz="2800" dirty="0" smtClean="0"/>
-              <a:t> </a:t>
-            </a:r>
-            <a:r>
-              <a:rPr lang="nl-NL" sz="2800" dirty="0" err="1" smtClean="0"/>
-              <a:t>distribution</a:t>
-            </a:r>
-            <a:r>
-              <a:rPr lang="nl-NL" sz="2800" dirty="0" smtClean="0"/>
-              <a:t> </a:t>
-            </a:r>
-            <a:r>
-              <a:rPr lang="nl-NL" sz="2800" dirty="0" err="1" smtClean="0"/>
-              <a:t>so</a:t>
-            </a:r>
-            <a:r>
-              <a:rPr lang="nl-NL" sz="2800" smtClean="0"/>
-              <a:t> important</a:t>
-            </a:r>
-            <a:r>
-              <a:rPr lang="nl-NL" sz="2800" dirty="0" smtClean="0"/>
-              <a:t>?</a:t>
-            </a:r>
-            <a:endParaRPr lang="nl-NL" sz="2800" dirty="0"/>
-          </a:p>
-        </p:txBody>
-      </p:sp>
-      <p:sp>
-        <p:nvSpPr>
-          <p:cNvPr id="3" name="Tijdelijke aanduiding voor inhoud 2"/>
-          <p:cNvSpPr>
-            <a:spLocks noGrp="1"/>
-          </p:cNvSpPr>
-          <p:nvPr>
-            <p:ph idx="1"/>
-          </p:nvPr>
-        </p:nvSpPr>
-        <p:spPr>
-          <a:xfrm>
-            <a:off x="762000" y="1762125"/>
-            <a:ext cx="7881938" cy="3539430"/>
-          </a:xfrm>
-        </p:spPr>
-        <p:txBody>
-          <a:bodyPr/>
-          <a:lstStyle/>
-          <a:p>
-            <a:r>
-              <a:rPr lang="nl-NL" dirty="0" err="1" smtClean="0"/>
-              <a:t>Some</a:t>
-            </a:r>
-            <a:r>
-              <a:rPr lang="nl-NL" dirty="0" smtClean="0"/>
-              <a:t> </a:t>
-            </a:r>
-            <a:r>
-              <a:rPr lang="nl-NL" dirty="0" err="1" smtClean="0"/>
-              <a:t>distributions</a:t>
-            </a:r>
-            <a:r>
-              <a:rPr lang="nl-NL" dirty="0" smtClean="0"/>
-              <a:t> in real life approach the ND</a:t>
-            </a:r>
-          </a:p>
-          <a:p>
-            <a:endParaRPr lang="nl-NL" dirty="0"/>
-          </a:p>
-          <a:p>
-            <a:r>
-              <a:rPr lang="nl-NL" dirty="0" smtClean="0"/>
-              <a:t>The ND is </a:t>
-            </a:r>
-            <a:r>
-              <a:rPr lang="nl-NL" dirty="0" err="1" smtClean="0"/>
-              <a:t>assumed</a:t>
-            </a:r>
-            <a:r>
-              <a:rPr lang="nl-NL" dirty="0" smtClean="0"/>
-              <a:t> in a lot of </a:t>
-            </a:r>
-            <a:r>
-              <a:rPr lang="nl-NL" dirty="0" err="1" smtClean="0"/>
-              <a:t>statistical</a:t>
-            </a:r>
-            <a:r>
-              <a:rPr lang="nl-NL" dirty="0" smtClean="0"/>
-              <a:t> </a:t>
-            </a:r>
-            <a:r>
-              <a:rPr lang="nl-NL" dirty="0" err="1" smtClean="0"/>
-              <a:t>modelling</a:t>
-            </a:r>
-            <a:endParaRPr lang="nl-NL" dirty="0" smtClean="0"/>
-          </a:p>
-          <a:p>
-            <a:endParaRPr lang="nl-NL" dirty="0"/>
-          </a:p>
-          <a:p>
-            <a:r>
-              <a:rPr lang="nl-NL" dirty="0" smtClean="0"/>
-              <a:t>Central limit </a:t>
-            </a:r>
-            <a:r>
-              <a:rPr lang="nl-NL" dirty="0" err="1" smtClean="0"/>
-              <a:t>theorem</a:t>
-            </a:r>
-            <a:endParaRPr lang="nl-NL" dirty="0"/>
-          </a:p>
-          <a:p>
-            <a:endParaRPr lang="nl-NL" dirty="0"/>
-          </a:p>
-        </p:txBody>
-      </p:sp>
-    </p:spTree>
-    <p:extLst>
-      <p:ext uri="{BB962C8B-B14F-4D97-AF65-F5344CB8AC3E}">
-        <p14:creationId xmlns:p14="http://schemas.microsoft.com/office/powerpoint/2010/main" val="39751665"/>
-      </p:ext>
-    </p:extLst>
-  </p:cSld>
-  <p:clrMapOvr>
-    <a:masterClrMapping/>
-  </p:clrMapOvr>
-</p:sld>
-</file>
-
-<file path=ppt/slides/slide29.xml><?xml version="1.0" encoding="utf-8"?>
-<p:sld xmlns:a="http://schemas.openxmlformats.org/drawingml/2006/main" xmlns:r="http://schemas.openxmlformats.org/officeDocument/2006/relationships" xmlns:p="http://schemas.openxmlformats.org/presentationml/2006/main">
-  <p:cSld>
-    <p:spTree>
-      <p:nvGrpSpPr>
-        <p:cNvPr id="1" name=""/>
-        <p:cNvGrpSpPr/>
-        <p:nvPr/>
-      </p:nvGrpSpPr>
-      <p:grpSpPr>
-        <a:xfrm>
-          <a:off x="0" y="0"/>
-          <a:ext cx="0" cy="0"/>
-          <a:chOff x="0" y="0"/>
-          <a:chExt cx="0" cy="0"/>
-        </a:xfrm>
-      </p:grpSpPr>
-      <p:sp>
-        <p:nvSpPr>
-          <p:cNvPr id="2" name="Titel 1"/>
-          <p:cNvSpPr>
-            <a:spLocks noGrp="1"/>
-          </p:cNvSpPr>
-          <p:nvPr>
-            <p:ph type="title"/>
-          </p:nvPr>
-        </p:nvSpPr>
-        <p:spPr/>
-        <p:txBody>
-          <a:bodyPr/>
-          <a:lstStyle/>
-          <a:p>
-            <a:r>
-              <a:rPr lang="nl-NL" dirty="0" smtClean="0"/>
-              <a:t>Central limit </a:t>
-            </a:r>
-            <a:r>
-              <a:rPr lang="nl-NL" dirty="0" err="1" smtClean="0"/>
-              <a:t>theorem</a:t>
-            </a:r>
-            <a:endParaRPr lang="nl-NL" dirty="0"/>
-          </a:p>
-        </p:txBody>
-      </p:sp>
-      <p:pic>
-        <p:nvPicPr>
-          <p:cNvPr id="4" name="Tijdelijke aanduiding voor inhoud 3"/>
-          <p:cNvPicPr>
-            <a:picLocks noGrp="1" noChangeAspect="1"/>
-          </p:cNvPicPr>
-          <p:nvPr>
-            <p:ph idx="1"/>
-          </p:nvPr>
-        </p:nvPicPr>
-        <p:blipFill>
-          <a:blip r:embed="rId2" cstate="print">
-            <a:extLst>
-              <a:ext uri="{28A0092B-C50C-407E-A947-70E740481C1C}">
-                <a14:useLocalDpi xmlns:a14="http://schemas.microsoft.com/office/drawing/2010/main" val="0"/>
-              </a:ext>
-            </a:extLst>
-          </a:blip>
-          <a:stretch>
-            <a:fillRect/>
-          </a:stretch>
-        </p:blipFill>
-        <p:spPr>
-          <a:xfrm>
-            <a:off x="6732240" y="1340768"/>
-            <a:ext cx="1656184" cy="5243608"/>
-          </a:xfrm>
-        </p:spPr>
-      </p:pic>
-      <p:sp>
-        <p:nvSpPr>
-          <p:cNvPr id="5" name="Tijdelijke aanduiding voor inhoud 2"/>
-          <p:cNvSpPr txBox="1">
-            <a:spLocks/>
-          </p:cNvSpPr>
-          <p:nvPr/>
-        </p:nvSpPr>
-        <p:spPr bwMode="auto">
-          <a:xfrm>
-            <a:off x="762000" y="1762125"/>
-            <a:ext cx="5106144" cy="5780044"/>
-          </a:xfrm>
-          <a:prstGeom prst="rect">
-            <a:avLst/>
-          </a:prstGeom>
-          <a:noFill/>
-          <a:ln w="9525">
-            <a:noFill/>
-            <a:miter lim="800000"/>
-            <a:headEnd/>
-            <a:tailEnd/>
-          </a:ln>
-          <a:effectLst/>
-        </p:spPr>
-        <p:txBody>
-          <a:bodyPr vert="horz" wrap="square" lIns="91440" tIns="45720" rIns="91440" bIns="45720" numCol="1" anchor="t" anchorCtr="0" compatLnSpc="1">
-            <a:prstTxWarp prst="textNoShape">
-              <a:avLst/>
-            </a:prstTxWarp>
-            <a:spAutoFit/>
-          </a:bodyPr>
-          <a:lstStyle>
-            <a:lvl1pPr marL="342900" indent="-342900" algn="l" rtl="0" fontAlgn="base">
-              <a:spcBef>
-                <a:spcPct val="20000"/>
-              </a:spcBef>
-              <a:spcAft>
-                <a:spcPct val="0"/>
-              </a:spcAft>
-              <a:buClr>
-                <a:srgbClr val="ED0010"/>
-              </a:buClr>
-              <a:buSzPct val="60000"/>
-              <a:buFont typeface="Zapf Dingbats" charset="2"/>
-              <a:buChar char="n"/>
-              <a:defRPr sz="2800">
-                <a:solidFill>
-                  <a:srgbClr val="000000"/>
-                </a:solidFill>
-                <a:latin typeface="+mn-lt"/>
-                <a:ea typeface="+mn-ea"/>
-                <a:cs typeface="+mn-cs"/>
-              </a:defRPr>
-            </a:lvl1pPr>
-            <a:lvl2pPr marL="819150" indent="-285750" algn="l" rtl="0" fontAlgn="base">
-              <a:spcBef>
-                <a:spcPct val="20000"/>
-              </a:spcBef>
-              <a:spcAft>
-                <a:spcPct val="0"/>
-              </a:spcAft>
-              <a:buClr>
-                <a:schemeClr val="accent1"/>
-              </a:buClr>
-              <a:buSzPct val="60000"/>
-              <a:buFont typeface="Zapf Dingbats" charset="2"/>
-              <a:buChar char="n"/>
-              <a:defRPr sz="2600">
-                <a:solidFill>
-                  <a:srgbClr val="000000"/>
-                </a:solidFill>
-                <a:latin typeface="+mn-lt"/>
-              </a:defRPr>
-            </a:lvl2pPr>
-            <a:lvl3pPr marL="1143000" indent="-228600" algn="l" rtl="0" fontAlgn="base">
-              <a:spcBef>
-                <a:spcPct val="20000"/>
-              </a:spcBef>
-              <a:spcAft>
-                <a:spcPct val="0"/>
-              </a:spcAft>
-              <a:buClr>
-                <a:schemeClr val="accent1"/>
-              </a:buClr>
-              <a:buSzPct val="60000"/>
-              <a:buFont typeface="Zapf Dingbats" charset="2"/>
-              <a:buChar char="n"/>
-              <a:defRPr sz="2400">
-                <a:solidFill>
-                  <a:srgbClr val="000000"/>
-                </a:solidFill>
-                <a:latin typeface="+mn-lt"/>
-              </a:defRPr>
-            </a:lvl3pPr>
-            <a:lvl4pPr marL="1562100" indent="-228600" algn="l" rtl="0" fontAlgn="base">
-              <a:spcBef>
-                <a:spcPct val="20000"/>
-              </a:spcBef>
-              <a:spcAft>
-                <a:spcPct val="0"/>
-              </a:spcAft>
-              <a:buClr>
-                <a:schemeClr val="accent1"/>
-              </a:buClr>
-              <a:buSzPct val="60000"/>
-              <a:buFont typeface="Zapf Dingbats" charset="2"/>
-              <a:buChar char="n"/>
-              <a:defRPr sz="2200">
-                <a:solidFill>
-                  <a:srgbClr val="000000"/>
-                </a:solidFill>
-                <a:latin typeface="+mn-lt"/>
-              </a:defRPr>
-            </a:lvl4pPr>
-            <a:lvl5pPr marL="1981200" indent="-228600" algn="l" rtl="0" fontAlgn="base">
-              <a:spcBef>
-                <a:spcPct val="20000"/>
-              </a:spcBef>
-              <a:spcAft>
-                <a:spcPct val="0"/>
-              </a:spcAft>
-              <a:buClr>
-                <a:schemeClr val="accent1"/>
-              </a:buClr>
-              <a:buSzPct val="60000"/>
-              <a:buFont typeface="Zapf Dingbats" charset="2"/>
-              <a:buChar char="n"/>
-              <a:defRPr sz="2000">
-                <a:solidFill>
-                  <a:srgbClr val="000000"/>
-                </a:solidFill>
-                <a:latin typeface="+mn-lt"/>
-              </a:defRPr>
-            </a:lvl5pPr>
-            <a:lvl6pPr marL="2438400" indent="-228600" algn="l" rtl="0" fontAlgn="base">
-              <a:spcBef>
-                <a:spcPct val="20000"/>
-              </a:spcBef>
-              <a:spcAft>
-                <a:spcPct val="0"/>
-              </a:spcAft>
-              <a:buClr>
-                <a:schemeClr val="accent1"/>
-              </a:buClr>
-              <a:buSzPct val="60000"/>
-              <a:buFont typeface="Zapf Dingbats" charset="2"/>
-              <a:buChar char="n"/>
-              <a:defRPr sz="2000">
-                <a:solidFill>
-                  <a:srgbClr val="000000"/>
-                </a:solidFill>
-                <a:latin typeface="+mn-lt"/>
-              </a:defRPr>
-            </a:lvl6pPr>
-            <a:lvl7pPr marL="2895600" indent="-228600" algn="l" rtl="0" fontAlgn="base">
-              <a:spcBef>
-                <a:spcPct val="20000"/>
-              </a:spcBef>
-              <a:spcAft>
-                <a:spcPct val="0"/>
-              </a:spcAft>
-              <a:buClr>
-                <a:schemeClr val="accent1"/>
-              </a:buClr>
-              <a:buSzPct val="60000"/>
-              <a:buFont typeface="Zapf Dingbats" charset="2"/>
-              <a:buChar char="n"/>
-              <a:defRPr sz="2000">
-                <a:solidFill>
-                  <a:srgbClr val="000000"/>
-                </a:solidFill>
-                <a:latin typeface="+mn-lt"/>
-              </a:defRPr>
-            </a:lvl7pPr>
-            <a:lvl8pPr marL="3352800" indent="-228600" algn="l" rtl="0" fontAlgn="base">
-              <a:spcBef>
-                <a:spcPct val="20000"/>
-              </a:spcBef>
-              <a:spcAft>
-                <a:spcPct val="0"/>
-              </a:spcAft>
-              <a:buClr>
-                <a:schemeClr val="accent1"/>
-              </a:buClr>
-              <a:buSzPct val="60000"/>
-              <a:buFont typeface="Zapf Dingbats" charset="2"/>
-              <a:buChar char="n"/>
-              <a:defRPr sz="2000">
-                <a:solidFill>
-                  <a:srgbClr val="000000"/>
-                </a:solidFill>
-                <a:latin typeface="+mn-lt"/>
-              </a:defRPr>
-            </a:lvl8pPr>
-            <a:lvl9pPr marL="3810000" indent="-228600" algn="l" rtl="0" fontAlgn="base">
-              <a:spcBef>
-                <a:spcPct val="20000"/>
-              </a:spcBef>
-              <a:spcAft>
-                <a:spcPct val="0"/>
-              </a:spcAft>
-              <a:buClr>
-                <a:schemeClr val="accent1"/>
-              </a:buClr>
-              <a:buSzPct val="60000"/>
-              <a:buFont typeface="Zapf Dingbats" charset="2"/>
-              <a:buChar char="n"/>
-              <a:defRPr sz="2000">
-                <a:solidFill>
-                  <a:srgbClr val="000000"/>
-                </a:solidFill>
-                <a:latin typeface="+mn-lt"/>
-              </a:defRPr>
-            </a:lvl9pPr>
-          </a:lstStyle>
-          <a:p>
-            <a:r>
-              <a:rPr lang="nl-NL" kern="0" dirty="0" err="1" smtClean="0"/>
-              <a:t>Sum</a:t>
-            </a:r>
-            <a:r>
-              <a:rPr lang="nl-NL" kern="0" dirty="0" smtClean="0"/>
-              <a:t> of independent, </a:t>
-            </a:r>
-            <a:r>
-              <a:rPr lang="nl-NL" kern="0" dirty="0" err="1" smtClean="0"/>
-              <a:t>identical</a:t>
-            </a:r>
-            <a:r>
-              <a:rPr lang="nl-NL" kern="0" dirty="0" smtClean="0"/>
-              <a:t> </a:t>
-            </a:r>
-            <a:r>
-              <a:rPr lang="nl-NL" kern="0" dirty="0" err="1" smtClean="0"/>
-              <a:t>distributions</a:t>
-            </a:r>
-            <a:r>
-              <a:rPr lang="nl-NL" kern="0" dirty="0" smtClean="0"/>
-              <a:t> approaches </a:t>
-            </a:r>
-            <a:r>
-              <a:rPr lang="nl-NL" kern="0" dirty="0" err="1" smtClean="0"/>
-              <a:t>normal</a:t>
-            </a:r>
-            <a:r>
-              <a:rPr lang="nl-NL" kern="0" dirty="0" smtClean="0"/>
-              <a:t> </a:t>
-            </a:r>
-            <a:r>
-              <a:rPr lang="nl-NL" kern="0" dirty="0" err="1" smtClean="0"/>
-              <a:t>distributions</a:t>
-            </a:r>
-            <a:endParaRPr lang="nl-NL" kern="0" dirty="0" smtClean="0"/>
-          </a:p>
-          <a:p>
-            <a:endParaRPr lang="nl-NL" kern="0" dirty="0"/>
-          </a:p>
-          <a:p>
-            <a:r>
-              <a:rPr lang="nl-NL" kern="0" dirty="0" smtClean="0"/>
-              <a:t>See right: </a:t>
-            </a:r>
-            <a:r>
-              <a:rPr lang="nl-NL" kern="0" dirty="0" err="1" smtClean="0"/>
-              <a:t>sum</a:t>
-            </a:r>
-            <a:r>
-              <a:rPr lang="nl-NL" kern="0" dirty="0" smtClean="0"/>
-              <a:t> of 1…5 </a:t>
-            </a:r>
-            <a:r>
-              <a:rPr lang="nl-NL" kern="0" dirty="0" err="1" smtClean="0"/>
-              <a:t>dice</a:t>
-            </a:r>
-            <a:endParaRPr lang="nl-NL" kern="0" dirty="0" smtClean="0"/>
-          </a:p>
-          <a:p>
-            <a:endParaRPr lang="nl-NL" kern="0" dirty="0"/>
-          </a:p>
-          <a:p>
-            <a:r>
-              <a:rPr lang="nl-NL" kern="0" dirty="0" smtClean="0"/>
-              <a:t>Same </a:t>
-            </a:r>
-            <a:r>
-              <a:rPr lang="nl-NL" kern="0" dirty="0" err="1" smtClean="0"/>
-              <a:t>goes</a:t>
-            </a:r>
-            <a:r>
-              <a:rPr lang="nl-NL" kern="0" dirty="0" smtClean="0"/>
-              <a:t> </a:t>
-            </a:r>
-            <a:r>
-              <a:rPr lang="nl-NL" kern="0" dirty="0" err="1" smtClean="0"/>
-              <a:t>for</a:t>
-            </a:r>
-            <a:r>
-              <a:rPr lang="nl-NL" kern="0" dirty="0" smtClean="0"/>
-              <a:t> sampling </a:t>
-            </a:r>
-            <a:r>
-              <a:rPr lang="nl-NL" kern="0" dirty="0" err="1" smtClean="0"/>
-              <a:t>distribution</a:t>
-            </a:r>
-            <a:r>
-              <a:rPr lang="nl-NL" kern="0" dirty="0" smtClean="0"/>
-              <a:t> of the mean -&gt; </a:t>
-            </a:r>
-            <a:r>
-              <a:rPr lang="nl-NL" kern="0" dirty="0" err="1" smtClean="0"/>
-              <a:t>larger</a:t>
-            </a:r>
-            <a:r>
-              <a:rPr lang="nl-NL" kern="0" dirty="0" smtClean="0"/>
-              <a:t> n, closer </a:t>
-            </a:r>
-            <a:r>
-              <a:rPr lang="nl-NL" kern="0" dirty="0" err="1" smtClean="0"/>
-              <a:t>to</a:t>
-            </a:r>
-            <a:r>
-              <a:rPr lang="nl-NL" kern="0" dirty="0" smtClean="0"/>
-              <a:t> </a:t>
-            </a:r>
-            <a:r>
-              <a:rPr lang="nl-NL" kern="0" dirty="0" err="1" smtClean="0"/>
-              <a:t>normal</a:t>
-            </a:r>
-            <a:endParaRPr lang="nl-NL" kern="0" dirty="0" smtClean="0"/>
-          </a:p>
-          <a:p>
-            <a:endParaRPr lang="nl-NL" kern="0" dirty="0"/>
-          </a:p>
-          <a:p>
-            <a:endParaRPr lang="nl-NL" kern="0" dirty="0"/>
-          </a:p>
-        </p:txBody>
-      </p:sp>
-    </p:spTree>
-    <p:extLst>
-      <p:ext uri="{BB962C8B-B14F-4D97-AF65-F5344CB8AC3E}">
-        <p14:creationId xmlns:p14="http://schemas.microsoft.com/office/powerpoint/2010/main" val="1007234619"/>
-      </p:ext>
-    </p:extLst>
-  </p:cSld>
-  <p:clrMapOvr>
-    <a:masterClrMapping/>
-  </p:clrMapOvr>
+  <p:timing>
+    <p:tnLst>
+      <p:par>
+        <p:cTn id="1" dur="indefinite" restart="never" nodeType="tmRoot"/>
+      </p:par>
+    </p:tnLst>
+  </p:timing>
 </p:sld>
 </file>
 
@@ -20973,842 +19707,13 @@
   <p:clrMapOvr>
     <a:masterClrMapping/>
   </p:clrMapOvr>
-</p:sld>
-</file>
-
-<file path=ppt/slides/slide30.xml><?xml version="1.0" encoding="utf-8"?>
-<p:sld xmlns:a="http://schemas.openxmlformats.org/drawingml/2006/main" xmlns:r="http://schemas.openxmlformats.org/officeDocument/2006/relationships" xmlns:p="http://schemas.openxmlformats.org/presentationml/2006/main">
-  <p:cSld>
-    <p:spTree>
-      <p:nvGrpSpPr>
-        <p:cNvPr id="1" name=""/>
-        <p:cNvGrpSpPr/>
-        <p:nvPr/>
-      </p:nvGrpSpPr>
-      <p:grpSpPr>
-        <a:xfrm>
-          <a:off x="0" y="0"/>
-          <a:ext cx="0" cy="0"/>
-          <a:chOff x="0" y="0"/>
-          <a:chExt cx="0" cy="0"/>
-        </a:xfrm>
-      </p:grpSpPr>
-      <p:sp>
-        <p:nvSpPr>
-          <p:cNvPr id="2" name="Titel 1"/>
-          <p:cNvSpPr>
-            <a:spLocks noGrp="1"/>
-          </p:cNvSpPr>
-          <p:nvPr>
-            <p:ph type="title"/>
-          </p:nvPr>
-        </p:nvSpPr>
-        <p:spPr/>
-        <p:txBody>
-          <a:bodyPr/>
-          <a:lstStyle/>
-          <a:p>
-            <a:r>
-              <a:rPr lang="nl-NL" dirty="0" err="1" smtClean="0"/>
-              <a:t>Exercise</a:t>
-            </a:r>
-            <a:r>
-              <a:rPr lang="nl-NL" dirty="0" smtClean="0"/>
-              <a:t> 3: sampling</a:t>
-            </a:r>
-            <a:endParaRPr lang="nl-NL" dirty="0"/>
-          </a:p>
-        </p:txBody>
-      </p:sp>
-      <p:sp>
-        <p:nvSpPr>
-          <p:cNvPr id="3" name="Tijdelijke aanduiding voor inhoud 2"/>
-          <p:cNvSpPr>
-            <a:spLocks noGrp="1"/>
-          </p:cNvSpPr>
-          <p:nvPr>
-            <p:ph idx="1"/>
-          </p:nvPr>
-        </p:nvSpPr>
-        <p:spPr>
-          <a:xfrm>
-            <a:off x="755576" y="1556792"/>
-            <a:ext cx="7881938" cy="5324535"/>
-          </a:xfrm>
-        </p:spPr>
-        <p:txBody>
-          <a:bodyPr/>
-          <a:lstStyle/>
-          <a:p>
-            <a:pPr marL="0" indent="0">
-              <a:buNone/>
-            </a:pPr>
-            <a:r>
-              <a:rPr lang="nl-NL" sz="1800" dirty="0" smtClean="0">
-                <a:latin typeface="Courier New" panose="02070309020205020404" pitchFamily="49" charset="0"/>
-                <a:cs typeface="Courier New" panose="02070309020205020404" pitchFamily="49" charset="0"/>
-              </a:rPr>
-              <a:t>See </a:t>
-            </a:r>
-            <a:r>
-              <a:rPr lang="nl-NL" sz="1800" dirty="0" err="1" smtClean="0">
-                <a:latin typeface="Courier New" panose="02070309020205020404" pitchFamily="49" charset="0"/>
-                <a:cs typeface="Courier New" panose="02070309020205020404" pitchFamily="49" charset="0"/>
-              </a:rPr>
-              <a:t>example</a:t>
-            </a:r>
-            <a:r>
-              <a:rPr lang="nl-NL" sz="1800" dirty="0">
-                <a:latin typeface="Courier New" panose="02070309020205020404" pitchFamily="49" charset="0"/>
-                <a:cs typeface="Courier New" panose="02070309020205020404" pitchFamily="49" charset="0"/>
-              </a:rPr>
-              <a:t> </a:t>
-            </a:r>
-            <a:r>
-              <a:rPr lang="nl-NL" sz="1800" dirty="0" smtClean="0">
-                <a:latin typeface="Courier New" panose="02070309020205020404" pitchFamily="49" charset="0"/>
-                <a:cs typeface="Courier New" panose="02070309020205020404" pitchFamily="49" charset="0"/>
-              </a:rPr>
-              <a:t>Notebook: sampling</a:t>
-            </a:r>
-          </a:p>
-          <a:p>
-            <a:pPr>
-              <a:buAutoNum type="arabicPeriod"/>
-            </a:pPr>
-            <a:endParaRPr lang="nl-NL" sz="1800" dirty="0" smtClean="0">
-              <a:latin typeface="Courier New" panose="02070309020205020404" pitchFamily="49" charset="0"/>
-              <a:cs typeface="Courier New" panose="02070309020205020404" pitchFamily="49" charset="0"/>
-            </a:endParaRPr>
-          </a:p>
-          <a:p>
-            <a:pPr>
-              <a:buAutoNum type="arabicPeriod"/>
-            </a:pPr>
-            <a:r>
-              <a:rPr lang="nl-NL" sz="1800" dirty="0" smtClean="0">
-                <a:latin typeface="Courier New" panose="02070309020205020404" pitchFamily="49" charset="0"/>
-                <a:cs typeface="Courier New" panose="02070309020205020404" pitchFamily="49" charset="0"/>
-              </a:rPr>
-              <a:t>Load the class data </a:t>
-            </a:r>
-            <a:r>
-              <a:rPr lang="nl-NL" sz="1800" dirty="0" err="1" smtClean="0">
-                <a:latin typeface="Courier New" panose="02070309020205020404" pitchFamily="49" charset="0"/>
-                <a:cs typeface="Courier New" panose="02070309020205020404" pitchFamily="49" charset="0"/>
-              </a:rPr>
-              <a:t>csv</a:t>
-            </a:r>
-            <a:r>
-              <a:rPr lang="nl-NL" sz="1800" dirty="0" smtClean="0">
-                <a:latin typeface="Courier New" panose="02070309020205020404" pitchFamily="49" charset="0"/>
-                <a:cs typeface="Courier New" panose="02070309020205020404" pitchFamily="49" charset="0"/>
-              </a:rPr>
-              <a:t> file from the </a:t>
-            </a:r>
-            <a:r>
-              <a:rPr lang="nl-NL" sz="1800" dirty="0" err="1" smtClean="0">
-                <a:latin typeface="Courier New" panose="02070309020205020404" pitchFamily="49" charset="0"/>
-                <a:cs typeface="Courier New" panose="02070309020205020404" pitchFamily="49" charset="0"/>
-              </a:rPr>
-              <a:t>previous</a:t>
-            </a:r>
-            <a:r>
-              <a:rPr lang="nl-NL" sz="1800" dirty="0" smtClean="0">
-                <a:latin typeface="Courier New" panose="02070309020205020404" pitchFamily="49" charset="0"/>
-                <a:cs typeface="Courier New" panose="02070309020205020404" pitchFamily="49" charset="0"/>
-              </a:rPr>
-              <a:t> </a:t>
-            </a:r>
-            <a:r>
-              <a:rPr lang="nl-NL" sz="1800" dirty="0" err="1" smtClean="0">
-                <a:latin typeface="Courier New" panose="02070309020205020404" pitchFamily="49" charset="0"/>
-                <a:cs typeface="Courier New" panose="02070309020205020404" pitchFamily="49" charset="0"/>
-              </a:rPr>
-              <a:t>exercise</a:t>
-            </a:r>
-            <a:endParaRPr lang="nl-NL" sz="1800" dirty="0" smtClean="0">
-              <a:latin typeface="Courier New" panose="02070309020205020404" pitchFamily="49" charset="0"/>
-              <a:cs typeface="Courier New" panose="02070309020205020404" pitchFamily="49" charset="0"/>
-            </a:endParaRPr>
-          </a:p>
-          <a:p>
-            <a:pPr>
-              <a:buAutoNum type="arabicPeriod"/>
-            </a:pPr>
-            <a:r>
-              <a:rPr lang="nl-NL" sz="1800" dirty="0" err="1" smtClean="0">
-                <a:latin typeface="Courier New" panose="02070309020205020404" pitchFamily="49" charset="0"/>
-                <a:cs typeface="Courier New" panose="02070309020205020404" pitchFamily="49" charset="0"/>
-              </a:rPr>
-              <a:t>Choose</a:t>
-            </a:r>
-            <a:r>
-              <a:rPr lang="nl-NL" sz="1800" dirty="0" smtClean="0">
-                <a:latin typeface="Courier New" panose="02070309020205020404" pitchFamily="49" charset="0"/>
-                <a:cs typeface="Courier New" panose="02070309020205020404" pitchFamily="49" charset="0"/>
-              </a:rPr>
-              <a:t> a </a:t>
-            </a:r>
-            <a:r>
-              <a:rPr lang="nl-NL" sz="1800" dirty="0" err="1" smtClean="0">
-                <a:latin typeface="Courier New" panose="02070309020205020404" pitchFamily="49" charset="0"/>
-                <a:cs typeface="Courier New" panose="02070309020205020404" pitchFamily="49" charset="0"/>
-              </a:rPr>
-              <a:t>variable</a:t>
-            </a:r>
-            <a:r>
-              <a:rPr lang="nl-NL" sz="1800" dirty="0" smtClean="0">
-                <a:latin typeface="Courier New" panose="02070309020205020404" pitchFamily="49" charset="0"/>
-                <a:cs typeface="Courier New" panose="02070309020205020404" pitchFamily="49" charset="0"/>
-              </a:rPr>
-              <a:t> </a:t>
-            </a:r>
-          </a:p>
-          <a:p>
-            <a:pPr>
-              <a:buAutoNum type="arabicPeriod"/>
-            </a:pPr>
-            <a:r>
-              <a:rPr lang="nl-NL" sz="1800" dirty="0" err="1" smtClean="0">
-                <a:latin typeface="Courier New" panose="02070309020205020404" pitchFamily="49" charset="0"/>
-                <a:cs typeface="Courier New" panose="02070309020205020404" pitchFamily="49" charset="0"/>
-              </a:rPr>
-              <a:t>Create</a:t>
-            </a:r>
-            <a:r>
-              <a:rPr lang="nl-NL" sz="1800" dirty="0" smtClean="0">
-                <a:latin typeface="Courier New" panose="02070309020205020404" pitchFamily="49" charset="0"/>
-                <a:cs typeface="Courier New" panose="02070309020205020404" pitchFamily="49" charset="0"/>
-              </a:rPr>
-              <a:t> 3 </a:t>
-            </a:r>
-            <a:r>
-              <a:rPr lang="nl-NL" sz="1800" dirty="0" err="1" smtClean="0">
-                <a:latin typeface="Courier New" panose="02070309020205020404" pitchFamily="49" charset="0"/>
-                <a:cs typeface="Courier New" panose="02070309020205020404" pitchFamily="49" charset="0"/>
-              </a:rPr>
-              <a:t>lists</a:t>
-            </a:r>
-            <a:r>
-              <a:rPr lang="nl-NL" sz="1800" dirty="0" smtClean="0">
-                <a:latin typeface="Courier New" panose="02070309020205020404" pitchFamily="49" charset="0"/>
-                <a:cs typeface="Courier New" panose="02070309020205020404" pitchFamily="49" charset="0"/>
-              </a:rPr>
-              <a:t>: </a:t>
-            </a:r>
-          </a:p>
-          <a:p>
-            <a:pPr lvl="1"/>
-            <a:r>
-              <a:rPr lang="nl-NL" sz="1600" dirty="0" smtClean="0">
-                <a:latin typeface="Courier New" panose="02070309020205020404" pitchFamily="49" charset="0"/>
-                <a:cs typeface="Courier New" panose="02070309020205020404" pitchFamily="49" charset="0"/>
-              </a:rPr>
-              <a:t>100 </a:t>
-            </a:r>
-            <a:r>
-              <a:rPr lang="nl-NL" sz="1600" b="1" dirty="0" smtClean="0">
-                <a:latin typeface="Courier New" panose="02070309020205020404" pitchFamily="49" charset="0"/>
-                <a:cs typeface="Courier New" panose="02070309020205020404" pitchFamily="49" charset="0"/>
-              </a:rPr>
-              <a:t>means</a:t>
-            </a:r>
-            <a:r>
-              <a:rPr lang="nl-NL" sz="1600" dirty="0" smtClean="0">
-                <a:latin typeface="Courier New" panose="02070309020205020404" pitchFamily="49" charset="0"/>
-                <a:cs typeface="Courier New" panose="02070309020205020404" pitchFamily="49" charset="0"/>
-              </a:rPr>
-              <a:t> of random samples (</a:t>
-            </a:r>
-            <a:r>
-              <a:rPr lang="nl-NL" sz="1600" dirty="0" err="1" smtClean="0">
-                <a:latin typeface="Courier New" panose="02070309020205020404" pitchFamily="49" charset="0"/>
-                <a:cs typeface="Courier New" panose="02070309020205020404" pitchFamily="49" charset="0"/>
-              </a:rPr>
-              <a:t>with</a:t>
-            </a:r>
-            <a:r>
-              <a:rPr lang="nl-NL" sz="1600" dirty="0" smtClean="0">
-                <a:latin typeface="Courier New" panose="02070309020205020404" pitchFamily="49" charset="0"/>
-                <a:cs typeface="Courier New" panose="02070309020205020404" pitchFamily="49" charset="0"/>
-              </a:rPr>
-              <a:t> </a:t>
-            </a:r>
-            <a:r>
-              <a:rPr lang="nl-NL" sz="1600" dirty="0" err="1" smtClean="0">
-                <a:latin typeface="Courier New" panose="02070309020205020404" pitchFamily="49" charset="0"/>
-                <a:cs typeface="Courier New" panose="02070309020205020404" pitchFamily="49" charset="0"/>
-              </a:rPr>
-              <a:t>replacement</a:t>
-            </a:r>
-            <a:r>
-              <a:rPr lang="nl-NL" sz="1600" dirty="0" smtClean="0">
-                <a:latin typeface="Courier New" panose="02070309020205020404" pitchFamily="49" charset="0"/>
-                <a:cs typeface="Courier New" panose="02070309020205020404" pitchFamily="49" charset="0"/>
-              </a:rPr>
-              <a:t>) of n=1 of </a:t>
-            </a:r>
-            <a:r>
-              <a:rPr lang="nl-NL" sz="1600" dirty="0" err="1" smtClean="0">
-                <a:latin typeface="Courier New" panose="02070309020205020404" pitchFamily="49" charset="0"/>
-                <a:cs typeface="Courier New" panose="02070309020205020404" pitchFamily="49" charset="0"/>
-              </a:rPr>
-              <a:t>your</a:t>
-            </a:r>
-            <a:r>
-              <a:rPr lang="nl-NL" sz="1600" dirty="0" smtClean="0">
-                <a:latin typeface="Courier New" panose="02070309020205020404" pitchFamily="49" charset="0"/>
-                <a:cs typeface="Courier New" panose="02070309020205020404" pitchFamily="49" charset="0"/>
-              </a:rPr>
-              <a:t> </a:t>
-            </a:r>
-            <a:r>
-              <a:rPr lang="nl-NL" sz="1600" dirty="0" err="1" smtClean="0">
-                <a:latin typeface="Courier New" panose="02070309020205020404" pitchFamily="49" charset="0"/>
-                <a:cs typeface="Courier New" panose="02070309020205020404" pitchFamily="49" charset="0"/>
-              </a:rPr>
-              <a:t>variable</a:t>
-            </a:r>
-            <a:endParaRPr lang="nl-NL" sz="1600" dirty="0" smtClean="0">
-              <a:latin typeface="Courier New" panose="02070309020205020404" pitchFamily="49" charset="0"/>
-              <a:cs typeface="Courier New" panose="02070309020205020404" pitchFamily="49" charset="0"/>
-            </a:endParaRPr>
-          </a:p>
-          <a:p>
-            <a:pPr lvl="1"/>
-            <a:r>
-              <a:rPr lang="nl-NL" sz="1600" dirty="0" smtClean="0">
-                <a:latin typeface="Courier New" panose="02070309020205020404" pitchFamily="49" charset="0"/>
-                <a:cs typeface="Courier New" panose="02070309020205020404" pitchFamily="49" charset="0"/>
-              </a:rPr>
-              <a:t>100 </a:t>
-            </a:r>
-            <a:r>
-              <a:rPr lang="nl-NL" sz="1600" b="1" dirty="0" smtClean="0">
-                <a:latin typeface="Courier New" panose="02070309020205020404" pitchFamily="49" charset="0"/>
-                <a:cs typeface="Courier New" panose="02070309020205020404" pitchFamily="49" charset="0"/>
-              </a:rPr>
-              <a:t>means</a:t>
-            </a:r>
-            <a:r>
-              <a:rPr lang="nl-NL" sz="1600" dirty="0" smtClean="0">
-                <a:latin typeface="Courier New" panose="02070309020205020404" pitchFamily="49" charset="0"/>
-                <a:cs typeface="Courier New" panose="02070309020205020404" pitchFamily="49" charset="0"/>
-              </a:rPr>
-              <a:t> of random samples of n=5</a:t>
-            </a:r>
-          </a:p>
-          <a:p>
-            <a:pPr lvl="1"/>
-            <a:r>
-              <a:rPr lang="nl-NL" sz="1600" dirty="0" smtClean="0">
-                <a:latin typeface="Courier New" panose="02070309020205020404" pitchFamily="49" charset="0"/>
-                <a:cs typeface="Courier New" panose="02070309020205020404" pitchFamily="49" charset="0"/>
-              </a:rPr>
-              <a:t>100 </a:t>
-            </a:r>
-            <a:r>
-              <a:rPr lang="nl-NL" sz="1600" b="1" dirty="0" smtClean="0">
-                <a:latin typeface="Courier New" panose="02070309020205020404" pitchFamily="49" charset="0"/>
-                <a:cs typeface="Courier New" panose="02070309020205020404" pitchFamily="49" charset="0"/>
-              </a:rPr>
-              <a:t>means </a:t>
-            </a:r>
-            <a:r>
-              <a:rPr lang="nl-NL" sz="1600" dirty="0" smtClean="0">
-                <a:latin typeface="Courier New" panose="02070309020205020404" pitchFamily="49" charset="0"/>
-                <a:cs typeface="Courier New" panose="02070309020205020404" pitchFamily="49" charset="0"/>
-              </a:rPr>
-              <a:t>of random samples of n=10</a:t>
-            </a:r>
-          </a:p>
-          <a:p>
-            <a:pPr>
-              <a:buAutoNum type="arabicPeriod"/>
-            </a:pPr>
-            <a:r>
-              <a:rPr lang="nl-NL" sz="1800" dirty="0" err="1" smtClean="0">
-                <a:latin typeface="Courier New" panose="02070309020205020404" pitchFamily="49" charset="0"/>
-                <a:cs typeface="Courier New" panose="02070309020205020404" pitchFamily="49" charset="0"/>
-              </a:rPr>
-              <a:t>Create</a:t>
-            </a:r>
-            <a:r>
-              <a:rPr lang="nl-NL" sz="1800" dirty="0" smtClean="0">
-                <a:latin typeface="Courier New" panose="02070309020205020404" pitchFamily="49" charset="0"/>
-                <a:cs typeface="Courier New" panose="02070309020205020404" pitchFamily="49" charset="0"/>
-              </a:rPr>
-              <a:t> </a:t>
-            </a:r>
-            <a:r>
-              <a:rPr lang="nl-NL" sz="1800" dirty="0" err="1" smtClean="0">
-                <a:latin typeface="Courier New" panose="02070309020205020404" pitchFamily="49" charset="0"/>
-                <a:cs typeface="Courier New" panose="02070309020205020404" pitchFamily="49" charset="0"/>
-              </a:rPr>
-              <a:t>density</a:t>
-            </a:r>
-            <a:r>
-              <a:rPr lang="nl-NL" sz="1800" dirty="0" smtClean="0">
-                <a:latin typeface="Courier New" panose="02070309020205020404" pitchFamily="49" charset="0"/>
-                <a:cs typeface="Courier New" panose="02070309020205020404" pitchFamily="49" charset="0"/>
-              </a:rPr>
-              <a:t> plots of </a:t>
-            </a:r>
-            <a:r>
-              <a:rPr lang="nl-NL" sz="1800" dirty="0" err="1" smtClean="0">
-                <a:latin typeface="Courier New" panose="02070309020205020404" pitchFamily="49" charset="0"/>
-                <a:cs typeface="Courier New" panose="02070309020205020404" pitchFamily="49" charset="0"/>
-              </a:rPr>
-              <a:t>each</a:t>
-            </a:r>
-            <a:r>
-              <a:rPr lang="nl-NL" sz="1800" dirty="0" smtClean="0">
-                <a:latin typeface="Courier New" panose="02070309020205020404" pitchFamily="49" charset="0"/>
-                <a:cs typeface="Courier New" panose="02070309020205020404" pitchFamily="49" charset="0"/>
-              </a:rPr>
-              <a:t> list. Do </a:t>
-            </a:r>
-            <a:r>
-              <a:rPr lang="nl-NL" sz="1800" dirty="0" err="1" smtClean="0">
-                <a:latin typeface="Courier New" panose="02070309020205020404" pitchFamily="49" charset="0"/>
-                <a:cs typeface="Courier New" panose="02070309020205020404" pitchFamily="49" charset="0"/>
-              </a:rPr>
-              <a:t>you</a:t>
-            </a:r>
-            <a:r>
-              <a:rPr lang="nl-NL" sz="1800" dirty="0" smtClean="0">
-                <a:latin typeface="Courier New" panose="02070309020205020404" pitchFamily="49" charset="0"/>
-                <a:cs typeface="Courier New" panose="02070309020205020404" pitchFamily="49" charset="0"/>
-              </a:rPr>
-              <a:t> </a:t>
-            </a:r>
-            <a:r>
-              <a:rPr lang="nl-NL" sz="1800" dirty="0" err="1" smtClean="0">
-                <a:latin typeface="Courier New" panose="02070309020205020404" pitchFamily="49" charset="0"/>
-                <a:cs typeface="Courier New" panose="02070309020205020404" pitchFamily="49" charset="0"/>
-              </a:rPr>
-              <a:t>see</a:t>
-            </a:r>
-            <a:r>
-              <a:rPr lang="nl-NL" sz="1800" dirty="0" smtClean="0">
-                <a:latin typeface="Courier New" panose="02070309020205020404" pitchFamily="49" charset="0"/>
-                <a:cs typeface="Courier New" panose="02070309020205020404" pitchFamily="49" charset="0"/>
-              </a:rPr>
-              <a:t> </a:t>
-            </a:r>
-            <a:r>
-              <a:rPr lang="nl-NL" sz="1800" dirty="0" err="1" smtClean="0">
-                <a:latin typeface="Courier New" panose="02070309020205020404" pitchFamily="49" charset="0"/>
-                <a:cs typeface="Courier New" panose="02070309020205020404" pitchFamily="49" charset="0"/>
-              </a:rPr>
-              <a:t>evidence</a:t>
-            </a:r>
-            <a:r>
-              <a:rPr lang="nl-NL" sz="1800" dirty="0" smtClean="0">
-                <a:latin typeface="Courier New" panose="02070309020205020404" pitchFamily="49" charset="0"/>
-                <a:cs typeface="Courier New" panose="02070309020205020404" pitchFamily="49" charset="0"/>
-              </a:rPr>
-              <a:t> of the </a:t>
-            </a:r>
-            <a:r>
-              <a:rPr lang="nl-NL" sz="1800" dirty="0" err="1" smtClean="0">
-                <a:latin typeface="Courier New" panose="02070309020205020404" pitchFamily="49" charset="0"/>
-                <a:cs typeface="Courier New" panose="02070309020205020404" pitchFamily="49" charset="0"/>
-              </a:rPr>
-              <a:t>central</a:t>
-            </a:r>
-            <a:r>
-              <a:rPr lang="nl-NL" sz="1800" dirty="0" smtClean="0">
-                <a:latin typeface="Courier New" panose="02070309020205020404" pitchFamily="49" charset="0"/>
-                <a:cs typeface="Courier New" panose="02070309020205020404" pitchFamily="49" charset="0"/>
-              </a:rPr>
-              <a:t> limit </a:t>
-            </a:r>
-            <a:r>
-              <a:rPr lang="nl-NL" sz="1800" dirty="0" err="1" smtClean="0">
-                <a:latin typeface="Courier New" panose="02070309020205020404" pitchFamily="49" charset="0"/>
-                <a:cs typeface="Courier New" panose="02070309020205020404" pitchFamily="49" charset="0"/>
-              </a:rPr>
-              <a:t>theorem</a:t>
-            </a:r>
-            <a:r>
-              <a:rPr lang="nl-NL" sz="1800" dirty="0" smtClean="0">
-                <a:latin typeface="Courier New" panose="02070309020205020404" pitchFamily="49" charset="0"/>
-                <a:cs typeface="Courier New" panose="02070309020205020404" pitchFamily="49" charset="0"/>
-              </a:rPr>
-              <a:t>?</a:t>
-            </a:r>
-          </a:p>
-          <a:p>
-            <a:pPr>
-              <a:buAutoNum type="arabicPeriod"/>
-            </a:pPr>
-            <a:endParaRPr lang="nl-NL" sz="1800" dirty="0" smtClean="0">
-              <a:latin typeface="Courier New" panose="02070309020205020404" pitchFamily="49" charset="0"/>
-              <a:cs typeface="Courier New" panose="02070309020205020404" pitchFamily="49" charset="0"/>
-            </a:endParaRPr>
-          </a:p>
-          <a:p>
-            <a:pPr marL="0" indent="0">
-              <a:buNone/>
-            </a:pPr>
-            <a:r>
-              <a:rPr lang="nl-NL" sz="1800" dirty="0" smtClean="0">
-                <a:latin typeface="Courier New" panose="02070309020205020404" pitchFamily="49" charset="0"/>
-                <a:cs typeface="Courier New" panose="02070309020205020404" pitchFamily="49" charset="0"/>
-              </a:rPr>
-              <a:t>Extra </a:t>
-            </a:r>
-            <a:r>
-              <a:rPr lang="nl-NL" sz="1800" dirty="0" err="1" smtClean="0">
-                <a:latin typeface="Courier New" panose="02070309020205020404" pitchFamily="49" charset="0"/>
-                <a:cs typeface="Courier New" panose="02070309020205020404" pitchFamily="49" charset="0"/>
-              </a:rPr>
-              <a:t>challenge</a:t>
-            </a:r>
-            <a:r>
-              <a:rPr lang="nl-NL" sz="1800" dirty="0" smtClean="0">
-                <a:latin typeface="Courier New" panose="02070309020205020404" pitchFamily="49" charset="0"/>
-                <a:cs typeface="Courier New" panose="02070309020205020404" pitchFamily="49" charset="0"/>
-              </a:rPr>
-              <a:t>: </a:t>
-            </a:r>
-            <a:r>
-              <a:rPr lang="nl-NL" sz="1800" dirty="0" err="1" smtClean="0">
-                <a:latin typeface="Courier New" panose="02070309020205020404" pitchFamily="49" charset="0"/>
-                <a:cs typeface="Courier New" panose="02070309020205020404" pitchFamily="49" charset="0"/>
-              </a:rPr>
-              <a:t>superimpose</a:t>
-            </a:r>
-            <a:r>
-              <a:rPr lang="nl-NL" sz="1800" dirty="0" smtClean="0">
-                <a:latin typeface="Courier New" panose="02070309020205020404" pitchFamily="49" charset="0"/>
-                <a:cs typeface="Courier New" panose="02070309020205020404" pitchFamily="49" charset="0"/>
-              </a:rPr>
-              <a:t> the </a:t>
-            </a:r>
-            <a:r>
-              <a:rPr lang="nl-NL" sz="1800" dirty="0" err="1" smtClean="0">
-                <a:latin typeface="Courier New" panose="02070309020205020404" pitchFamily="49" charset="0"/>
-                <a:cs typeface="Courier New" panose="02070309020205020404" pitchFamily="49" charset="0"/>
-              </a:rPr>
-              <a:t>density</a:t>
-            </a:r>
-            <a:r>
-              <a:rPr lang="nl-NL" sz="1800" dirty="0" smtClean="0">
-                <a:latin typeface="Courier New" panose="02070309020205020404" pitchFamily="49" charset="0"/>
-                <a:cs typeface="Courier New" panose="02070309020205020404" pitchFamily="49" charset="0"/>
-              </a:rPr>
-              <a:t> plots in </a:t>
-            </a:r>
-            <a:r>
-              <a:rPr lang="nl-NL" sz="1800" dirty="0" err="1" smtClean="0">
-                <a:latin typeface="Courier New" panose="02070309020205020404" pitchFamily="49" charset="0"/>
-                <a:cs typeface="Courier New" panose="02070309020205020404" pitchFamily="49" charset="0"/>
-              </a:rPr>
-              <a:t>one</a:t>
-            </a:r>
-            <a:r>
-              <a:rPr lang="nl-NL" sz="1800" dirty="0" smtClean="0">
-                <a:latin typeface="Courier New" panose="02070309020205020404" pitchFamily="49" charset="0"/>
-                <a:cs typeface="Courier New" panose="02070309020205020404" pitchFamily="49" charset="0"/>
-              </a:rPr>
-              <a:t> plot, </a:t>
-            </a:r>
-            <a:r>
-              <a:rPr lang="nl-NL" sz="1800" dirty="0" err="1" smtClean="0">
-                <a:latin typeface="Courier New" panose="02070309020205020404" pitchFamily="49" charset="0"/>
-                <a:cs typeface="Courier New" panose="02070309020205020404" pitchFamily="49" charset="0"/>
-              </a:rPr>
-              <a:t>with</a:t>
-            </a:r>
-            <a:r>
-              <a:rPr lang="nl-NL" sz="1800" dirty="0" smtClean="0">
-                <a:latin typeface="Courier New" panose="02070309020205020404" pitchFamily="49" charset="0"/>
-                <a:cs typeface="Courier New" panose="02070309020205020404" pitchFamily="49" charset="0"/>
-              </a:rPr>
-              <a:t> </a:t>
-            </a:r>
-            <a:r>
-              <a:rPr lang="nl-NL" sz="1800" dirty="0" err="1" smtClean="0">
-                <a:latin typeface="Courier New" panose="02070309020205020404" pitchFamily="49" charset="0"/>
-                <a:cs typeface="Courier New" panose="02070309020205020404" pitchFamily="49" charset="0"/>
-              </a:rPr>
-              <a:t>differing</a:t>
-            </a:r>
-            <a:r>
-              <a:rPr lang="nl-NL" sz="1800" dirty="0" smtClean="0">
-                <a:latin typeface="Courier New" panose="02070309020205020404" pitchFamily="49" charset="0"/>
-                <a:cs typeface="Courier New" panose="02070309020205020404" pitchFamily="49" charset="0"/>
-              </a:rPr>
-              <a:t> </a:t>
-            </a:r>
-            <a:r>
-              <a:rPr lang="nl-NL" sz="1800" dirty="0" err="1" smtClean="0">
-                <a:latin typeface="Courier New" panose="02070309020205020404" pitchFamily="49" charset="0"/>
-                <a:cs typeface="Courier New" panose="02070309020205020404" pitchFamily="49" charset="0"/>
-              </a:rPr>
-              <a:t>colors</a:t>
-            </a:r>
-            <a:endParaRPr lang="nl-NL" sz="1800" dirty="0" smtClean="0">
-              <a:latin typeface="Courier New" panose="02070309020205020404" pitchFamily="49" charset="0"/>
-              <a:cs typeface="Courier New" panose="02070309020205020404" pitchFamily="49" charset="0"/>
-            </a:endParaRPr>
-          </a:p>
-          <a:p>
-            <a:pPr marL="0" indent="0">
-              <a:buNone/>
-            </a:pPr>
-            <a:endParaRPr lang="nl-NL" sz="1800" dirty="0" smtClean="0">
-              <a:latin typeface="Courier New" panose="02070309020205020404" pitchFamily="49" charset="0"/>
-              <a:cs typeface="Courier New" panose="02070309020205020404" pitchFamily="49" charset="0"/>
-            </a:endParaRPr>
-          </a:p>
-          <a:p>
-            <a:pPr marL="0" indent="0">
-              <a:buNone/>
-            </a:pPr>
-            <a:endParaRPr lang="nl-NL" sz="1800" dirty="0" smtClean="0">
-              <a:latin typeface="Courier New" panose="02070309020205020404" pitchFamily="49" charset="0"/>
-              <a:cs typeface="Courier New" panose="02070309020205020404" pitchFamily="49" charset="0"/>
-            </a:endParaRPr>
-          </a:p>
-        </p:txBody>
-      </p:sp>
-    </p:spTree>
-    <p:extLst>
-      <p:ext uri="{BB962C8B-B14F-4D97-AF65-F5344CB8AC3E}">
-        <p14:creationId xmlns:p14="http://schemas.microsoft.com/office/powerpoint/2010/main" val="552008789"/>
-      </p:ext>
-    </p:extLst>
-  </p:cSld>
-  <p:clrMapOvr>
-    <a:masterClrMapping/>
-  </p:clrMapOvr>
-</p:sld>
-</file>
-
-<file path=ppt/slides/slide31.xml><?xml version="1.0" encoding="utf-8"?>
-<p:sld xmlns:a="http://schemas.openxmlformats.org/drawingml/2006/main" xmlns:r="http://schemas.openxmlformats.org/officeDocument/2006/relationships" xmlns:p="http://schemas.openxmlformats.org/presentationml/2006/main">
-  <p:cSld>
-    <p:spTree>
-      <p:nvGrpSpPr>
-        <p:cNvPr id="1" name=""/>
-        <p:cNvGrpSpPr/>
-        <p:nvPr/>
-      </p:nvGrpSpPr>
-      <p:grpSpPr>
-        <a:xfrm>
-          <a:off x="0" y="0"/>
-          <a:ext cx="0" cy="0"/>
-          <a:chOff x="0" y="0"/>
-          <a:chExt cx="0" cy="0"/>
-        </a:xfrm>
-      </p:grpSpPr>
-      <p:sp>
-        <p:nvSpPr>
-          <p:cNvPr id="2" name="Titel 1"/>
-          <p:cNvSpPr>
-            <a:spLocks noGrp="1"/>
-          </p:cNvSpPr>
-          <p:nvPr>
-            <p:ph type="title"/>
-          </p:nvPr>
-        </p:nvSpPr>
-        <p:spPr/>
-        <p:txBody>
-          <a:bodyPr/>
-          <a:lstStyle/>
-          <a:p>
-            <a:r>
-              <a:rPr lang="nl-NL" dirty="0" smtClean="0"/>
-              <a:t>Image credit</a:t>
-            </a:r>
-            <a:endParaRPr lang="nl-NL" dirty="0"/>
-          </a:p>
-        </p:txBody>
-      </p:sp>
-      <p:sp>
-        <p:nvSpPr>
-          <p:cNvPr id="3" name="Tijdelijke aanduiding voor inhoud 2"/>
-          <p:cNvSpPr>
-            <a:spLocks noGrp="1"/>
-          </p:cNvSpPr>
-          <p:nvPr>
-            <p:ph idx="1"/>
-          </p:nvPr>
-        </p:nvSpPr>
-        <p:spPr>
-          <a:xfrm>
-            <a:off x="762000" y="1762125"/>
-            <a:ext cx="7881938" cy="2677656"/>
-          </a:xfrm>
-        </p:spPr>
-        <p:txBody>
-          <a:bodyPr/>
-          <a:lstStyle/>
-          <a:p>
-            <a:r>
-              <a:rPr lang="nl-NL" sz="2400" dirty="0" err="1" smtClean="0"/>
-              <a:t>Fitbit</a:t>
-            </a:r>
-            <a:r>
-              <a:rPr lang="nl-NL" sz="2400" dirty="0" smtClean="0"/>
-              <a:t> </a:t>
-            </a:r>
-            <a:r>
-              <a:rPr lang="nl-NL" sz="2400" dirty="0" err="1" smtClean="0"/>
-              <a:t>by</a:t>
-            </a:r>
-            <a:r>
-              <a:rPr lang="nl-NL" sz="2400" dirty="0" smtClean="0"/>
-              <a:t> eVidaSana.com (CC-BY)</a:t>
-            </a:r>
-          </a:p>
-          <a:p>
-            <a:r>
-              <a:rPr lang="nl-NL" sz="2400" dirty="0" smtClean="0"/>
-              <a:t>France </a:t>
-            </a:r>
-            <a:r>
-              <a:rPr lang="nl-NL" sz="2400" dirty="0" err="1" smtClean="0"/>
-              <a:t>by</a:t>
-            </a:r>
-            <a:r>
-              <a:rPr lang="nl-NL" sz="2400" dirty="0" smtClean="0"/>
-              <a:t> </a:t>
-            </a:r>
-            <a:r>
-              <a:rPr lang="nl-NL" sz="2400" dirty="0" err="1" smtClean="0"/>
-              <a:t>Historicair</a:t>
-            </a:r>
-            <a:r>
-              <a:rPr lang="nl-NL" sz="2400" dirty="0" smtClean="0"/>
-              <a:t> (PD)</a:t>
-            </a:r>
-          </a:p>
-          <a:p>
-            <a:r>
-              <a:rPr lang="nl-NL" sz="2400" dirty="0" smtClean="0"/>
-              <a:t>Random </a:t>
-            </a:r>
-            <a:r>
-              <a:rPr lang="nl-NL" sz="2400" dirty="0" err="1" smtClean="0"/>
-              <a:t>Forest</a:t>
-            </a:r>
-            <a:r>
-              <a:rPr lang="nl-NL" sz="2400" dirty="0" smtClean="0"/>
-              <a:t> </a:t>
-            </a:r>
-            <a:r>
-              <a:rPr lang="nl-NL" sz="2400" dirty="0" err="1" smtClean="0"/>
-              <a:t>by</a:t>
-            </a:r>
-            <a:r>
-              <a:rPr lang="nl-NL" sz="2400" dirty="0" smtClean="0"/>
-              <a:t> </a:t>
-            </a:r>
-            <a:r>
-              <a:rPr lang="nl-NL" sz="2400" dirty="0" err="1" smtClean="0"/>
-              <a:t>Venkata</a:t>
-            </a:r>
-            <a:r>
-              <a:rPr lang="nl-NL" sz="2400" dirty="0" smtClean="0"/>
-              <a:t> </a:t>
-            </a:r>
-            <a:r>
-              <a:rPr lang="nl-NL" sz="2400" dirty="0" err="1" smtClean="0"/>
-              <a:t>Jagannath</a:t>
-            </a:r>
-            <a:r>
-              <a:rPr lang="nl-NL" sz="2400" dirty="0" smtClean="0"/>
-              <a:t> (CC-BY-SA)</a:t>
-            </a:r>
-          </a:p>
-          <a:p>
-            <a:r>
-              <a:rPr lang="nl-NL" sz="2400" dirty="0" err="1" smtClean="0"/>
-              <a:t>Boxplot</a:t>
-            </a:r>
-            <a:r>
-              <a:rPr lang="nl-NL" sz="2400" dirty="0" smtClean="0"/>
-              <a:t> </a:t>
-            </a:r>
-            <a:r>
-              <a:rPr lang="nl-NL" sz="2400" dirty="0" err="1" smtClean="0"/>
-              <a:t>by</a:t>
-            </a:r>
-            <a:r>
-              <a:rPr lang="nl-NL" sz="2400" dirty="0" smtClean="0"/>
-              <a:t> Ruediger85 (CC-BY-SA)</a:t>
-            </a:r>
-          </a:p>
-          <a:p>
-            <a:r>
-              <a:rPr lang="nl-NL" sz="2400" dirty="0" err="1" smtClean="0"/>
-              <a:t>Density</a:t>
-            </a:r>
-            <a:r>
-              <a:rPr lang="nl-NL" sz="2400" dirty="0" smtClean="0"/>
-              <a:t> plot </a:t>
-            </a:r>
-            <a:r>
-              <a:rPr lang="nl-NL" sz="2400" dirty="0" err="1" smtClean="0"/>
-              <a:t>by</a:t>
-            </a:r>
-            <a:r>
-              <a:rPr lang="nl-NL" sz="2400" dirty="0" smtClean="0"/>
-              <a:t> Jake (CC-BY)</a:t>
-            </a:r>
-          </a:p>
-          <a:p>
-            <a:r>
-              <a:rPr lang="nl-NL" sz="2400" dirty="0" err="1" smtClean="0"/>
-              <a:t>Normal</a:t>
-            </a:r>
-            <a:r>
-              <a:rPr lang="nl-NL" sz="2400" dirty="0" smtClean="0"/>
-              <a:t> </a:t>
-            </a:r>
-            <a:r>
-              <a:rPr lang="nl-NL" sz="2400" dirty="0" err="1" smtClean="0"/>
-              <a:t>distribution</a:t>
-            </a:r>
-            <a:r>
-              <a:rPr lang="nl-NL" sz="2400" dirty="0" smtClean="0"/>
-              <a:t> </a:t>
-            </a:r>
-            <a:r>
-              <a:rPr lang="nl-NL" sz="2400" dirty="0" err="1" smtClean="0"/>
-              <a:t>by</a:t>
-            </a:r>
-            <a:r>
-              <a:rPr lang="nl-NL" sz="2400" dirty="0" smtClean="0"/>
-              <a:t> </a:t>
-            </a:r>
-            <a:r>
-              <a:rPr lang="nl-NL" sz="2400" dirty="0" err="1" smtClean="0"/>
-              <a:t>Heds</a:t>
-            </a:r>
-            <a:r>
-              <a:rPr lang="nl-NL" sz="2400" dirty="0" smtClean="0"/>
-              <a:t> 1 (PD)</a:t>
-            </a:r>
-            <a:endParaRPr lang="nl-NL" sz="2400" dirty="0"/>
-          </a:p>
-        </p:txBody>
-      </p:sp>
-    </p:spTree>
-    <p:extLst>
-      <p:ext uri="{BB962C8B-B14F-4D97-AF65-F5344CB8AC3E}">
-        <p14:creationId xmlns:p14="http://schemas.microsoft.com/office/powerpoint/2010/main" val="882192129"/>
-      </p:ext>
-    </p:extLst>
-  </p:cSld>
-  <p:clrMapOvr>
-    <a:masterClrMapping/>
-  </p:clrMapOvr>
+  <p:timing>
+    <p:tnLst>
+      <p:par>
+        <p:cTn id="1" dur="indefinite" restart="never" nodeType="tmRoot"/>
+      </p:par>
+    </p:tnLst>
+  </p:timing>
 </p:sld>
 </file>
 
@@ -21986,6 +19891,13 @@
   <p:clrMapOvr>
     <a:masterClrMapping/>
   </p:clrMapOvr>
+  <p:timing>
+    <p:tnLst>
+      <p:par>
+        <p:cTn id="1" dur="indefinite" restart="never" nodeType="tmRoot"/>
+      </p:par>
+    </p:tnLst>
+  </p:timing>
 </p:sld>
 </file>
 
@@ -22266,6 +20178,13 @@
   <p:clrMapOvr>
     <a:masterClrMapping/>
   </p:clrMapOvr>
+  <p:timing>
+    <p:tnLst>
+      <p:par>
+        <p:cTn id="1" dur="indefinite" restart="never" nodeType="tmRoot"/>
+      </p:par>
+    </p:tnLst>
+  </p:timing>
 </p:sld>
 </file>
 
@@ -22546,6 +20465,13 @@
   <p:clrMapOvr>
     <a:masterClrMapping/>
   </p:clrMapOvr>
+  <p:timing>
+    <p:tnLst>
+      <p:par>
+        <p:cTn id="1" dur="indefinite" restart="never" nodeType="tmRoot"/>
+      </p:par>
+    </p:tnLst>
+  </p:timing>
 </p:sld>
 </file>
 
@@ -22787,6 +20713,13 @@
   <p:clrMapOvr>
     <a:masterClrMapping/>
   </p:clrMapOvr>
+  <p:timing>
+    <p:tnLst>
+      <p:par>
+        <p:cTn id="1" dur="indefinite" restart="never" nodeType="tmRoot"/>
+      </p:par>
+    </p:tnLst>
+  </p:timing>
 </p:sld>
 </file>
 
@@ -23282,6 +21215,13 @@
   <p:clrMapOvr>
     <a:masterClrMapping/>
   </p:clrMapOvr>
+  <p:timing>
+    <p:tnLst>
+      <p:par>
+        <p:cTn id="1" dur="indefinite" restart="never" nodeType="tmRoot"/>
+      </p:par>
+    </p:tnLst>
+  </p:timing>
 </p:sld>
 </file>
 
@@ -23459,6 +21399,13 @@
   <p:clrMapOvr>
     <a:masterClrMapping/>
   </p:clrMapOvr>
+  <p:timing>
+    <p:tnLst>
+      <p:par>
+        <p:cTn id="1" dur="indefinite" restart="never" nodeType="tmRoot"/>
+      </p:par>
+    </p:tnLst>
+  </p:timing>
 </p:sld>
 </file>
 

--- a/slides/ddl-w4l1.pptx
+++ b/slides/ddl-w4l1.pptx
@@ -3372,7 +3372,7 @@
             <a:fld id="{373F1B60-BDF4-4D63-AD79-99D5A5B1DF99}" type="datetime1">
               <a:rPr lang="en-US"/>
               <a:pPr/>
-              <a:t>12/3/2018</a:t>
+              <a:t>12/9/2018</a:t>
             </a:fld>
             <a:endParaRPr lang="en-US"/>
           </a:p>
@@ -3591,7 +3591,7 @@
             <a:fld id="{4387A7AA-DFE9-4771-BEDE-3294FCEBFB02}" type="datetime1">
               <a:rPr lang="en-US"/>
               <a:pPr/>
-              <a:t>12/3/2018</a:t>
+              <a:t>12/9/2018</a:t>
             </a:fld>
             <a:endParaRPr lang="en-US"/>
           </a:p>
@@ -3982,7 +3982,7 @@
             <a:fld id="{8541E2CD-DBF4-40F9-B6F8-EEFD0DF8A138}" type="datetime1">
               <a:rPr lang="en-US"/>
               <a:pPr/>
-              <a:t>12/3/2018</a:t>
+              <a:t>12/9/2018</a:t>
             </a:fld>
             <a:endParaRPr lang="en-US"/>
           </a:p>
@@ -4197,7 +4197,7 @@
             <a:fld id="{93F21019-3A00-48AC-9663-40DF67A83229}" type="datetime1">
               <a:rPr lang="en-US"/>
               <a:pPr/>
-              <a:t>12/3/2018</a:t>
+              <a:t>12/9/2018</a:t>
             </a:fld>
             <a:endParaRPr lang="en-US">
               <a:solidFill>
@@ -4383,7 +4383,7 @@
             <a:fld id="{8B2EF9C8-0AC3-4A53-9A61-1834A571F420}" type="datetime1">
               <a:rPr lang="en-US"/>
               <a:pPr/>
-              <a:t>12/3/2018</a:t>
+              <a:t>12/9/2018</a:t>
             </a:fld>
             <a:endParaRPr lang="en-US" sz="1400">
               <a:solidFill>
@@ -4580,7 +4580,7 @@
             <a:fld id="{F02960F3-A385-4905-A491-FDC17E063DD1}" type="datetime1">
               <a:rPr lang="en-US"/>
               <a:pPr/>
-              <a:t>12/3/2018</a:t>
+              <a:t>12/9/2018</a:t>
             </a:fld>
             <a:endParaRPr lang="en-US" sz="1400">
               <a:solidFill>
@@ -4839,7 +4839,7 @@
             <a:fld id="{CD3AD70A-8E2A-47B5-AC18-ABBB5A8E737D}" type="datetime1">
               <a:rPr lang="en-US"/>
               <a:pPr/>
-              <a:t>12/3/2018</a:t>
+              <a:t>12/9/2018</a:t>
             </a:fld>
             <a:endParaRPr lang="en-US" sz="1400">
               <a:solidFill>
@@ -5075,7 +5075,7 @@
             <a:fld id="{07008C2E-9BD6-496B-BFC3-B4A975EBC85E}" type="datetime1">
               <a:rPr lang="en-US"/>
               <a:pPr/>
-              <a:t>12/3/2018</a:t>
+              <a:t>12/9/2018</a:t>
             </a:fld>
             <a:endParaRPr lang="en-US" sz="1400">
               <a:solidFill>
@@ -5254,7 +5254,7 @@
             <a:fld id="{1AA2C3CF-866C-4FDE-B76D-4E9536901630}" type="datetime1">
               <a:rPr lang="en-US"/>
               <a:pPr/>
-              <a:t>12/3/2018</a:t>
+              <a:t>12/9/2018</a:t>
             </a:fld>
             <a:endParaRPr lang="en-US" sz="1400">
               <a:solidFill>
@@ -5433,7 +5433,7 @@
             <a:fld id="{555EE259-FE08-4558-B721-B189FFE77284}" type="datetime1">
               <a:rPr lang="en-US"/>
               <a:pPr/>
-              <a:t>12/3/2018</a:t>
+              <a:t>12/9/2018</a:t>
             </a:fld>
             <a:endParaRPr lang="en-US" sz="1400">
               <a:solidFill>
@@ -5702,7 +5702,7 @@
             <a:fld id="{0AF4064E-5624-49AB-B7C6-E301A8F6B1FF}" type="datetime1">
               <a:rPr lang="en-US"/>
               <a:pPr/>
-              <a:t>12/3/2018</a:t>
+              <a:t>12/9/2018</a:t>
             </a:fld>
             <a:endParaRPr lang="en-US" sz="1400">
               <a:solidFill>
@@ -5899,7 +5899,7 @@
             <a:fld id="{CBC97FCD-6C54-4833-B032-BFBCDFA8379D}" type="datetime1">
               <a:rPr lang="en-US"/>
               <a:pPr/>
-              <a:t>12/3/2018</a:t>
+              <a:t>12/9/2018</a:t>
             </a:fld>
             <a:endParaRPr lang="en-US" sz="1400">
               <a:solidFill>
@@ -6108,7 +6108,7 @@
             <a:fld id="{F04AA577-515A-431F-98B6-3B03494ABB11}" type="datetime1">
               <a:rPr lang="en-US"/>
               <a:pPr/>
-              <a:t>12/3/2018</a:t>
+              <a:t>12/9/2018</a:t>
             </a:fld>
             <a:endParaRPr lang="en-US" sz="1400">
               <a:solidFill>
@@ -6413,7 +6413,7 @@
             <a:fld id="{6475F1A4-C474-4345-A800-2F40B0E4E70C}" type="datetime1">
               <a:rPr lang="en-US"/>
               <a:pPr/>
-              <a:t>12/3/2018</a:t>
+              <a:t>12/9/2018</a:t>
             </a:fld>
             <a:endParaRPr lang="en-US" sz="1400">
               <a:solidFill>
@@ -6857,7 +6857,7 @@
             <a:fld id="{7BA535AB-820E-4207-9DA8-5F37106C7AF4}" type="datetime1">
               <a:rPr lang="en-US"/>
               <a:pPr/>
-              <a:t>12/3/2018</a:t>
+              <a:t>12/9/2018</a:t>
             </a:fld>
             <a:endParaRPr lang="en-US" sz="1400">
               <a:solidFill>
@@ -6992,7 +6992,7 @@
             <a:fld id="{0A7E69FA-D7EE-42C0-9117-1971B541885F}" type="datetime1">
               <a:rPr lang="en-US"/>
               <a:pPr/>
-              <a:t>12/3/2018</a:t>
+              <a:t>12/9/2018</a:t>
             </a:fld>
             <a:endParaRPr lang="en-US" sz="1400">
               <a:solidFill>
@@ -7104,7 +7104,7 @@
             <a:fld id="{10D7644E-1B5D-4325-BA79-338DF2B89B56}" type="datetime1">
               <a:rPr lang="en-US"/>
               <a:pPr/>
-              <a:t>12/3/2018</a:t>
+              <a:t>12/9/2018</a:t>
             </a:fld>
             <a:endParaRPr lang="en-US" sz="1400">
               <a:solidFill>
@@ -7398,7 +7398,7 @@
             <a:fld id="{B790C882-0B74-4932-8998-E9ABB8AF1740}" type="datetime1">
               <a:rPr lang="en-US"/>
               <a:pPr/>
-              <a:t>12/3/2018</a:t>
+              <a:t>12/9/2018</a:t>
             </a:fld>
             <a:endParaRPr lang="en-US" sz="1400">
               <a:solidFill>
@@ -7668,7 +7668,7 @@
             <a:fld id="{9DC585DC-AE7D-44C1-90AB-C3A391DEA065}" type="datetime1">
               <a:rPr lang="en-US"/>
               <a:pPr/>
-              <a:t>12/3/2018</a:t>
+              <a:t>12/9/2018</a:t>
             </a:fld>
             <a:endParaRPr lang="en-US" sz="1400">
               <a:solidFill>
@@ -7932,7 +7932,7 @@
             <a:fld id="{256CE565-1940-4E5F-9190-C0815CEAAA9D}" type="datetime1">
               <a:rPr lang="en-US"/>
               <a:pPr/>
-              <a:t>12/3/2018</a:t>
+              <a:t>12/9/2018</a:t>
             </a:fld>
             <a:endParaRPr lang="en-US"/>
           </a:p>
@@ -14716,7 +14716,7 @@
           <a:graphicData uri="http://schemas.openxmlformats.org/presentationml/2006/ole">
             <mc:AlternateContent xmlns:mc="http://schemas.openxmlformats.org/markup-compatibility/2006">
               <mc:Choice xmlns:v="urn:schemas-microsoft-com:vml" Requires="v">
-                <p:oleObj spid="_x0000_s1080" name="Vergelijking" r:id="rId3" imgW="3454200" imgH="1193760" progId="Equation.3">
+                <p:oleObj spid="_x0000_s1086" name="Vergelijking" r:id="rId3" imgW="3454200" imgH="1193760" progId="Equation.3">
                   <p:embed/>
                 </p:oleObj>
               </mc:Choice>
@@ -15022,7 +15022,7 @@
           <a:graphicData uri="http://schemas.openxmlformats.org/presentationml/2006/ole">
             <mc:AlternateContent xmlns:mc="http://schemas.openxmlformats.org/markup-compatibility/2006">
               <mc:Choice xmlns:v="urn:schemas-microsoft-com:vml" Requires="v">
-                <p:oleObj spid="_x0000_s1081" name="Vergelijking" r:id="rId5" imgW="672840" imgH="317160" progId="Equation.3">
+                <p:oleObj spid="_x0000_s1087" name="Vergelijking" r:id="rId5" imgW="672840" imgH="317160" progId="Equation.3">
                   <p:embed/>
                 </p:oleObj>
               </mc:Choice>
@@ -18083,7 +18083,7 @@
         <p:spPr>
           <a:xfrm>
             <a:off x="816464" y="1484784"/>
-            <a:ext cx="7881938" cy="5798510"/>
+            <a:ext cx="7881938" cy="5977021"/>
           </a:xfrm>
         </p:spPr>
         <p:txBody>
@@ -18161,7 +18161,17 @@
                 <a:latin typeface="Courier New" panose="02070309020205020404" pitchFamily="49" charset="0"/>
                 <a:cs typeface="Courier New" panose="02070309020205020404" pitchFamily="49" charset="0"/>
               </a:rPr>
-              <a:t>the </a:t>
+              <a:t>the Google Sheets </a:t>
+            </a:r>
+            <a:r>
+              <a:rPr lang="nl-NL" sz="1400" dirty="0" err="1" smtClean="0">
+                <a:solidFill>
+                  <a:schemeClr val="tx1"/>
+                </a:solidFill>
+                <a:latin typeface="Courier New" panose="02070309020205020404" pitchFamily="49" charset="0"/>
+                <a:cs typeface="Courier New" panose="02070309020205020404" pitchFamily="49" charset="0"/>
+              </a:rPr>
+              <a:t>table</a:t>
             </a:r>
             <a:r>
               <a:rPr lang="nl-NL" sz="1400" dirty="0" smtClean="0">
@@ -18170,9 +18180,8 @@
                 </a:solidFill>
                 <a:latin typeface="Courier New" panose="02070309020205020404" pitchFamily="49" charset="0"/>
                 <a:cs typeface="Courier New" panose="02070309020205020404" pitchFamily="49" charset="0"/>
-                <a:hlinkClick r:id="rId2"/>
-              </a:rPr>
-              <a:t>Google Sheets </a:t>
+              </a:rPr>
+              <a:t> (</a:t>
             </a:r>
             <a:r>
               <a:rPr lang="nl-NL" sz="1400" dirty="0" err="1" smtClean="0">
@@ -18181,9 +18190,8 @@
                 </a:solidFill>
                 <a:latin typeface="Courier New" panose="02070309020205020404" pitchFamily="49" charset="0"/>
                 <a:cs typeface="Courier New" panose="02070309020205020404" pitchFamily="49" charset="0"/>
-                <a:hlinkClick r:id="rId2"/>
-              </a:rPr>
-              <a:t>table</a:t>
+              </a:rPr>
+              <a:t>see</a:t>
             </a:r>
             <a:r>
               <a:rPr lang="nl-NL" sz="1400" dirty="0" smtClean="0">
@@ -18192,7 +18200,40 @@
                 </a:solidFill>
                 <a:latin typeface="Courier New" panose="02070309020205020404" pitchFamily="49" charset="0"/>
                 <a:cs typeface="Courier New" panose="02070309020205020404" pitchFamily="49" charset="0"/>
-                <a:hlinkClick r:id="rId2"/>
+              </a:rPr>
+              <a:t> link on </a:t>
+            </a:r>
+            <a:r>
+              <a:rPr lang="nl-NL" sz="1400" dirty="0" err="1" smtClean="0">
+                <a:solidFill>
+                  <a:schemeClr val="tx1"/>
+                </a:solidFill>
+                <a:latin typeface="Courier New" panose="02070309020205020404" pitchFamily="49" charset="0"/>
+                <a:cs typeface="Courier New" panose="02070309020205020404" pitchFamily="49" charset="0"/>
+              </a:rPr>
+              <a:t>Learn</a:t>
+            </a:r>
+            <a:r>
+              <a:rPr lang="nl-NL" sz="1400" dirty="0" smtClean="0">
+                <a:solidFill>
+                  <a:schemeClr val="tx1"/>
+                </a:solidFill>
+                <a:latin typeface="Courier New" panose="02070309020205020404" pitchFamily="49" charset="0"/>
+                <a:cs typeface="Courier New" panose="02070309020205020404" pitchFamily="49" charset="0"/>
+              </a:rPr>
+              <a:t>) </a:t>
+            </a:r>
+            <a:r>
+              <a:rPr lang="nl-NL" sz="1400" dirty="0" err="1" smtClean="0">
+                <a:latin typeface="Courier New" panose="02070309020205020404" pitchFamily="49" charset="0"/>
+                <a:cs typeface="Courier New" panose="02070309020205020404" pitchFamily="49" charset="0"/>
+              </a:rPr>
+              <a:t>with</a:t>
+            </a:r>
+            <a:r>
+              <a:rPr lang="nl-NL" sz="1400" dirty="0" smtClean="0">
+                <a:latin typeface="Courier New" panose="02070309020205020404" pitchFamily="49" charset="0"/>
+                <a:cs typeface="Courier New" panose="02070309020205020404" pitchFamily="49" charset="0"/>
               </a:rPr>
               <a:t> </a:t>
             </a:r>
@@ -18201,13 +18242,27 @@
                 <a:latin typeface="Courier New" panose="02070309020205020404" pitchFamily="49" charset="0"/>
                 <a:cs typeface="Courier New" panose="02070309020205020404" pitchFamily="49" charset="0"/>
               </a:rPr>
-              <a:t>with</a:t>
+              <a:t>your</a:t>
             </a:r>
             <a:r>
               <a:rPr lang="nl-NL" sz="1400" dirty="0" smtClean="0">
                 <a:latin typeface="Courier New" panose="02070309020205020404" pitchFamily="49" charset="0"/>
                 <a:cs typeface="Courier New" panose="02070309020205020404" pitchFamily="49" charset="0"/>
               </a:rPr>
+              <a:t> data. </a:t>
+            </a:r>
+            <a:r>
+              <a:rPr lang="nl-NL" sz="1400" dirty="0" err="1" smtClean="0">
+                <a:latin typeface="Courier New" panose="02070309020205020404" pitchFamily="49" charset="0"/>
+                <a:cs typeface="Courier New" panose="02070309020205020404" pitchFamily="49" charset="0"/>
+              </a:rPr>
+              <a:t>Please</a:t>
+            </a:r>
+            <a:r>
+              <a:rPr lang="nl-NL" sz="1400" dirty="0" smtClean="0">
+                <a:latin typeface="Courier New" panose="02070309020205020404" pitchFamily="49" charset="0"/>
+                <a:cs typeface="Courier New" panose="02070309020205020404" pitchFamily="49" charset="0"/>
+              </a:rPr>
               <a:t> </a:t>
             </a:r>
             <a:r>
@@ -18215,91 +18270,63 @@
                 <a:latin typeface="Courier New" panose="02070309020205020404" pitchFamily="49" charset="0"/>
                 <a:cs typeface="Courier New" panose="02070309020205020404" pitchFamily="49" charset="0"/>
               </a:rPr>
-              <a:t>your</a:t>
+              <a:t>leave</a:t>
             </a:r>
             <a:r>
               <a:rPr lang="nl-NL" sz="1400" dirty="0" smtClean="0">
                 <a:latin typeface="Courier New" panose="02070309020205020404" pitchFamily="49" charset="0"/>
                 <a:cs typeface="Courier New" panose="02070309020205020404" pitchFamily="49" charset="0"/>
               </a:rPr>
-              <a:t> data. </a:t>
+              <a:t> blank </a:t>
             </a:r>
             <a:r>
               <a:rPr lang="nl-NL" sz="1400" dirty="0" err="1" smtClean="0">
                 <a:latin typeface="Courier New" panose="02070309020205020404" pitchFamily="49" charset="0"/>
                 <a:cs typeface="Courier New" panose="02070309020205020404" pitchFamily="49" charset="0"/>
               </a:rPr>
-              <a:t>Please</a:t>
+              <a:t>any</a:t>
+            </a:r>
+            <a:r>
+              <a:rPr lang="nl-NL" sz="1400" dirty="0">
+                <a:latin typeface="Courier New" panose="02070309020205020404" pitchFamily="49" charset="0"/>
+                <a:cs typeface="Courier New" panose="02070309020205020404" pitchFamily="49" charset="0"/>
+              </a:rPr>
+              <a:t> </a:t>
             </a:r>
             <a:r>
               <a:rPr lang="nl-NL" sz="1400" dirty="0" smtClean="0">
                 <a:latin typeface="Courier New" panose="02070309020205020404" pitchFamily="49" charset="0"/>
                 <a:cs typeface="Courier New" panose="02070309020205020404" pitchFamily="49" charset="0"/>
               </a:rPr>
+              <a:t>columns </a:t>
+            </a:r>
+            <a:r>
+              <a:rPr lang="nl-NL" sz="1400" dirty="0" err="1" smtClean="0">
+                <a:latin typeface="Courier New" panose="02070309020205020404" pitchFamily="49" charset="0"/>
+                <a:cs typeface="Courier New" panose="02070309020205020404" pitchFamily="49" charset="0"/>
+              </a:rPr>
+              <a:t>that</a:t>
+            </a:r>
+            <a:r>
+              <a:rPr lang="nl-NL" sz="1400" dirty="0" smtClean="0">
+                <a:latin typeface="Courier New" panose="02070309020205020404" pitchFamily="49" charset="0"/>
+                <a:cs typeface="Courier New" panose="02070309020205020404" pitchFamily="49" charset="0"/>
+              </a:rPr>
               <a:t> </a:t>
             </a:r>
             <a:r>
-              <a:rPr lang="nl-NL" sz="1400" dirty="0" err="1" smtClean="0">
-                <a:latin typeface="Courier New" panose="02070309020205020404" pitchFamily="49" charset="0"/>
-                <a:cs typeface="Courier New" panose="02070309020205020404" pitchFamily="49" charset="0"/>
-              </a:rPr>
-              <a:t>leave</a:t>
+              <a:rPr lang="nl-NL" sz="1400" smtClean="0">
+                <a:latin typeface="Courier New" panose="02070309020205020404" pitchFamily="49" charset="0"/>
+                <a:cs typeface="Courier New" panose="02070309020205020404" pitchFamily="49" charset="0"/>
+              </a:rPr>
+              <a:t>you </a:t>
             </a:r>
             <a:r>
               <a:rPr lang="nl-NL" sz="1400" dirty="0" smtClean="0">
                 <a:latin typeface="Courier New" panose="02070309020205020404" pitchFamily="49" charset="0"/>
                 <a:cs typeface="Courier New" panose="02070309020205020404" pitchFamily="49" charset="0"/>
               </a:rPr>
-              <a:t> blank </a:t>
-            </a:r>
-            <a:r>
-              <a:rPr lang="nl-NL" sz="1400" dirty="0" err="1" smtClean="0">
-                <a:latin typeface="Courier New" panose="02070309020205020404" pitchFamily="49" charset="0"/>
-                <a:cs typeface="Courier New" panose="02070309020205020404" pitchFamily="49" charset="0"/>
-              </a:rPr>
-              <a:t>any</a:t>
-            </a:r>
-            <a:r>
-              <a:rPr lang="nl-NL" sz="1400" dirty="0">
-                <a:latin typeface="Courier New" panose="02070309020205020404" pitchFamily="49" charset="0"/>
-                <a:cs typeface="Courier New" panose="02070309020205020404" pitchFamily="49" charset="0"/>
-              </a:rPr>
-              <a:t> </a:t>
-            </a:r>
-            <a:r>
-              <a:rPr lang="nl-NL" sz="1400" dirty="0" smtClean="0">
-                <a:latin typeface="Courier New" panose="02070309020205020404" pitchFamily="49" charset="0"/>
-                <a:cs typeface="Courier New" panose="02070309020205020404" pitchFamily="49" charset="0"/>
-              </a:rPr>
-              <a:t>columns </a:t>
-            </a:r>
-            <a:r>
-              <a:rPr lang="nl-NL" sz="1400" dirty="0" err="1" smtClean="0">
-                <a:latin typeface="Courier New" panose="02070309020205020404" pitchFamily="49" charset="0"/>
-                <a:cs typeface="Courier New" panose="02070309020205020404" pitchFamily="49" charset="0"/>
-              </a:rPr>
-              <a:t>that</a:t>
-            </a:r>
-            <a:r>
-              <a:rPr lang="nl-NL" sz="1400" dirty="0" smtClean="0">
-                <a:latin typeface="Courier New" panose="02070309020205020404" pitchFamily="49" charset="0"/>
-                <a:cs typeface="Courier New" panose="02070309020205020404" pitchFamily="49" charset="0"/>
-              </a:rPr>
-              <a:t> </a:t>
-            </a:r>
-            <a:r>
-              <a:rPr lang="nl-NL" sz="1400" dirty="0" err="1" smtClean="0">
-                <a:latin typeface="Courier New" panose="02070309020205020404" pitchFamily="49" charset="0"/>
-                <a:cs typeface="Courier New" panose="02070309020205020404" pitchFamily="49" charset="0"/>
-              </a:rPr>
-              <a:t>your</a:t>
-            </a:r>
-            <a:r>
-              <a:rPr lang="nl-NL" sz="1400" dirty="0" smtClean="0">
-                <a:latin typeface="Courier New" panose="02070309020205020404" pitchFamily="49" charset="0"/>
-                <a:cs typeface="Courier New" panose="02070309020205020404" pitchFamily="49" charset="0"/>
-              </a:rPr>
-              <a:t> feel </a:t>
+              <a:t>feel </a:t>
             </a:r>
             <a:r>
               <a:rPr lang="nl-NL" sz="1400" dirty="0" err="1" smtClean="0">
